--- a/JavaScript Best Practices.pptx
+++ b/JavaScript Best Practices.pptx
@@ -29,6 +29,7 @@
     <p:sldId id="274" r:id="rId22"/>
     <p:sldId id="275" r:id="rId23"/>
     <p:sldId id="276" r:id="rId24"/>
+    <p:sldId id="277" r:id="rId25"/>
   </p:sldIdLst>
   <p:sldSz cx="9144000" cy="6858000"/>
   <p:notesSz cx="6858000" cy="9144000"/>
@@ -79,13 +80,13 @@
               <a:rPr b="0" lang="en-IE" sz="4400" spc="-1" strike="noStrike">
                 <a:latin typeface="Arial"/>
               </a:rPr>
-              <a:t>Click </a:t>
+              <a:t>Clic</a:t>
             </a:r>
             <a:r>
               <a:rPr b="0" lang="en-IE" sz="4400" spc="-1" strike="noStrike">
                 <a:latin typeface="Arial"/>
               </a:rPr>
-              <a:t>to </a:t>
+              <a:t>k to </a:t>
             </a:r>
             <a:r>
               <a:rPr b="0" lang="en-IE" sz="4400" spc="-1" strike="noStrike">
@@ -97,7 +98,13 @@
               <a:rPr b="0" lang="en-IE" sz="4400" spc="-1" strike="noStrike">
                 <a:latin typeface="Arial"/>
               </a:rPr>
-              <a:t>e the </a:t>
+              <a:t>e </a:t>
+            </a:r>
+            <a:r>
+              <a:rPr b="0" lang="en-IE" sz="4400" spc="-1" strike="noStrike">
+                <a:latin typeface="Arial"/>
+              </a:rPr>
+              <a:t>the </a:t>
             </a:r>
             <a:r>
               <a:rPr b="0" lang="en-IE" sz="4400" spc="-1" strike="noStrike">
@@ -137,7 +144,49 @@
               <a:rPr b="0" lang="en-IE" sz="2000" spc="-1" strike="noStrike">
                 <a:latin typeface="Arial"/>
               </a:rPr>
-              <a:t>Click to edit the notes format</a:t>
+              <a:t>Click </a:t>
+            </a:r>
+            <a:r>
+              <a:rPr b="0" lang="en-IE" sz="2000" spc="-1" strike="noStrike">
+                <a:latin typeface="Arial"/>
+              </a:rPr>
+              <a:t>to </a:t>
+            </a:r>
+            <a:r>
+              <a:rPr b="0" lang="en-IE" sz="2000" spc="-1" strike="noStrike">
+                <a:latin typeface="Arial"/>
+              </a:rPr>
+              <a:t>edit </a:t>
+            </a:r>
+            <a:r>
+              <a:rPr b="0" lang="en-IE" sz="2000" spc="-1" strike="noStrike">
+                <a:latin typeface="Arial"/>
+              </a:rPr>
+              <a:t>the </a:t>
+            </a:r>
+            <a:r>
+              <a:rPr b="0" lang="en-IE" sz="2000" spc="-1" strike="noStrike">
+                <a:latin typeface="Arial"/>
+              </a:rPr>
+              <a:t>note</a:t>
+            </a:r>
+            <a:r>
+              <a:rPr b="0" lang="en-IE" sz="2000" spc="-1" strike="noStrike">
+                <a:latin typeface="Arial"/>
+              </a:rPr>
+              <a:t>s </a:t>
+            </a:r>
+            <a:r>
+              <a:rPr b="0" lang="en-IE" sz="2000" spc="-1" strike="noStrike">
+                <a:latin typeface="Arial"/>
+              </a:rPr>
+              <a:t>form</a:t>
+            </a:r>
+            <a:r>
+              <a:rPr b="0" lang="en-IE" sz="2000" spc="-1" strike="noStrike">
+                <a:latin typeface="Arial"/>
+              </a:rPr>
+              <a:t>at</a:t>
             </a:r>
             <a:endParaRPr b="0" lang="en-IE" sz="2000" spc="-1" strike="noStrike">
               <a:latin typeface="Arial"/>
@@ -271,7 +320,7 @@
           <a:bodyPr lIns="0" rIns="0" tIns="0" bIns="0" anchor="b"/>
           <a:p>
             <a:pPr algn="r"/>
-            <a:fld id="{D7796400-6A69-4434-9445-F73CE6A4467A}" type="slidenum">
+            <a:fld id="{5540405F-32B6-404E-82FC-9BB10F967C01}" type="slidenum">
               <a:rPr b="0" lang="en-IE" sz="1400" spc="-1" strike="noStrike">
                 <a:latin typeface="Times New Roman"/>
               </a:rPr>
@@ -308,14 +357,14 @@
       </p:grpSpPr>
       <p:sp>
         <p:nvSpPr>
-          <p:cNvPr id="140" name="CustomShape 1"/>
+          <p:cNvPr id="154" name="CustomShape 1"/>
           <p:cNvSpPr/>
           <p:nvPr/>
         </p:nvSpPr>
         <p:spPr>
           <a:xfrm>
             <a:off x="3884760" y="8685360"/>
-            <a:ext cx="2971080" cy="456480"/>
+            <a:ext cx="2970360" cy="455760"/>
           </a:xfrm>
           <a:prstGeom prst="rect">
             <a:avLst/>
@@ -339,7 +388,7 @@
                 <a:spcPct val="100000"/>
               </a:lnSpc>
             </a:pPr>
-            <a:fld id="{3E0479F1-45A9-46AA-B8E2-1AD723D27B8C}" type="slidenum">
+            <a:fld id="{0D7E7669-D696-49D2-91F0-3FEFE4F6DE87}" type="slidenum">
               <a:rPr b="0" lang="en-IE" sz="1200" spc="-1" strike="noStrike">
                 <a:solidFill>
                   <a:srgbClr val="000000"/>
@@ -356,7 +405,7 @@
       </p:sp>
       <p:sp>
         <p:nvSpPr>
-          <p:cNvPr id="141" name="PlaceHolder 2"/>
+          <p:cNvPr id="155" name="PlaceHolder 2"/>
           <p:cNvSpPr>
             <a:spLocks noGrp="1"/>
           </p:cNvSpPr>
@@ -367,16 +416,16 @@
         <p:spPr>
           <a:xfrm>
             <a:off x="1143000" y="685800"/>
-            <a:ext cx="4571280" cy="3428280"/>
-          </a:xfrm>
-          <a:prstGeom prst="rect">
-            <a:avLst/>
-          </a:prstGeom>
-        </p:spPr>
-      </p:sp>
-      <p:sp>
-        <p:nvSpPr>
-          <p:cNvPr id="142" name="PlaceHolder 3"/>
+            <a:ext cx="4570560" cy="3427560"/>
+          </a:xfrm>
+          <a:prstGeom prst="rect">
+            <a:avLst/>
+          </a:prstGeom>
+        </p:spPr>
+      </p:sp>
+      <p:sp>
+        <p:nvSpPr>
+          <p:cNvPr id="156" name="PlaceHolder 3"/>
           <p:cNvSpPr>
             <a:spLocks noGrp="1"/>
           </p:cNvSpPr>
@@ -387,7 +436,7 @@
         <p:spPr>
           <a:xfrm>
             <a:off x="685800" y="4343400"/>
-            <a:ext cx="5485680" cy="4114080"/>
+            <a:ext cx="5484960" cy="4113360"/>
           </a:xfrm>
           <a:prstGeom prst="rect">
             <a:avLst/>
@@ -459,7 +508,7 @@
         <p:spPr>
           <a:xfrm>
             <a:off x="628560" y="365040"/>
-            <a:ext cx="7886160" cy="1324800"/>
+            <a:ext cx="7885440" cy="1324080"/>
           </a:xfrm>
           <a:prstGeom prst="rect">
             <a:avLst/>
@@ -570,7 +619,7 @@
         <p:spPr>
           <a:xfrm>
             <a:off x="628560" y="365040"/>
-            <a:ext cx="7886160" cy="1324800"/>
+            <a:ext cx="7885440" cy="1324080"/>
           </a:xfrm>
           <a:prstGeom prst="rect">
             <a:avLst/>
@@ -741,7 +790,7 @@
         <p:spPr>
           <a:xfrm>
             <a:off x="628560" y="365040"/>
-            <a:ext cx="7886160" cy="1324800"/>
+            <a:ext cx="7885440" cy="1324080"/>
           </a:xfrm>
           <a:prstGeom prst="rect">
             <a:avLst/>
@@ -972,7 +1021,7 @@
         <p:spPr>
           <a:xfrm>
             <a:off x="628560" y="365040"/>
-            <a:ext cx="7886160" cy="1324800"/>
+            <a:ext cx="7885440" cy="1324080"/>
           </a:xfrm>
           <a:prstGeom prst="rect">
             <a:avLst/>
@@ -1052,7 +1101,7 @@
         <p:spPr>
           <a:xfrm>
             <a:off x="628560" y="365040"/>
-            <a:ext cx="7886160" cy="1324800"/>
+            <a:ext cx="7885440" cy="1324080"/>
           </a:xfrm>
           <a:prstGeom prst="rect">
             <a:avLst/>
@@ -1133,7 +1182,7 @@
         <p:spPr>
           <a:xfrm>
             <a:off x="628560" y="365040"/>
-            <a:ext cx="7886160" cy="1324800"/>
+            <a:ext cx="7885440" cy="1324080"/>
           </a:xfrm>
           <a:prstGeom prst="rect">
             <a:avLst/>
@@ -1244,7 +1293,7 @@
         <p:spPr>
           <a:xfrm>
             <a:off x="628560" y="365040"/>
-            <a:ext cx="7886160" cy="1324800"/>
+            <a:ext cx="7885440" cy="1324080"/>
           </a:xfrm>
           <a:prstGeom prst="rect">
             <a:avLst/>
@@ -1295,7 +1344,7 @@
         <p:spPr>
           <a:xfrm>
             <a:off x="628560" y="365040"/>
-            <a:ext cx="7886160" cy="6142320"/>
+            <a:ext cx="7885440" cy="6139080"/>
           </a:xfrm>
           <a:prstGeom prst="rect">
             <a:avLst/>
@@ -1346,7 +1395,7 @@
         <p:spPr>
           <a:xfrm>
             <a:off x="628560" y="365040"/>
-            <a:ext cx="7886160" cy="1324800"/>
+            <a:ext cx="7885440" cy="1324080"/>
           </a:xfrm>
           <a:prstGeom prst="rect">
             <a:avLst/>
@@ -1487,7 +1536,7 @@
         <p:spPr>
           <a:xfrm>
             <a:off x="628560" y="365040"/>
-            <a:ext cx="7886160" cy="1324800"/>
+            <a:ext cx="7885440" cy="1324080"/>
           </a:xfrm>
           <a:prstGeom prst="rect">
             <a:avLst/>
@@ -1628,7 +1677,7 @@
         <p:spPr>
           <a:xfrm>
             <a:off x="628560" y="365040"/>
-            <a:ext cx="7886160" cy="1324800"/>
+            <a:ext cx="7885440" cy="1324080"/>
           </a:xfrm>
           <a:prstGeom prst="rect">
             <a:avLst/>
@@ -1781,7 +1830,7 @@
         <p:spPr>
           <a:xfrm>
             <a:off x="628560" y="365040"/>
-            <a:ext cx="7886160" cy="1324800"/>
+            <a:ext cx="7885440" cy="1324080"/>
           </a:xfrm>
           <a:prstGeom prst="rect">
             <a:avLst/>
@@ -2027,7 +2076,7 @@
         <p:spPr>
           <a:xfrm>
             <a:off x="228600" y="914400"/>
-            <a:ext cx="9207720" cy="913680"/>
+            <a:ext cx="9207000" cy="912960"/>
           </a:xfrm>
           <a:prstGeom prst="rect">
             <a:avLst/>
@@ -2057,6 +2106,7 @@
                   <a:srgbClr val="000000"/>
                 </a:solidFill>
                 <a:latin typeface="Arial"/>
+                <a:ea typeface="DejaVu Sans"/>
               </a:rPr>
               <a:t>Front-End Web Development </a:t>
             </a:r>
@@ -2067,6 +2117,7 @@
                   <a:srgbClr val="000000"/>
                 </a:solidFill>
                 <a:latin typeface="Arial"/>
+                <a:ea typeface="DejaVu Sans"/>
               </a:rPr>
               <a:t>Best Practices</a:t>
             </a:r>
@@ -2085,7 +2136,7 @@
         <p:spPr>
           <a:xfrm>
             <a:off x="6458040" y="6356520"/>
-            <a:ext cx="2056680" cy="364320"/>
+            <a:ext cx="2055960" cy="363600"/>
           </a:xfrm>
           <a:prstGeom prst="rect">
             <a:avLst/>
@@ -2109,12 +2160,13 @@
                 <a:spcPct val="100000"/>
               </a:lnSpc>
             </a:pPr>
-            <a:fld id="{82BB50F4-61C0-433F-B924-A40F1054FDAD}" type="slidenum">
+            <a:fld id="{DF86446B-C3FC-4A5B-81C2-44DE7D1802D3}" type="slidenum">
               <a:rPr b="0" lang="en-IE" sz="900" spc="-1" strike="noStrike">
                 <a:solidFill>
                   <a:srgbClr val="8b8b8b"/>
                 </a:solidFill>
                 <a:latin typeface="Arial Black"/>
+                <a:ea typeface="DejaVu Sans"/>
               </a:rPr>
               <a:t>1</a:t>
             </a:fld>
@@ -2182,7 +2234,7 @@
         <p:spPr>
           <a:xfrm>
             <a:off x="2193480" y="-101160"/>
-            <a:ext cx="7886160" cy="1324800"/>
+            <a:ext cx="7885440" cy="1324080"/>
           </a:xfrm>
           <a:prstGeom prst="rect">
             <a:avLst/>
@@ -2212,6 +2264,7 @@
                   <a:srgbClr val="000000"/>
                 </a:solidFill>
                 <a:latin typeface="Arial"/>
+                <a:ea typeface="DejaVu Sans"/>
               </a:rPr>
               <a:t>Configuring Visual Studio Code</a:t>
             </a:r>
@@ -2234,7 +2287,7 @@
         <p:spPr>
           <a:xfrm>
             <a:off x="216000" y="5328360"/>
-            <a:ext cx="2735640" cy="1367640"/>
+            <a:ext cx="2734920" cy="1366920"/>
           </a:xfrm>
           <a:prstGeom prst="rect">
             <a:avLst/>
@@ -2253,7 +2306,7 @@
         <p:spPr>
           <a:xfrm>
             <a:off x="381600" y="1368000"/>
-            <a:ext cx="8762400" cy="4723560"/>
+            <a:ext cx="8761680" cy="4722840"/>
           </a:xfrm>
           <a:prstGeom prst="rect">
             <a:avLst/>
@@ -2274,7 +2327,7 @@
             <a:normAutofit/>
           </a:bodyPr>
           <a:p>
-            <a:pPr marL="171360" indent="-170640">
+            <a:pPr marL="171360" indent="-169920">
               <a:lnSpc>
                 <a:spcPct val="90000"/>
               </a:lnSpc>
@@ -2290,7 +2343,7 @@
             <a:r>
               <a:rPr b="0" lang="en-IE" sz="2200" spc="-1" strike="noStrike" u="sng">
                 <a:solidFill>
-                  <a:srgbClr val="000000"/>
+                  <a:srgbClr val="0563c1"/>
                 </a:solidFill>
                 <a:uFillTx/>
                 <a:latin typeface="Arial"/>
@@ -2304,7 +2357,7 @@
             </a:endParaRPr>
           </a:p>
           <a:p>
-            <a:pPr marL="171360" indent="-170640">
+            <a:pPr marL="171360" indent="-169920">
               <a:lnSpc>
                 <a:spcPct val="90000"/>
               </a:lnSpc>
@@ -2323,6 +2376,7 @@
                   <a:srgbClr val="000000"/>
                 </a:solidFill>
                 <a:latin typeface="Arial"/>
+                <a:ea typeface="DejaVu Sans"/>
               </a:rPr>
               <a:t>Extensions</a:t>
             </a:r>
@@ -2331,7 +2385,7 @@
             </a:endParaRPr>
           </a:p>
           <a:p>
-            <a:pPr marL="171360" indent="-170640">
+            <a:pPr marL="171360" indent="-169920">
               <a:lnSpc>
                 <a:spcPct val="90000"/>
               </a:lnSpc>
@@ -2350,6 +2404,7 @@
                   <a:srgbClr val="000000"/>
                 </a:solidFill>
                 <a:latin typeface="Arial"/>
+                <a:ea typeface="DejaVu Sans"/>
               </a:rPr>
               <a:t>Snippets</a:t>
             </a:r>
@@ -2358,7 +2413,7 @@
             </a:endParaRPr>
           </a:p>
           <a:p>
-            <a:pPr marL="171360" indent="-170640">
+            <a:pPr marL="171360" indent="-169920">
               <a:lnSpc>
                 <a:spcPct val="90000"/>
               </a:lnSpc>
@@ -2377,6 +2432,7 @@
                   <a:srgbClr val="000000"/>
                 </a:solidFill>
                 <a:latin typeface="Arial"/>
+                <a:ea typeface="DejaVu Sans"/>
               </a:rPr>
               <a:t>Git integration</a:t>
             </a:r>
@@ -2385,7 +2441,7 @@
             </a:endParaRPr>
           </a:p>
           <a:p>
-            <a:pPr marL="171360" indent="-170640">
+            <a:pPr marL="171360" indent="-169920">
               <a:lnSpc>
                 <a:spcPct val="90000"/>
               </a:lnSpc>
@@ -2404,6 +2460,7 @@
                   <a:srgbClr val="000000"/>
                 </a:solidFill>
                 <a:latin typeface="Arial"/>
+                <a:ea typeface="DejaVu Sans"/>
               </a:rPr>
               <a:t>Editorconfig</a:t>
             </a:r>
@@ -2412,7 +2469,7 @@
             </a:endParaRPr>
           </a:p>
           <a:p>
-            <a:pPr marL="171360" indent="-170640">
+            <a:pPr marL="171360" indent="-169920">
               <a:lnSpc>
                 <a:spcPct val="90000"/>
               </a:lnSpc>
@@ -2431,6 +2488,7 @@
                   <a:srgbClr val="000000"/>
                 </a:solidFill>
                 <a:latin typeface="Arial"/>
+                <a:ea typeface="DejaVu Sans"/>
               </a:rPr>
               <a:t>SettingSync extension</a:t>
             </a:r>
@@ -2439,7 +2497,7 @@
             </a:endParaRPr>
           </a:p>
           <a:p>
-            <a:pPr marL="171360" indent="-170640">
+            <a:pPr marL="171360" indent="-169920">
               <a:lnSpc>
                 <a:spcPct val="90000"/>
               </a:lnSpc>
@@ -2458,6 +2516,7 @@
                   <a:srgbClr val="000000"/>
                 </a:solidFill>
                 <a:latin typeface="Arial"/>
+                <a:ea typeface="DejaVu Sans"/>
               </a:rPr>
               <a:t>Waka Time extension</a:t>
             </a:r>
@@ -2466,7 +2525,7 @@
             </a:endParaRPr>
           </a:p>
           <a:p>
-            <a:pPr marL="171360" indent="-170640">
+            <a:pPr marL="171360" indent="-169920">
               <a:lnSpc>
                 <a:spcPct val="90000"/>
               </a:lnSpc>
@@ -2485,6 +2544,7 @@
                   <a:srgbClr val="000000"/>
                 </a:solidFill>
                 <a:latin typeface="Arial"/>
+                <a:ea typeface="DejaVu Sans"/>
               </a:rPr>
               <a:t>Take a while configuring the editor,</a:t>
             </a:r>
@@ -2493,7 +2553,7 @@
             </a:endParaRPr>
           </a:p>
           <a:p>
-            <a:pPr marL="171360" indent="-170640">
+            <a:pPr marL="171360" indent="-169920">
               <a:lnSpc>
                 <a:spcPct val="90000"/>
               </a:lnSpc>
@@ -2512,6 +2572,7 @@
                   <a:srgbClr val="000000"/>
                 </a:solidFill>
                 <a:latin typeface="Arial"/>
+                <a:ea typeface="DejaVu Sans"/>
               </a:rPr>
               <a:t>most of the time you use it</a:t>
             </a:r>
@@ -2549,14 +2610,14 @@
       </p:sp>
       <p:sp>
         <p:nvSpPr>
-          <p:cNvPr id="90" name="TextShape 3"/>
-          <p:cNvSpPr txBox="1"/>
+          <p:cNvPr id="90" name="CustomShape 3"/>
+          <p:cNvSpPr/>
           <p:nvPr/>
         </p:nvSpPr>
         <p:spPr>
           <a:xfrm>
             <a:off x="3384000" y="6264000"/>
-            <a:ext cx="2880000" cy="360000"/>
+            <a:ext cx="2879280" cy="359280"/>
           </a:xfrm>
           <a:prstGeom prst="rect">
             <a:avLst/>
@@ -2568,12 +2629,28 @@
             </a:solidFill>
           </a:ln>
         </p:spPr>
+        <p:style>
+          <a:lnRef idx="0"/>
+          <a:fillRef idx="0"/>
+          <a:effectRef idx="0"/>
+          <a:fontRef idx="minor"/>
+        </p:style>
         <p:txBody>
           <a:bodyPr lIns="90000" rIns="90000" tIns="45000" bIns="45000"/>
           <a:p>
-            <a:r>
-              <a:rPr b="0" lang="en-IE" sz="1800" spc="-1" strike="noStrike">
-                <a:latin typeface="Arial"/>
+            <a:pPr>
+              <a:lnSpc>
+                <a:spcPct val="100000"/>
+              </a:lnSpc>
+            </a:pPr>
+            <a:r>
+              <a:rPr b="0" lang="en-IE" sz="1800" spc="-1" strike="noStrike" u="sng">
+                <a:solidFill>
+                  <a:srgbClr val="0563c1"/>
+                </a:solidFill>
+                <a:uFillTx/>
+                <a:latin typeface="Arial"/>
+                <a:ea typeface="DejaVu Sans"/>
                 <a:hlinkClick r:id="rId3"/>
               </a:rPr>
               <a:t>https://editorconfig.org/</a:t>
@@ -2597,7 +2674,7 @@
         <p:spPr>
           <a:xfrm>
             <a:off x="5040000" y="1000080"/>
-            <a:ext cx="3870360" cy="5119920"/>
+            <a:ext cx="3869640" cy="5119200"/>
           </a:xfrm>
           <a:prstGeom prst="rect">
             <a:avLst/>
@@ -2612,32 +2689,32 @@
   <p:timing>
     <p:tnLst>
       <p:par>
-        <p:cTn id="88" dur="indefinite" restart="never" nodeType="tmRoot">
+        <p:cTn id="123" dur="indefinite" restart="never" nodeType="tmRoot">
           <p:childTnLst>
             <p:seq>
-              <p:cTn id="89" dur="indefinite" nodeType="mainSeq">
+              <p:cTn id="124" dur="indefinite" nodeType="mainSeq">
                 <p:childTnLst>
                   <p:par>
-                    <p:cTn id="90" fill="hold">
+                    <p:cTn id="125" fill="hold">
                       <p:stCondLst>
                         <p:cond delay="indefinite"/>
                       </p:stCondLst>
                       <p:childTnLst>
                         <p:par>
-                          <p:cTn id="91" fill="hold">
+                          <p:cTn id="126" fill="hold">
                             <p:stCondLst>
                               <p:cond delay="0"/>
                             </p:stCondLst>
                             <p:childTnLst>
                               <p:par>
-                                <p:cTn id="92" nodeType="clickEffect" fill="hold" presetClass="entr" presetID="1">
+                                <p:cTn id="127" nodeType="clickEffect" fill="hold" presetClass="entr" presetID="1">
                                   <p:stCondLst>
                                     <p:cond delay="0"/>
                                   </p:stCondLst>
                                   <p:childTnLst>
                                     <p:set>
                                       <p:cBhvr>
-                                        <p:cTn id="93" dur="1" fill="hold">
+                                        <p:cTn id="128" dur="1" fill="hold">
                                           <p:stCondLst>
                                             <p:cond delay="0"/>
                                           </p:stCondLst>
@@ -2663,26 +2740,26 @@
                     </p:cTn>
                   </p:par>
                   <p:par>
-                    <p:cTn id="94" fill="hold">
+                    <p:cTn id="129" fill="hold">
                       <p:stCondLst>
                         <p:cond delay="indefinite"/>
                       </p:stCondLst>
                       <p:childTnLst>
                         <p:par>
-                          <p:cTn id="95" fill="hold">
+                          <p:cTn id="130" fill="hold">
                             <p:stCondLst>
                               <p:cond delay="0"/>
                             </p:stCondLst>
                             <p:childTnLst>
                               <p:par>
-                                <p:cTn id="96" nodeType="clickEffect" fill="hold" presetClass="entr" presetID="29">
+                                <p:cTn id="131" nodeType="clickEffect" fill="hold" presetClass="entr" presetID="29">
                                   <p:stCondLst>
                                     <p:cond delay="0"/>
                                   </p:stCondLst>
                                   <p:childTnLst>
                                     <p:set>
                                       <p:cBhvr>
-                                        <p:cTn id="97" dur="1" fill="hold">
+                                        <p:cTn id="132" dur="1" fill="hold">
                                           <p:stCondLst>
                                             <p:cond delay="0"/>
                                           </p:stCondLst>
@@ -2700,7 +2777,7 @@
                                     </p:set>
                                     <p:anim calcmode="lin" valueType="num">
                                       <p:cBhvr additive="repl">
-                                        <p:cTn id="98" dur="1000" fill="hold"/>
+                                        <p:cTn id="133" dur="1000" fill="hold"/>
                                         <p:tgtEl>
                                           <p:spTgt spid="91"/>
                                         </p:tgtEl>
@@ -2723,7 +2800,7 @@
                                     </p:anim>
                                     <p:anim calcmode="lin" valueType="num">
                                       <p:cBhvr additive="repl">
-                                        <p:cTn id="99" dur="1000" fill="hold"/>
+                                        <p:cTn id="134" dur="1000" fill="hold"/>
                                         <p:tgtEl>
                                           <p:spTgt spid="91"/>
                                         </p:tgtEl>
@@ -2746,7 +2823,7 @@
                                     </p:anim>
                                     <p:animEffect filter="wipe(right)" transition="in">
                                       <p:cBhvr additive="repl">
-                                        <p:cTn id="100" dur="1000"/>
+                                        <p:cTn id="135" dur="1000"/>
                                         <p:tgtEl>
                                           <p:spTgt spid="91"/>
                                         </p:tgtEl>
@@ -2805,14 +2882,14 @@
       </p:grpSpPr>
       <p:sp>
         <p:nvSpPr>
-          <p:cNvPr id="92" name="TextShape 1"/>
-          <p:cNvSpPr txBox="1"/>
+          <p:cNvPr id="92" name="CustomShape 1"/>
+          <p:cNvSpPr/>
           <p:nvPr/>
         </p:nvSpPr>
         <p:spPr>
           <a:xfrm>
             <a:off x="576000" y="0"/>
-            <a:ext cx="7886160" cy="1008000"/>
+            <a:ext cx="7885440" cy="1007280"/>
           </a:xfrm>
           <a:prstGeom prst="rect">
             <a:avLst/>
@@ -2822,16 +2899,27 @@
             <a:noFill/>
           </a:ln>
         </p:spPr>
+        <p:style>
+          <a:lnRef idx="0"/>
+          <a:fillRef idx="0"/>
+          <a:effectRef idx="0"/>
+          <a:fontRef idx="minor"/>
+        </p:style>
         <p:txBody>
           <a:bodyPr lIns="0" rIns="0" tIns="0" bIns="0" anchor="ctr"/>
           <a:p>
-            <a:pPr algn="ctr"/>
+            <a:pPr algn="ctr">
+              <a:lnSpc>
+                <a:spcPct val="100000"/>
+              </a:lnSpc>
+            </a:pPr>
             <a:r>
               <a:rPr b="1" lang="en-IE" sz="2400" spc="-1" strike="noStrike">
                 <a:solidFill>
                   <a:srgbClr val="000000"/>
                 </a:solidFill>
                 <a:latin typeface="Arial"/>
+                <a:ea typeface="DejaVu Sans"/>
               </a:rPr>
               <a:t>Package Management</a:t>
             </a:r>
@@ -2854,7 +2942,7 @@
         <p:spPr>
           <a:xfrm>
             <a:off x="432000" y="1152000"/>
-            <a:ext cx="2160000" cy="839520"/>
+            <a:ext cx="2159280" cy="838800"/>
           </a:xfrm>
           <a:prstGeom prst="rect">
             <a:avLst/>
@@ -2866,14 +2954,14 @@
       </p:pic>
       <p:sp>
         <p:nvSpPr>
-          <p:cNvPr id="94" name="TextShape 2"/>
-          <p:cNvSpPr txBox="1"/>
+          <p:cNvPr id="94" name="CustomShape 2"/>
+          <p:cNvSpPr/>
           <p:nvPr/>
         </p:nvSpPr>
         <p:spPr>
           <a:xfrm>
             <a:off x="2833200" y="1381680"/>
-            <a:ext cx="2638800" cy="346320"/>
+            <a:ext cx="2638080" cy="345600"/>
           </a:xfrm>
           <a:prstGeom prst="rect">
             <a:avLst/>
@@ -2883,12 +2971,27 @@
             <a:noFill/>
           </a:ln>
         </p:spPr>
+        <p:style>
+          <a:lnRef idx="0"/>
+          <a:fillRef idx="0"/>
+          <a:effectRef idx="0"/>
+          <a:fontRef idx="minor"/>
+        </p:style>
         <p:txBody>
           <a:bodyPr lIns="90000" rIns="90000" tIns="45000" bIns="45000"/>
           <a:p>
+            <a:pPr>
+              <a:lnSpc>
+                <a:spcPct val="100000"/>
+              </a:lnSpc>
+            </a:pPr>
             <a:r>
               <a:rPr b="0" lang="en-IE" sz="1800" spc="-1" strike="noStrike">
-                <a:latin typeface="Arial"/>
+                <a:solidFill>
+                  <a:srgbClr val="000000"/>
+                </a:solidFill>
+                <a:latin typeface="Arial"/>
+                <a:ea typeface="DejaVu Sans"/>
               </a:rPr>
               <a:t>Node Package Manager</a:t>
             </a:r>
@@ -2900,14 +3003,14 @@
       </p:sp>
       <p:sp>
         <p:nvSpPr>
-          <p:cNvPr id="95" name="TextShape 3"/>
-          <p:cNvSpPr txBox="1"/>
+          <p:cNvPr id="95" name="CustomShape 3"/>
+          <p:cNvSpPr/>
           <p:nvPr/>
         </p:nvSpPr>
         <p:spPr>
           <a:xfrm>
             <a:off x="432000" y="2448000"/>
-            <a:ext cx="6768000" cy="3270600"/>
+            <a:ext cx="6767280" cy="3269880"/>
           </a:xfrm>
           <a:prstGeom prst="rect">
             <a:avLst/>
@@ -2917,10 +3020,19 @@
             <a:noFill/>
           </a:ln>
         </p:spPr>
+        <p:style>
+          <a:lnRef idx="0"/>
+          <a:fillRef idx="0"/>
+          <a:effectRef idx="0"/>
+          <a:fontRef idx="minor"/>
+        </p:style>
         <p:txBody>
           <a:bodyPr lIns="90000" rIns="90000" tIns="45000" bIns="45000"/>
           <a:p>
-            <a:pPr marL="216000" indent="-216000">
+            <a:pPr marL="216000" indent="-215280">
+              <a:lnSpc>
+                <a:spcPct val="100000"/>
+              </a:lnSpc>
               <a:spcBef>
                 <a:spcPts val="765"/>
               </a:spcBef>
@@ -2933,7 +3045,11 @@
             </a:pPr>
             <a:r>
               <a:rPr b="0" lang="en-IE" sz="2200" spc="-1" strike="noStrike">
-                <a:latin typeface="Arial"/>
+                <a:solidFill>
+                  <a:srgbClr val="000000"/>
+                </a:solidFill>
+                <a:latin typeface="Arial"/>
+                <a:ea typeface="DejaVu Sans"/>
               </a:rPr>
               <a:t>Basic commands</a:t>
             </a:r>
@@ -2942,7 +3058,10 @@
             </a:endParaRPr>
           </a:p>
           <a:p>
-            <a:pPr marL="216000" indent="-216000">
+            <a:pPr marL="216000" indent="-215280">
+              <a:lnSpc>
+                <a:spcPct val="100000"/>
+              </a:lnSpc>
               <a:spcBef>
                 <a:spcPts val="765"/>
               </a:spcBef>
@@ -2955,13 +3074,21 @@
             </a:pPr>
             <a:r>
               <a:rPr b="0" lang="en-IE" sz="2200" spc="-1" strike="noStrike">
-                <a:latin typeface="Arial"/>
+                <a:solidFill>
+                  <a:srgbClr val="000000"/>
+                </a:solidFill>
+                <a:latin typeface="Arial"/>
+                <a:ea typeface="DejaVu Sans"/>
               </a:rPr>
               <a:t>Managing Dependencies with </a:t>
             </a:r>
             <a:r>
               <a:rPr b="1" lang="en-IE" sz="2200" spc="-1" strike="noStrike">
-                <a:latin typeface="Arial"/>
+                <a:solidFill>
+                  <a:srgbClr val="000000"/>
+                </a:solidFill>
+                <a:latin typeface="Arial"/>
+                <a:ea typeface="DejaVu Sans"/>
               </a:rPr>
               <a:t>package.json</a:t>
             </a:r>
@@ -2970,7 +3097,10 @@
             </a:endParaRPr>
           </a:p>
           <a:p>
-            <a:pPr marL="216000" indent="-216000">
+            <a:pPr marL="216000" indent="-215280">
+              <a:lnSpc>
+                <a:spcPct val="100000"/>
+              </a:lnSpc>
               <a:spcBef>
                 <a:spcPts val="765"/>
               </a:spcBef>
@@ -2983,7 +3113,11 @@
             </a:pPr>
             <a:r>
               <a:rPr b="0" lang="en-IE" sz="2200" spc="-1" strike="noStrike">
-                <a:latin typeface="Arial"/>
+                <a:solidFill>
+                  <a:srgbClr val="000000"/>
+                </a:solidFill>
+                <a:latin typeface="Arial"/>
+                <a:ea typeface="DejaVu Sans"/>
               </a:rPr>
               <a:t>Locking-Down Dependencies</a:t>
             </a:r>
@@ -2992,7 +3126,10 @@
             </a:endParaRPr>
           </a:p>
           <a:p>
-            <a:pPr marL="216000" indent="-216000">
+            <a:pPr marL="216000" indent="-215280">
+              <a:lnSpc>
+                <a:spcPct val="100000"/>
+              </a:lnSpc>
               <a:spcBef>
                 <a:spcPts val="765"/>
               </a:spcBef>
@@ -3005,7 +3142,11 @@
             </a:pPr>
             <a:r>
               <a:rPr b="0" lang="en-IE" sz="2200" spc="-1" strike="noStrike">
-                <a:latin typeface="Arial"/>
+                <a:solidFill>
+                  <a:srgbClr val="000000"/>
+                </a:solidFill>
+                <a:latin typeface="Arial"/>
+                <a:ea typeface="DejaVu Sans"/>
               </a:rPr>
               <a:t>Development Packages </a:t>
             </a:r>
@@ -3014,7 +3155,10 @@
             </a:endParaRPr>
           </a:p>
           <a:p>
-            <a:pPr marL="216000" indent="-216000">
+            <a:pPr marL="216000" indent="-215280">
+              <a:lnSpc>
+                <a:spcPct val="100000"/>
+              </a:lnSpc>
               <a:spcBef>
                 <a:spcPts val="765"/>
               </a:spcBef>
@@ -3027,7 +3171,11 @@
             </a:pPr>
             <a:r>
               <a:rPr b="0" lang="en-IE" sz="2200" spc="-1" strike="noStrike">
-                <a:latin typeface="Arial"/>
+                <a:solidFill>
+                  <a:srgbClr val="000000"/>
+                </a:solidFill>
+                <a:latin typeface="Arial"/>
+                <a:ea typeface="DejaVu Sans"/>
               </a:rPr>
               <a:t>Production Packages</a:t>
             </a:r>
@@ -3036,7 +3184,10 @@
             </a:endParaRPr>
           </a:p>
           <a:p>
-            <a:pPr marL="216000" indent="-216000">
+            <a:pPr marL="216000" indent="-215280">
+              <a:lnSpc>
+                <a:spcPct val="100000"/>
+              </a:lnSpc>
               <a:spcBef>
                 <a:spcPts val="765"/>
               </a:spcBef>
@@ -3049,23 +3200,23 @@
             </a:pPr>
             <a:r>
               <a:rPr b="0" lang="en-IE" sz="2200" spc="-1" strike="noStrike">
+                <a:solidFill>
+                  <a:srgbClr val="000000"/>
+                </a:solidFill>
                 <a:latin typeface="Arial"/>
                 <a:ea typeface="Noto Sans CJK SC Regular"/>
               </a:rPr>
-              <a:t>Keep d</a:t>
-            </a:r>
-            <a:r>
-              <a:rPr b="0" lang="en-IE" sz="2200" spc="-1" strike="noStrike">
-                <a:latin typeface="Arial"/>
-              </a:rPr>
-              <a:t>ependencies updated</a:t>
+              <a:t>Keep dependencies updated</a:t>
             </a:r>
             <a:endParaRPr b="0" lang="en-IE" sz="2200" spc="-1" strike="noStrike">
               <a:latin typeface="Arial"/>
             </a:endParaRPr>
           </a:p>
           <a:p>
-            <a:pPr marL="216000" indent="-216000">
+            <a:pPr marL="216000" indent="-215280">
+              <a:lnSpc>
+                <a:spcPct val="100000"/>
+              </a:lnSpc>
               <a:spcBef>
                 <a:spcPts val="765"/>
               </a:spcBef>
@@ -3078,7 +3229,11 @@
             </a:pPr>
             <a:r>
               <a:rPr b="0" lang="en-IE" sz="2200" spc="-1" strike="noStrike">
-                <a:latin typeface="Arial"/>
+                <a:solidFill>
+                  <a:srgbClr val="000000"/>
+                </a:solidFill>
+                <a:latin typeface="Arial"/>
+                <a:ea typeface="Noto Sans CJK SC Regular"/>
               </a:rPr>
               <a:t>Automation scripts</a:t>
             </a:r>
@@ -3087,7 +3242,10 @@
             </a:endParaRPr>
           </a:p>
           <a:p>
-            <a:pPr marL="216000" indent="-216000">
+            <a:pPr marL="216000" indent="-215280">
+              <a:lnSpc>
+                <a:spcPct val="100000"/>
+              </a:lnSpc>
               <a:spcBef>
                 <a:spcPts val="765"/>
               </a:spcBef>
@@ -3099,8 +3257,13 @@
               <a:buChar char=""/>
             </a:pPr>
             <a:r>
-              <a:rPr b="0" lang="en-IE" sz="2200" spc="-1" strike="noStrike">
-                <a:latin typeface="Arial"/>
+              <a:rPr b="0" lang="en-IE" sz="2200" spc="-1" strike="noStrike" u="sng">
+                <a:solidFill>
+                  <a:srgbClr val="0563c1"/>
+                </a:solidFill>
+                <a:uFillTx/>
+                <a:latin typeface="Arial"/>
+                <a:ea typeface="Noto Sans CJK SC Regular"/>
                 <a:hlinkClick r:id="rId2"/>
               </a:rPr>
               <a:t>Read the docs...</a:t>
@@ -3116,10 +3279,10 @@
   <p:timing>
     <p:tnLst>
       <p:par>
-        <p:cTn id="101" dur="indefinite" restart="never" nodeType="tmRoot">
+        <p:cTn id="136" dur="indefinite" restart="never" nodeType="tmRoot">
           <p:childTnLst>
             <p:seq>
-              <p:cTn id="102" dur="indefinite" nodeType="mainSeq"/>
+              <p:cTn id="137" dur="indefinite" nodeType="mainSeq"/>
               <p:prevCondLst>
                 <p:cond delay="0" evt="onPrev">
                   <p:tgtEl>
@@ -3162,14 +3325,14 @@
       </p:grpSpPr>
       <p:sp>
         <p:nvSpPr>
-          <p:cNvPr id="96" name="TextShape 1"/>
-          <p:cNvSpPr txBox="1"/>
+          <p:cNvPr id="96" name="CustomShape 1"/>
+          <p:cNvSpPr/>
           <p:nvPr/>
         </p:nvSpPr>
         <p:spPr>
           <a:xfrm>
             <a:off x="609840" y="-100800"/>
-            <a:ext cx="7886160" cy="1324800"/>
+            <a:ext cx="7885440" cy="1324080"/>
           </a:xfrm>
           <a:prstGeom prst="rect">
             <a:avLst/>
@@ -3179,13 +3342,27 @@
             <a:noFill/>
           </a:ln>
         </p:spPr>
+        <p:style>
+          <a:lnRef idx="0"/>
+          <a:fillRef idx="0"/>
+          <a:effectRef idx="0"/>
+          <a:fontRef idx="minor"/>
+        </p:style>
         <p:txBody>
           <a:bodyPr lIns="0" rIns="0" tIns="0" bIns="0" anchor="ctr"/>
           <a:p>
-            <a:pPr algn="ctr"/>
+            <a:pPr algn="ctr">
+              <a:lnSpc>
+                <a:spcPct val="100000"/>
+              </a:lnSpc>
+            </a:pPr>
             <a:r>
               <a:rPr b="0" lang="en-IE" sz="2400" spc="-1" strike="noStrike">
-                <a:latin typeface="Arial"/>
+                <a:solidFill>
+                  <a:srgbClr val="000000"/>
+                </a:solidFill>
+                <a:latin typeface="Arial"/>
+                <a:ea typeface="DejaVu Sans"/>
               </a:rPr>
               <a:t>Library Selection</a:t>
             </a:r>
@@ -3197,14 +3374,14 @@
       </p:sp>
       <p:sp>
         <p:nvSpPr>
-          <p:cNvPr id="97" name="TextShape 2"/>
-          <p:cNvSpPr txBox="1"/>
+          <p:cNvPr id="97" name="CustomShape 2"/>
+          <p:cNvSpPr/>
           <p:nvPr/>
         </p:nvSpPr>
         <p:spPr>
           <a:xfrm>
             <a:off x="432000" y="1409400"/>
-            <a:ext cx="6768000" cy="2041560"/>
+            <a:ext cx="6767280" cy="2040840"/>
           </a:xfrm>
           <a:prstGeom prst="rect">
             <a:avLst/>
@@ -3214,10 +3391,19 @@
             <a:noFill/>
           </a:ln>
         </p:spPr>
+        <p:style>
+          <a:lnRef idx="0"/>
+          <a:fillRef idx="0"/>
+          <a:effectRef idx="0"/>
+          <a:fontRef idx="minor"/>
+        </p:style>
         <p:txBody>
           <a:bodyPr lIns="90000" rIns="90000" tIns="45000" bIns="45000"/>
           <a:p>
-            <a:pPr marL="216000" indent="-216000">
+            <a:pPr marL="216000" indent="-215280">
+              <a:lnSpc>
+                <a:spcPct val="100000"/>
+              </a:lnSpc>
               <a:spcBef>
                 <a:spcPts val="765"/>
               </a:spcBef>
@@ -3230,7 +3416,11 @@
             </a:pPr>
             <a:r>
               <a:rPr b="0" lang="en-IE" sz="2200" spc="-1" strike="noStrike">
-                <a:latin typeface="Arial"/>
+                <a:solidFill>
+                  <a:srgbClr val="000000"/>
+                </a:solidFill>
+                <a:latin typeface="Arial"/>
+                <a:ea typeface="DejaVu Sans"/>
               </a:rPr>
               <a:t>How widely is it used?</a:t>
             </a:r>
@@ -3239,7 +3429,10 @@
             </a:endParaRPr>
           </a:p>
           <a:p>
-            <a:pPr marL="216000" indent="-216000">
+            <a:pPr marL="216000" indent="-215280">
+              <a:lnSpc>
+                <a:spcPct val="100000"/>
+              </a:lnSpc>
               <a:spcBef>
                 <a:spcPts val="765"/>
               </a:spcBef>
@@ -3252,7 +3445,11 @@
             </a:pPr>
             <a:r>
               <a:rPr b="0" lang="en-IE" sz="2200" spc="-1" strike="noStrike">
-                <a:latin typeface="Arial"/>
+                <a:solidFill>
+                  <a:srgbClr val="000000"/>
+                </a:solidFill>
+                <a:latin typeface="Arial"/>
+                <a:ea typeface="DejaVu Sans"/>
               </a:rPr>
               <a:t>How is the documentation?</a:t>
             </a:r>
@@ -3261,7 +3458,10 @@
             </a:endParaRPr>
           </a:p>
           <a:p>
-            <a:pPr marL="216000" indent="-216000">
+            <a:pPr marL="216000" indent="-215280">
+              <a:lnSpc>
+                <a:spcPct val="100000"/>
+              </a:lnSpc>
               <a:spcBef>
                 <a:spcPts val="765"/>
               </a:spcBef>
@@ -3274,7 +3474,11 @@
             </a:pPr>
             <a:r>
               <a:rPr b="0" lang="en-IE" sz="2200" spc="-1" strike="noStrike">
-                <a:latin typeface="Arial"/>
+                <a:solidFill>
+                  <a:srgbClr val="000000"/>
+                </a:solidFill>
+                <a:latin typeface="Arial"/>
+                <a:ea typeface="DejaVu Sans"/>
               </a:rPr>
               <a:t>How actively is it being developed?</a:t>
             </a:r>
@@ -3283,7 +3487,10 @@
             </a:endParaRPr>
           </a:p>
           <a:p>
-            <a:pPr marL="216000" indent="-216000">
+            <a:pPr marL="216000" indent="-215280">
+              <a:lnSpc>
+                <a:spcPct val="100000"/>
+              </a:lnSpc>
               <a:spcBef>
                 <a:spcPts val="765"/>
               </a:spcBef>
@@ -3295,11 +3502,13 @@
               <a:buChar char=""/>
             </a:pPr>
             <a:r>
-              <a:rPr b="0" lang="en-IE" sz="2200" spc="-1" strike="noStrike">
-                <a:solidFill>
-                  <a:srgbClr val="1b1b1b"/>
-                </a:solidFill>
-                <a:latin typeface="Arial"/>
+              <a:rPr b="0" lang="en-IE" sz="2200" spc="-1" strike="noStrike" u="sng">
+                <a:solidFill>
+                  <a:srgbClr val="0563c1"/>
+                </a:solidFill>
+                <a:uFillTx/>
+                <a:latin typeface="Arial"/>
+                <a:ea typeface="DejaVu Sans"/>
                 <a:hlinkClick r:id="rId1"/>
               </a:rPr>
               <a:t>GitHub activity, stars...</a:t>
@@ -3309,7 +3518,10 @@
             </a:endParaRPr>
           </a:p>
           <a:p>
-            <a:pPr marL="216000" indent="-216000">
+            <a:pPr marL="216000" indent="-215280">
+              <a:lnSpc>
+                <a:spcPct val="100000"/>
+              </a:lnSpc>
               <a:spcBef>
                 <a:spcPts val="765"/>
               </a:spcBef>
@@ -3321,11 +3533,13 @@
               <a:buChar char=""/>
             </a:pPr>
             <a:r>
-              <a:rPr b="0" lang="en-IE" sz="2200" spc="-1" strike="noStrike">
-                <a:solidFill>
-                  <a:srgbClr val="1b1b1b"/>
-                </a:solidFill>
-                <a:latin typeface="Arial"/>
+              <a:rPr b="0" lang="en-IE" sz="2200" spc="-1" strike="noStrike" u="sng">
+                <a:solidFill>
+                  <a:srgbClr val="0563c1"/>
+                </a:solidFill>
+                <a:uFillTx/>
+                <a:latin typeface="Arial"/>
+                <a:ea typeface="DejaVu Sans"/>
                 <a:hlinkClick r:id="rId2"/>
               </a:rPr>
               <a:t>NPM downloads</a:t>
@@ -3348,8 +3562,8 @@
         </p:blipFill>
         <p:spPr>
           <a:xfrm rot="21595200">
-            <a:off x="6290280" y="1081800"/>
-            <a:ext cx="2709000" cy="1004040"/>
+            <a:off x="6289560" y="1081080"/>
+            <a:ext cx="2708280" cy="1003320"/>
           </a:xfrm>
           <a:prstGeom prst="rect">
             <a:avLst/>
@@ -3361,14 +3575,14 @@
       </p:pic>
       <p:sp>
         <p:nvSpPr>
-          <p:cNvPr id="99" name="TextShape 3"/>
-          <p:cNvSpPr txBox="1"/>
+          <p:cNvPr id="99" name="CustomShape 3"/>
+          <p:cNvSpPr/>
           <p:nvPr/>
         </p:nvSpPr>
         <p:spPr>
           <a:xfrm>
             <a:off x="747000" y="4444200"/>
-            <a:ext cx="7605000" cy="1027800"/>
+            <a:ext cx="7604280" cy="1027080"/>
           </a:xfrm>
           <a:prstGeom prst="rect">
             <a:avLst/>
@@ -3378,10 +3592,19 @@
             <a:noFill/>
           </a:ln>
         </p:spPr>
+        <p:style>
+          <a:lnRef idx="0"/>
+          <a:fillRef idx="0"/>
+          <a:effectRef idx="0"/>
+          <a:fontRef idx="minor"/>
+        </p:style>
         <p:txBody>
           <a:bodyPr lIns="90000" rIns="90000" tIns="45000" bIns="45000"/>
           <a:p>
             <a:pPr algn="just">
+              <a:lnSpc>
+                <a:spcPct val="100000"/>
+              </a:lnSpc>
               <a:spcBef>
                 <a:spcPts val="1191"/>
               </a:spcBef>
@@ -3391,7 +3614,11 @@
             </a:pPr>
             <a:r>
               <a:rPr b="0" lang="en-IE" sz="2200" spc="-1" strike="noStrike">
-                <a:latin typeface="Arial"/>
+                <a:solidFill>
+                  <a:srgbClr val="000000"/>
+                </a:solidFill>
+                <a:latin typeface="Arial"/>
+                <a:ea typeface="DejaVu Sans"/>
               </a:rPr>
               <a:t>If we’re not careful with our decisions during the beginning, we will end up spending a lot of time later cleaning up the mess.</a:t>
             </a:r>
@@ -3406,10 +3633,10 @@
   <p:timing>
     <p:tnLst>
       <p:par>
-        <p:cTn id="103" dur="indefinite" restart="never" nodeType="tmRoot">
+        <p:cTn id="138" dur="indefinite" restart="never" nodeType="tmRoot">
           <p:childTnLst>
             <p:seq>
-              <p:cTn id="104" dur="indefinite" nodeType="mainSeq"/>
+              <p:cTn id="139" dur="indefinite" nodeType="mainSeq"/>
               <p:prevCondLst>
                 <p:cond delay="0" evt="onPrev">
                   <p:tgtEl>
@@ -3452,14 +3679,14 @@
       </p:grpSpPr>
       <p:sp>
         <p:nvSpPr>
-          <p:cNvPr id="100" name="TextShape 1"/>
-          <p:cNvSpPr txBox="1"/>
+          <p:cNvPr id="100" name="CustomShape 1"/>
+          <p:cNvSpPr/>
           <p:nvPr/>
         </p:nvSpPr>
         <p:spPr>
           <a:xfrm>
             <a:off x="576000" y="-100800"/>
-            <a:ext cx="7886160" cy="1324800"/>
+            <a:ext cx="7885440" cy="1324080"/>
           </a:xfrm>
           <a:prstGeom prst="rect">
             <a:avLst/>
@@ -3469,13 +3696,27 @@
             <a:noFill/>
           </a:ln>
         </p:spPr>
+        <p:style>
+          <a:lnRef idx="0"/>
+          <a:fillRef idx="0"/>
+          <a:effectRef idx="0"/>
+          <a:fontRef idx="minor"/>
+        </p:style>
         <p:txBody>
           <a:bodyPr lIns="0" rIns="0" tIns="0" bIns="0" anchor="ctr"/>
           <a:p>
-            <a:pPr algn="ctr"/>
+            <a:pPr algn="ctr">
+              <a:lnSpc>
+                <a:spcPct val="100000"/>
+              </a:lnSpc>
+            </a:pPr>
             <a:r>
               <a:rPr b="0" lang="en-IE" sz="2800" spc="-1" strike="noStrike">
-                <a:latin typeface="Arial"/>
+                <a:solidFill>
+                  <a:srgbClr val="000000"/>
+                </a:solidFill>
+                <a:latin typeface="Arial"/>
+                <a:ea typeface="DejaVu Sans"/>
               </a:rPr>
               <a:t>Linting</a:t>
             </a:r>
@@ -3487,14 +3728,14 @@
       </p:sp>
       <p:sp>
         <p:nvSpPr>
-          <p:cNvPr id="101" name="TextShape 2"/>
-          <p:cNvSpPr txBox="1"/>
+          <p:cNvPr id="101" name="CustomShape 2"/>
+          <p:cNvSpPr/>
           <p:nvPr/>
         </p:nvSpPr>
         <p:spPr>
           <a:xfrm>
             <a:off x="432000" y="1741680"/>
-            <a:ext cx="3672000" cy="346320"/>
+            <a:ext cx="3671280" cy="345600"/>
           </a:xfrm>
           <a:prstGeom prst="rect">
             <a:avLst/>
@@ -3504,20 +3745,29 @@
             <a:noFill/>
           </a:ln>
         </p:spPr>
+        <p:style>
+          <a:lnRef idx="0"/>
+          <a:fillRef idx="0"/>
+          <a:effectRef idx="0"/>
+          <a:fontRef idx="minor"/>
+        </p:style>
         <p:txBody>
           <a:bodyPr lIns="90000" rIns="90000" tIns="45000" bIns="45000"/>
           <a:p>
+            <a:pPr>
+              <a:lnSpc>
+                <a:spcPct val="100000"/>
+              </a:lnSpc>
+            </a:pPr>
             <a:r>
               <a:rPr b="0" lang="en-IE" sz="1800" spc="-1" strike="noStrike">
-                <a:latin typeface="Arial"/>
-              </a:rPr>
-              <a:t>What is </a:t>
-            </a:r>
-            <a:r>
-              <a:rPr b="0" lang="en-IE" sz="1800" spc="-1" strike="noStrike">
-                <a:latin typeface="Arial"/>
-              </a:rPr>
-              <a:t>“Linting”?</a:t>
+                <a:solidFill>
+                  <a:srgbClr val="000000"/>
+                </a:solidFill>
+                <a:latin typeface="Arial"/>
+                <a:ea typeface="DejaVu Sans"/>
+              </a:rPr>
+              <a:t>What is “Linting”?</a:t>
             </a:r>
             <a:endParaRPr b="0" lang="en-IE" sz="1800" spc="-1" strike="noStrike">
               <a:latin typeface="Arial"/>
@@ -3527,14 +3777,14 @@
       </p:sp>
       <p:sp>
         <p:nvSpPr>
-          <p:cNvPr id="102" name="TextShape 3"/>
-          <p:cNvSpPr txBox="1"/>
+          <p:cNvPr id="102" name="CustomShape 3"/>
+          <p:cNvSpPr/>
           <p:nvPr/>
         </p:nvSpPr>
         <p:spPr>
           <a:xfrm>
             <a:off x="3096000" y="1080000"/>
-            <a:ext cx="3456000" cy="648000"/>
+            <a:ext cx="3455280" cy="647280"/>
           </a:xfrm>
           <a:prstGeom prst="rect">
             <a:avLst/>
@@ -3544,31 +3794,46 @@
             <a:noFill/>
           </a:ln>
         </p:spPr>
+        <p:style>
+          <a:lnRef idx="0"/>
+          <a:fillRef idx="0"/>
+          <a:effectRef idx="0"/>
+          <a:fontRef idx="minor"/>
+        </p:style>
         <p:txBody>
           <a:bodyPr lIns="90000" rIns="90000" tIns="45000" bIns="45000"/>
           <a:p>
+            <a:pPr>
+              <a:lnSpc>
+                <a:spcPct val="100000"/>
+              </a:lnSpc>
+            </a:pPr>
             <a:r>
               <a:rPr b="0" i="1" lang="en-IE" sz="1300" spc="-1" strike="noStrike">
-                <a:latin typeface="Arial"/>
+                <a:solidFill>
+                  <a:srgbClr val="000000"/>
+                </a:solidFill>
+                <a:latin typeface="Arial"/>
+                <a:ea typeface="DejaVu Sans"/>
               </a:rPr>
               <a:t>...  PHPLint, JSLint, Pylint, ES Lint ...</a:t>
             </a:r>
-            <a:endParaRPr b="0" i="1" lang="en-IE" sz="1300" spc="-1" strike="noStrike">
-              <a:latin typeface="Arial"/>
-            </a:endParaRPr>
-          </a:p>
-        </p:txBody>
-      </p:sp>
-      <p:sp>
-        <p:nvSpPr>
-          <p:cNvPr id="103" name="TextShape 4"/>
-          <p:cNvSpPr txBox="1"/>
+            <a:endParaRPr b="0" lang="en-IE" sz="1300" spc="-1" strike="noStrike">
+              <a:latin typeface="Arial"/>
+            </a:endParaRPr>
+          </a:p>
+        </p:txBody>
+      </p:sp>
+      <p:sp>
+        <p:nvSpPr>
+          <p:cNvPr id="103" name="CustomShape 4"/>
+          <p:cNvSpPr/>
           <p:nvPr/>
         </p:nvSpPr>
         <p:spPr>
           <a:xfrm>
             <a:off x="432000" y="2246040"/>
-            <a:ext cx="7497000" cy="489960"/>
+            <a:ext cx="7496280" cy="489240"/>
           </a:xfrm>
           <a:prstGeom prst="rect">
             <a:avLst/>
@@ -3578,12 +3843,27 @@
             <a:noFill/>
           </a:ln>
         </p:spPr>
+        <p:style>
+          <a:lnRef idx="0"/>
+          <a:fillRef idx="0"/>
+          <a:effectRef idx="0"/>
+          <a:fontRef idx="minor"/>
+        </p:style>
         <p:txBody>
           <a:bodyPr lIns="90000" rIns="90000" tIns="45000" bIns="45000"/>
           <a:p>
+            <a:pPr>
+              <a:lnSpc>
+                <a:spcPct val="100000"/>
+              </a:lnSpc>
+            </a:pPr>
             <a:r>
               <a:rPr b="0" lang="en-IE" sz="1400" spc="-1" strike="noStrike">
-                <a:latin typeface="Arial"/>
+                <a:solidFill>
+                  <a:srgbClr val="000000"/>
+                </a:solidFill>
+                <a:latin typeface="Arial"/>
+                <a:ea typeface="DejaVu Sans"/>
               </a:rPr>
               <a:t>Linting is the process of running a program that will analyse code for potential errors.</a:t>
             </a:r>
@@ -3595,14 +3875,14 @@
       </p:sp>
       <p:sp>
         <p:nvSpPr>
-          <p:cNvPr id="104" name="TextShape 5"/>
-          <p:cNvSpPr txBox="1"/>
+          <p:cNvPr id="104" name="CustomShape 5"/>
+          <p:cNvSpPr/>
           <p:nvPr/>
         </p:nvSpPr>
         <p:spPr>
           <a:xfrm>
             <a:off x="3083760" y="3573720"/>
-            <a:ext cx="3108240" cy="602280"/>
+            <a:ext cx="3107520" cy="601560"/>
           </a:xfrm>
           <a:prstGeom prst="rect">
             <a:avLst/>
@@ -3612,12 +3892,27 @@
             <a:noFill/>
           </a:ln>
         </p:spPr>
+        <p:style>
+          <a:lnRef idx="0"/>
+          <a:fillRef idx="0"/>
+          <a:effectRef idx="0"/>
+          <a:fontRef idx="minor"/>
+        </p:style>
         <p:txBody>
           <a:bodyPr lIns="90000" rIns="90000" tIns="45000" bIns="45000"/>
           <a:p>
+            <a:pPr>
+              <a:lnSpc>
+                <a:spcPct val="100000"/>
+              </a:lnSpc>
+            </a:pPr>
             <a:r>
               <a:rPr b="0" lang="en-IE" sz="1800" spc="-1" strike="noStrike">
-                <a:latin typeface="Arial"/>
+                <a:solidFill>
+                  <a:srgbClr val="000000"/>
+                </a:solidFill>
+                <a:latin typeface="Arial"/>
+                <a:ea typeface="DejaVu Sans"/>
               </a:rPr>
               <a:t>Why do we need a linter?</a:t>
             </a:r>
@@ -3640,7 +3935,7 @@
         <p:spPr>
           <a:xfrm>
             <a:off x="1267560" y="4349520"/>
-            <a:ext cx="6724440" cy="1266480"/>
+            <a:ext cx="6723720" cy="1265760"/>
           </a:xfrm>
           <a:prstGeom prst="rect">
             <a:avLst/>
@@ -3652,14 +3947,14 @@
       </p:pic>
       <p:sp>
         <p:nvSpPr>
-          <p:cNvPr id="106" name="TextShape 6"/>
-          <p:cNvSpPr txBox="1"/>
+          <p:cNvPr id="106" name="CustomShape 6"/>
+          <p:cNvSpPr/>
           <p:nvPr/>
         </p:nvSpPr>
         <p:spPr>
           <a:xfrm>
-            <a:off x="3888000" y="6192000"/>
-            <a:ext cx="1549440" cy="346320"/>
+            <a:off x="3096000" y="6134400"/>
+            <a:ext cx="3205080" cy="345600"/>
           </a:xfrm>
           <a:prstGeom prst="rect">
             <a:avLst/>
@@ -3669,14 +3964,29 @@
             <a:noFill/>
           </a:ln>
         </p:spPr>
+        <p:style>
+          <a:lnRef idx="0"/>
+          <a:fillRef idx="0"/>
+          <a:effectRef idx="0"/>
+          <a:fontRef idx="minor"/>
+        </p:style>
         <p:txBody>
           <a:bodyPr lIns="90000" rIns="90000" tIns="45000" bIns="45000"/>
           <a:p>
+            <a:pPr>
+              <a:lnSpc>
+                <a:spcPct val="100000"/>
+              </a:lnSpc>
+            </a:pPr>
             <a:r>
               <a:rPr b="0" lang="en-IE" sz="1800" spc="-1" strike="noStrike">
-                <a:latin typeface="Arial"/>
-              </a:rPr>
-              <a:t>Live Example</a:t>
+                <a:solidFill>
+                  <a:srgbClr val="000000"/>
+                </a:solidFill>
+                <a:latin typeface="Arial"/>
+                <a:ea typeface="DejaVu Sans"/>
+              </a:rPr>
+              <a:t>Live Example (wdna-test)</a:t>
             </a:r>
             <a:endParaRPr b="0" lang="en-IE" sz="1800" spc="-1" strike="noStrike">
               <a:latin typeface="Arial"/>
@@ -3689,10 +3999,148 @@
   <p:timing>
     <p:tnLst>
       <p:par>
-        <p:cTn id="105" dur="indefinite" restart="never" nodeType="tmRoot">
+        <p:cTn id="140" dur="indefinite" restart="never" nodeType="tmRoot">
           <p:childTnLst>
             <p:seq>
-              <p:cTn id="106" dur="indefinite" nodeType="mainSeq"/>
+              <p:cTn id="141" dur="indefinite" nodeType="mainSeq">
+                <p:childTnLst>
+                  <p:par>
+                    <p:cTn id="142" fill="hold">
+                      <p:stCondLst>
+                        <p:cond delay="indefinite"/>
+                      </p:stCondLst>
+                      <p:childTnLst>
+                        <p:par>
+                          <p:cTn id="143" fill="hold">
+                            <p:stCondLst>
+                              <p:cond delay="0"/>
+                            </p:stCondLst>
+                            <p:childTnLst>
+                              <p:par>
+                                <p:cTn id="144" nodeType="clickEffect" fill="hold" presetClass="entr" presetID="1">
+                                  <p:stCondLst>
+                                    <p:cond delay="0"/>
+                                  </p:stCondLst>
+                                  <p:childTnLst>
+                                    <p:set>
+                                      <p:cBhvr>
+                                        <p:cTn id="145" dur="1" fill="hold">
+                                          <p:stCondLst>
+                                            <p:cond delay="0"/>
+                                          </p:stCondLst>
+                                        </p:cTn>
+                                        <p:tgtEl>
+                                          <p:spTgt spid="104"/>
+                                        </p:tgtEl>
+                                        <p:attrNameLst>
+                                          <p:attrName>style.visibility</p:attrName>
+                                        </p:attrNameLst>
+                                      </p:cBhvr>
+                                      <p:to>
+                                        <p:strVal val="visible"/>
+                                      </p:to>
+                                    </p:set>
+                                  </p:childTnLst>
+                                </p:cTn>
+                              </p:par>
+                            </p:childTnLst>
+                          </p:cTn>
+                        </p:par>
+                      </p:childTnLst>
+                    </p:cTn>
+                  </p:par>
+                  <p:par>
+                    <p:cTn id="146" fill="hold">
+                      <p:stCondLst>
+                        <p:cond delay="indefinite"/>
+                      </p:stCondLst>
+                      <p:childTnLst>
+                        <p:par>
+                          <p:cTn id="147" fill="hold">
+                            <p:stCondLst>
+                              <p:cond delay="0"/>
+                            </p:stCondLst>
+                            <p:childTnLst>
+                              <p:par>
+                                <p:cTn id="148" nodeType="clickEffect" fill="hold" presetClass="entr" presetID="1">
+                                  <p:stCondLst>
+                                    <p:cond delay="0"/>
+                                  </p:stCondLst>
+                                  <p:childTnLst>
+                                    <p:set>
+                                      <p:cBhvr>
+                                        <p:cTn id="149" dur="1" fill="hold">
+                                          <p:stCondLst>
+                                            <p:cond delay="0"/>
+                                          </p:stCondLst>
+                                        </p:cTn>
+                                        <p:tgtEl>
+                                          <p:spTgt spid="105"/>
+                                        </p:tgtEl>
+                                        <p:attrNameLst>
+                                          <p:attrName>style.visibility</p:attrName>
+                                        </p:attrNameLst>
+                                      </p:cBhvr>
+                                      <p:to>
+                                        <p:strVal val="visible"/>
+                                      </p:to>
+                                    </p:set>
+                                  </p:childTnLst>
+                                </p:cTn>
+                              </p:par>
+                            </p:childTnLst>
+                          </p:cTn>
+                        </p:par>
+                      </p:childTnLst>
+                    </p:cTn>
+                  </p:par>
+                  <p:par>
+                    <p:cTn id="150" fill="hold">
+                      <p:stCondLst>
+                        <p:cond delay="indefinite"/>
+                      </p:stCondLst>
+                      <p:childTnLst>
+                        <p:par>
+                          <p:cTn id="151" fill="hold">
+                            <p:stCondLst>
+                              <p:cond delay="0"/>
+                            </p:stCondLst>
+                            <p:childTnLst>
+                              <p:par>
+                                <p:cTn id="152" nodeType="clickEffect" fill="hold" presetClass="entr" presetID="1">
+                                  <p:stCondLst>
+                                    <p:cond delay="0"/>
+                                  </p:stCondLst>
+                                  <p:childTnLst>
+                                    <p:set>
+                                      <p:cBhvr>
+                                        <p:cTn id="153" dur="1" fill="hold">
+                                          <p:stCondLst>
+                                            <p:cond delay="0"/>
+                                          </p:stCondLst>
+                                        </p:cTn>
+                                        <p:tgtEl>
+                                          <p:spTgt spid="106"/>
+                                        </p:tgtEl>
+                                        <p:attrNameLst>
+                                          <p:attrName>style.visibility</p:attrName>
+                                        </p:attrNameLst>
+                                      </p:cBhvr>
+                                      <p:to>
+                                        <p:strVal val="visible"/>
+                                      </p:to>
+                                    </p:set>
+                                  </p:childTnLst>
+                                </p:cTn>
+                              </p:par>
+                            </p:childTnLst>
+                          </p:cTn>
+                        </p:par>
+                      </p:childTnLst>
+                    </p:cTn>
+                  </p:par>
+                </p:childTnLst>
+              </p:cTn>
               <p:prevCondLst>
                 <p:cond delay="0" evt="onPrev">
                   <p:tgtEl>
@@ -3735,14 +4183,14 @@
       </p:grpSpPr>
       <p:sp>
         <p:nvSpPr>
-          <p:cNvPr id="107" name="TextShape 1"/>
-          <p:cNvSpPr txBox="1"/>
+          <p:cNvPr id="107" name="CustomShape 1"/>
+          <p:cNvSpPr/>
           <p:nvPr/>
         </p:nvSpPr>
         <p:spPr>
           <a:xfrm>
             <a:off x="576000" y="-100800"/>
-            <a:ext cx="7886160" cy="1324800"/>
+            <a:ext cx="7885440" cy="1324080"/>
           </a:xfrm>
           <a:prstGeom prst="rect">
             <a:avLst/>
@@ -3752,13 +4200,27 @@
             <a:noFill/>
           </a:ln>
         </p:spPr>
+        <p:style>
+          <a:lnRef idx="0"/>
+          <a:fillRef idx="0"/>
+          <a:effectRef idx="0"/>
+          <a:fontRef idx="minor"/>
+        </p:style>
         <p:txBody>
           <a:bodyPr lIns="0" rIns="0" tIns="0" bIns="0" anchor="ctr"/>
           <a:p>
-            <a:pPr algn="ctr"/>
+            <a:pPr algn="ctr">
+              <a:lnSpc>
+                <a:spcPct val="100000"/>
+              </a:lnSpc>
+            </a:pPr>
             <a:r>
               <a:rPr b="0" lang="en-IE" sz="2800" spc="-1" strike="noStrike">
-                <a:latin typeface="Arial"/>
+                <a:solidFill>
+                  <a:srgbClr val="000000"/>
+                </a:solidFill>
+                <a:latin typeface="Arial"/>
+                <a:ea typeface="DejaVu Sans"/>
               </a:rPr>
               <a:t>Linting</a:t>
             </a:r>
@@ -3770,14 +4232,14 @@
       </p:sp>
       <p:sp>
         <p:nvSpPr>
-          <p:cNvPr id="108" name="TextShape 2"/>
-          <p:cNvSpPr txBox="1"/>
+          <p:cNvPr id="108" name="CustomShape 2"/>
+          <p:cNvSpPr/>
           <p:nvPr/>
         </p:nvSpPr>
         <p:spPr>
           <a:xfrm>
             <a:off x="936000" y="1021680"/>
-            <a:ext cx="3672000" cy="346320"/>
+            <a:ext cx="3671280" cy="345600"/>
           </a:xfrm>
           <a:prstGeom prst="rect">
             <a:avLst/>
@@ -3787,12 +4249,27 @@
             <a:noFill/>
           </a:ln>
         </p:spPr>
+        <p:style>
+          <a:lnRef idx="0"/>
+          <a:fillRef idx="0"/>
+          <a:effectRef idx="0"/>
+          <a:fontRef idx="minor"/>
+        </p:style>
         <p:txBody>
           <a:bodyPr lIns="90000" rIns="90000" tIns="45000" bIns="45000"/>
           <a:p>
+            <a:pPr>
+              <a:lnSpc>
+                <a:spcPct val="100000"/>
+              </a:lnSpc>
+            </a:pPr>
             <a:r>
               <a:rPr b="0" lang="en-IE" sz="1800" spc="-1" strike="noStrike">
-                <a:latin typeface="Arial"/>
+                <a:solidFill>
+                  <a:srgbClr val="000000"/>
+                </a:solidFill>
+                <a:latin typeface="Arial"/>
+                <a:ea typeface="DejaVu Sans"/>
               </a:rPr>
               <a:t>Why do you need a linter?</a:t>
             </a:r>
@@ -3804,14 +4281,14 @@
       </p:sp>
       <p:sp>
         <p:nvSpPr>
-          <p:cNvPr id="109" name="TextShape 3"/>
-          <p:cNvSpPr txBox="1"/>
+          <p:cNvPr id="109" name="CustomShape 3"/>
+          <p:cNvSpPr/>
           <p:nvPr/>
         </p:nvSpPr>
         <p:spPr>
           <a:xfrm>
             <a:off x="965880" y="1512000"/>
-            <a:ext cx="5874120" cy="2539800"/>
+            <a:ext cx="5873400" cy="2539080"/>
           </a:xfrm>
           <a:prstGeom prst="rect">
             <a:avLst/>
@@ -3821,10 +4298,19 @@
             <a:noFill/>
           </a:ln>
         </p:spPr>
+        <p:style>
+          <a:lnRef idx="0"/>
+          <a:fillRef idx="0"/>
+          <a:effectRef idx="0"/>
+          <a:fontRef idx="minor"/>
+        </p:style>
         <p:txBody>
           <a:bodyPr lIns="90000" rIns="90000" tIns="45000" bIns="45000"/>
           <a:p>
-            <a:pPr marL="216000" indent="-216000">
+            <a:pPr marL="216000" indent="-215280">
+              <a:lnSpc>
+                <a:spcPct val="100000"/>
+              </a:lnSpc>
               <a:spcAft>
                 <a:spcPts val="850"/>
               </a:spcAft>
@@ -3837,7 +4323,11 @@
             </a:pPr>
             <a:r>
               <a:rPr b="0" lang="en-IE" sz="1500" spc="-1" strike="noStrike">
-                <a:latin typeface="Arial"/>
+                <a:solidFill>
+                  <a:srgbClr val="000000"/>
+                </a:solidFill>
+                <a:latin typeface="Arial"/>
+                <a:ea typeface="DejaVu Sans"/>
               </a:rPr>
               <a:t>Readability</a:t>
             </a:r>
@@ -3846,7 +4336,10 @@
             </a:endParaRPr>
           </a:p>
           <a:p>
-            <a:pPr marL="216000" indent="-216000">
+            <a:pPr marL="216000" indent="-215280">
+              <a:lnSpc>
+                <a:spcPct val="100000"/>
+              </a:lnSpc>
               <a:spcAft>
                 <a:spcPts val="850"/>
               </a:spcAft>
@@ -3859,7 +4352,11 @@
             </a:pPr>
             <a:r>
               <a:rPr b="0" lang="en-IE" sz="1500" spc="-1" strike="noStrike">
-                <a:latin typeface="Arial"/>
+                <a:solidFill>
+                  <a:srgbClr val="000000"/>
+                </a:solidFill>
+                <a:latin typeface="Arial"/>
+                <a:ea typeface="DejaVu Sans"/>
               </a:rPr>
               <a:t>Pre-code review</a:t>
             </a:r>
@@ -3868,7 +4365,10 @@
             </a:endParaRPr>
           </a:p>
           <a:p>
-            <a:pPr marL="216000" indent="-216000">
+            <a:pPr marL="216000" indent="-215280">
+              <a:lnSpc>
+                <a:spcPct val="100000"/>
+              </a:lnSpc>
               <a:spcAft>
                 <a:spcPts val="850"/>
               </a:spcAft>
@@ -3881,7 +4381,11 @@
             </a:pPr>
             <a:r>
               <a:rPr b="0" lang="en-IE" sz="1500" spc="-1" strike="noStrike">
-                <a:latin typeface="Arial"/>
+                <a:solidFill>
+                  <a:srgbClr val="000000"/>
+                </a:solidFill>
+                <a:latin typeface="Arial"/>
+                <a:ea typeface="DejaVu Sans"/>
               </a:rPr>
               <a:t>Finding (syntax) errors before execution</a:t>
             </a:r>
@@ -3890,7 +4394,10 @@
             </a:endParaRPr>
           </a:p>
           <a:p>
-            <a:pPr marL="216000" indent="-216000">
+            <a:pPr marL="216000" indent="-215280">
+              <a:lnSpc>
+                <a:spcPct val="100000"/>
+              </a:lnSpc>
               <a:spcAft>
                 <a:spcPts val="850"/>
               </a:spcAft>
@@ -3903,7 +4410,11 @@
             </a:pPr>
             <a:r>
               <a:rPr b="0" lang="en-IE" sz="1500" spc="-1" strike="noStrike">
-                <a:latin typeface="Arial"/>
+                <a:solidFill>
+                  <a:srgbClr val="000000"/>
+                </a:solidFill>
+                <a:latin typeface="Arial"/>
+                <a:ea typeface="DejaVu Sans"/>
               </a:rPr>
               <a:t>Avoid Mistakes</a:t>
             </a:r>
@@ -3912,7 +4423,10 @@
             </a:endParaRPr>
           </a:p>
           <a:p>
-            <a:pPr marL="216000" indent="-216000">
+            <a:pPr marL="216000" indent="-215280">
+              <a:lnSpc>
+                <a:spcPct val="100000"/>
+              </a:lnSpc>
               <a:spcAft>
                 <a:spcPts val="850"/>
               </a:spcAft>
@@ -3925,7 +4439,11 @@
             </a:pPr>
             <a:r>
               <a:rPr b="0" lang="en-IE" sz="1500" spc="-1" strike="noStrike">
-                <a:latin typeface="Arial"/>
+                <a:solidFill>
+                  <a:srgbClr val="000000"/>
+                </a:solidFill>
+                <a:latin typeface="Arial"/>
+                <a:ea typeface="DejaVu Sans"/>
               </a:rPr>
               <a:t>Avoid Bad practices or patterns</a:t>
             </a:r>
@@ -3934,7 +4452,10 @@
             </a:endParaRPr>
           </a:p>
           <a:p>
-            <a:pPr marL="216000" indent="-216000">
+            <a:pPr marL="216000" indent="-215280">
+              <a:lnSpc>
+                <a:spcPct val="100000"/>
+              </a:lnSpc>
               <a:spcAft>
                 <a:spcPts val="850"/>
               </a:spcAft>
@@ -3947,7 +4468,11 @@
             </a:pPr>
             <a:r>
               <a:rPr b="0" lang="en-IE" sz="1500" spc="-1" strike="noStrike">
-                <a:latin typeface="Arial"/>
+                <a:solidFill>
+                  <a:srgbClr val="000000"/>
+                </a:solidFill>
+                <a:latin typeface="Arial"/>
+                <a:ea typeface="DejaVu Sans"/>
               </a:rPr>
               <a:t>Enforce consistency</a:t>
             </a:r>
@@ -3956,7 +4481,10 @@
             </a:endParaRPr>
           </a:p>
           <a:p>
-            <a:pPr marL="216000" indent="-216000">
+            <a:pPr marL="216000" indent="-215280">
+              <a:lnSpc>
+                <a:spcPct val="100000"/>
+              </a:lnSpc>
               <a:spcAft>
                 <a:spcPts val="850"/>
               </a:spcAft>
@@ -3973,6 +4501,7 @@
                   <a:srgbClr val="000000"/>
                 </a:solidFill>
                 <a:latin typeface="Arial"/>
+                <a:ea typeface="DejaVu Sans"/>
               </a:rPr>
               <a:t>The team have to go in the same </a:t>
             </a:r>
@@ -3982,6 +4511,7 @@
                   <a:srgbClr val="000000"/>
                 </a:solidFill>
                 <a:latin typeface="Arial"/>
+                <a:ea typeface="DejaVu Sans"/>
               </a:rPr>
               <a:t>direction</a:t>
             </a:r>
@@ -3990,7 +4520,10 @@
             </a:endParaRPr>
           </a:p>
           <a:p>
-            <a:pPr marL="216000" indent="-216000">
+            <a:pPr marL="216000" indent="-215280">
+              <a:lnSpc>
+                <a:spcPct val="100000"/>
+              </a:lnSpc>
               <a:spcAft>
                 <a:spcPts val="850"/>
               </a:spcAft>
@@ -4007,6 +4540,7 @@
                   <a:srgbClr val="000000"/>
                 </a:solidFill>
                 <a:latin typeface="Arial"/>
+                <a:ea typeface="DejaVu Sans"/>
               </a:rPr>
               <a:t>Why </a:t>
             </a:r>
@@ -4016,6 +4550,7 @@
                   <a:srgbClr val="000000"/>
                 </a:solidFill>
                 <a:latin typeface="Arial"/>
+                <a:ea typeface="DejaVu Sans"/>
               </a:rPr>
               <a:t>Facebook</a:t>
             </a:r>
@@ -4025,6 +4560,7 @@
                   <a:srgbClr val="000000"/>
                 </a:solidFill>
                 <a:latin typeface="Arial"/>
+                <a:ea typeface="DejaVu Sans"/>
               </a:rPr>
               <a:t>, </a:t>
             </a:r>
@@ -4034,6 +4570,7 @@
                   <a:srgbClr val="000000"/>
                 </a:solidFill>
                 <a:latin typeface="Arial"/>
+                <a:ea typeface="DejaVu Sans"/>
               </a:rPr>
               <a:t>Airbnb</a:t>
             </a:r>
@@ -4043,6 +4580,7 @@
                   <a:srgbClr val="000000"/>
                 </a:solidFill>
                 <a:latin typeface="Arial"/>
+                <a:ea typeface="DejaVu Sans"/>
               </a:rPr>
               <a:t> and </a:t>
             </a:r>
@@ -4052,6 +4590,7 @@
                   <a:srgbClr val="000000"/>
                 </a:solidFill>
                 <a:latin typeface="Arial"/>
+                <a:ea typeface="DejaVu Sans"/>
               </a:rPr>
               <a:t>Google</a:t>
             </a:r>
@@ -4061,6 +4600,7 @@
                   <a:srgbClr val="000000"/>
                 </a:solidFill>
                 <a:latin typeface="Arial"/>
+                <a:ea typeface="DejaVu Sans"/>
               </a:rPr>
               <a:t> uses ES Lint?</a:t>
             </a:r>
@@ -4083,7 +4623,7 @@
         <p:spPr>
           <a:xfrm>
             <a:off x="4248000" y="5040000"/>
-            <a:ext cx="2759400" cy="860040"/>
+            <a:ext cx="2758680" cy="859320"/>
           </a:xfrm>
           <a:prstGeom prst="rect">
             <a:avLst/>
@@ -4106,7 +4646,7 @@
         <p:spPr>
           <a:xfrm>
             <a:off x="2664000" y="5112000"/>
-            <a:ext cx="792000" cy="792000"/>
+            <a:ext cx="791280" cy="791280"/>
           </a:xfrm>
           <a:prstGeom prst="rect">
             <a:avLst/>
@@ -4118,14 +4658,14 @@
       </p:pic>
       <p:sp>
         <p:nvSpPr>
-          <p:cNvPr id="112" name="TextShape 4"/>
-          <p:cNvSpPr txBox="1"/>
+          <p:cNvPr id="112" name="CustomShape 4"/>
+          <p:cNvSpPr/>
           <p:nvPr/>
         </p:nvSpPr>
         <p:spPr>
           <a:xfrm>
             <a:off x="3090960" y="4477680"/>
-            <a:ext cx="2741040" cy="346320"/>
+            <a:ext cx="2740320" cy="345600"/>
           </a:xfrm>
           <a:prstGeom prst="rect">
             <a:avLst/>
@@ -4135,12 +4675,27 @@
             <a:noFill/>
           </a:ln>
         </p:spPr>
+        <p:style>
+          <a:lnRef idx="0"/>
+          <a:fillRef idx="0"/>
+          <a:effectRef idx="0"/>
+          <a:fontRef idx="minor"/>
+        </p:style>
         <p:txBody>
           <a:bodyPr lIns="90000" rIns="90000" tIns="45000" bIns="45000"/>
           <a:p>
+            <a:pPr>
+              <a:lnSpc>
+                <a:spcPct val="100000"/>
+              </a:lnSpc>
+            </a:pPr>
             <a:r>
               <a:rPr b="0" lang="en-IE" sz="1800" spc="-1" strike="noStrike">
-                <a:latin typeface="Arial"/>
+                <a:solidFill>
+                  <a:srgbClr val="000000"/>
+                </a:solidFill>
+                <a:latin typeface="Arial"/>
+                <a:ea typeface="DejaVu Sans"/>
               </a:rPr>
               <a:t>ES Lint with Airbnb Rules</a:t>
             </a:r>
@@ -4152,14 +4707,14 @@
       </p:sp>
       <p:sp>
         <p:nvSpPr>
-          <p:cNvPr id="113" name="TextShape 5"/>
-          <p:cNvSpPr txBox="1"/>
+          <p:cNvPr id="113" name="CustomShape 5"/>
+          <p:cNvSpPr/>
           <p:nvPr/>
         </p:nvSpPr>
         <p:spPr>
           <a:xfrm>
             <a:off x="3672000" y="5229720"/>
-            <a:ext cx="447480" cy="602280"/>
+            <a:ext cx="446760" cy="601560"/>
           </a:xfrm>
           <a:prstGeom prst="rect">
             <a:avLst/>
@@ -4169,12 +4724,27 @@
             <a:noFill/>
           </a:ln>
         </p:spPr>
+        <p:style>
+          <a:lnRef idx="0"/>
+          <a:fillRef idx="0"/>
+          <a:effectRef idx="0"/>
+          <a:fontRef idx="minor"/>
+        </p:style>
         <p:txBody>
           <a:bodyPr lIns="90000" rIns="90000" tIns="45000" bIns="45000"/>
           <a:p>
+            <a:pPr>
+              <a:lnSpc>
+                <a:spcPct val="100000"/>
+              </a:lnSpc>
+            </a:pPr>
             <a:r>
               <a:rPr b="0" lang="en-IE" sz="3600" spc="-1" strike="noStrike">
-                <a:latin typeface="Arial"/>
+                <a:solidFill>
+                  <a:srgbClr val="000000"/>
+                </a:solidFill>
+                <a:latin typeface="Arial"/>
+                <a:ea typeface="DejaVu Sans"/>
               </a:rPr>
               <a:t>+</a:t>
             </a:r>
@@ -4186,14 +4756,14 @@
       </p:sp>
       <p:sp>
         <p:nvSpPr>
-          <p:cNvPr id="114" name="TextShape 6"/>
-          <p:cNvSpPr txBox="1"/>
+          <p:cNvPr id="114" name="CustomShape 6"/>
+          <p:cNvSpPr/>
           <p:nvPr/>
         </p:nvSpPr>
         <p:spPr>
           <a:xfrm>
-            <a:off x="3168000" y="6421680"/>
-            <a:ext cx="2754720" cy="346320"/>
+            <a:off x="1948680" y="6349320"/>
+            <a:ext cx="5466960" cy="346320"/>
           </a:xfrm>
           <a:prstGeom prst="rect">
             <a:avLst/>
@@ -4203,14 +4773,25 @@
             <a:noFill/>
           </a:ln>
         </p:spPr>
+        <p:style>
+          <a:lnRef idx="0"/>
+          <a:fillRef idx="0"/>
+          <a:effectRef idx="0"/>
+          <a:fontRef idx="minor"/>
+        </p:style>
         <p:txBody>
           <a:bodyPr lIns="90000" rIns="90000" tIns="45000" bIns="45000"/>
           <a:p>
+            <a:pPr>
+              <a:lnSpc>
+                <a:spcPct val="100000"/>
+              </a:lnSpc>
+            </a:pPr>
             <a:r>
               <a:rPr b="0" lang="en-IE" sz="1800" spc="-1" strike="noStrike">
                 <a:latin typeface="Arial"/>
               </a:rPr>
-              <a:t>Live Example with ESLint</a:t>
+              <a:t>Live Example Highcharts Component without ESLint</a:t>
             </a:r>
             <a:endParaRPr b="0" lang="en-IE" sz="1800" spc="-1" strike="noStrike">
               <a:latin typeface="Arial"/>
@@ -4223,10 +4804,247 @@
   <p:timing>
     <p:tnLst>
       <p:par>
-        <p:cTn id="107" dur="indefinite" restart="never" nodeType="tmRoot">
+        <p:cTn id="154" dur="indefinite" restart="never" nodeType="tmRoot">
           <p:childTnLst>
             <p:seq>
-              <p:cTn id="108" dur="indefinite" nodeType="mainSeq"/>
+              <p:cTn id="155" dur="indefinite" nodeType="mainSeq">
+                <p:childTnLst>
+                  <p:par>
+                    <p:cTn id="156" fill="hold">
+                      <p:stCondLst>
+                        <p:cond delay="indefinite"/>
+                      </p:stCondLst>
+                      <p:childTnLst>
+                        <p:par>
+                          <p:cTn id="157" fill="hold">
+                            <p:stCondLst>
+                              <p:cond delay="0"/>
+                            </p:stCondLst>
+                            <p:childTnLst>
+                              <p:par>
+                                <p:cTn id="158" nodeType="clickEffect" fill="hold" presetClass="entr" presetID="1">
+                                  <p:stCondLst>
+                                    <p:cond delay="0"/>
+                                  </p:stCondLst>
+                                  <p:childTnLst>
+                                    <p:set>
+                                      <p:cBhvr>
+                                        <p:cTn id="159" dur="1" fill="hold">
+                                          <p:stCondLst>
+                                            <p:cond delay="0"/>
+                                          </p:stCondLst>
+                                        </p:cTn>
+                                        <p:tgtEl>
+                                          <p:spTgt spid="109"/>
+                                        </p:tgtEl>
+                                        <p:attrNameLst>
+                                          <p:attrName>style.visibility</p:attrName>
+                                        </p:attrNameLst>
+                                      </p:cBhvr>
+                                      <p:to>
+                                        <p:strVal val="visible"/>
+                                      </p:to>
+                                    </p:set>
+                                  </p:childTnLst>
+                                </p:cTn>
+                              </p:par>
+                            </p:childTnLst>
+                          </p:cTn>
+                        </p:par>
+                      </p:childTnLst>
+                    </p:cTn>
+                  </p:par>
+                  <p:par>
+                    <p:cTn id="160" fill="hold">
+                      <p:stCondLst>
+                        <p:cond delay="indefinite"/>
+                      </p:stCondLst>
+                      <p:childTnLst>
+                        <p:par>
+                          <p:cTn id="161" fill="hold">
+                            <p:stCondLst>
+                              <p:cond delay="0"/>
+                            </p:stCondLst>
+                            <p:childTnLst>
+                              <p:par>
+                                <p:cTn id="162" nodeType="clickEffect" fill="hold" presetClass="entr" presetID="1">
+                                  <p:stCondLst>
+                                    <p:cond delay="0"/>
+                                  </p:stCondLst>
+                                  <p:childTnLst>
+                                    <p:set>
+                                      <p:cBhvr>
+                                        <p:cTn id="163" dur="1" fill="hold">
+                                          <p:stCondLst>
+                                            <p:cond delay="0"/>
+                                          </p:stCondLst>
+                                        </p:cTn>
+                                        <p:tgtEl>
+                                          <p:spTgt spid="112"/>
+                                        </p:tgtEl>
+                                        <p:attrNameLst>
+                                          <p:attrName>style.visibility</p:attrName>
+                                        </p:attrNameLst>
+                                      </p:cBhvr>
+                                      <p:to>
+                                        <p:strVal val="visible"/>
+                                      </p:to>
+                                    </p:set>
+                                  </p:childTnLst>
+                                </p:cTn>
+                              </p:par>
+                            </p:childTnLst>
+                          </p:cTn>
+                        </p:par>
+                      </p:childTnLst>
+                    </p:cTn>
+                  </p:par>
+                  <p:par>
+                    <p:cTn id="164" fill="hold">
+                      <p:stCondLst>
+                        <p:cond delay="indefinite"/>
+                      </p:stCondLst>
+                      <p:childTnLst>
+                        <p:par>
+                          <p:cTn id="165" fill="hold">
+                            <p:stCondLst>
+                              <p:cond delay="0"/>
+                            </p:stCondLst>
+                            <p:childTnLst>
+                              <p:par>
+                                <p:cTn id="166" nodeType="clickEffect" fill="hold" presetClass="entr" presetID="1">
+                                  <p:stCondLst>
+                                    <p:cond delay="0"/>
+                                  </p:stCondLst>
+                                  <p:childTnLst>
+                                    <p:set>
+                                      <p:cBhvr>
+                                        <p:cTn id="167" dur="1" fill="hold">
+                                          <p:stCondLst>
+                                            <p:cond delay="0"/>
+                                          </p:stCondLst>
+                                        </p:cTn>
+                                        <p:tgtEl>
+                                          <p:spTgt spid="110"/>
+                                        </p:tgtEl>
+                                        <p:attrNameLst>
+                                          <p:attrName>style.visibility</p:attrName>
+                                        </p:attrNameLst>
+                                      </p:cBhvr>
+                                      <p:to>
+                                        <p:strVal val="visible"/>
+                                      </p:to>
+                                    </p:set>
+                                  </p:childTnLst>
+                                </p:cTn>
+                              </p:par>
+                              <p:par>
+                                <p:cTn id="168" nodeType="withEffect" fill="hold" presetClass="entr" presetID="1">
+                                  <p:stCondLst>
+                                    <p:cond delay="0"/>
+                                  </p:stCondLst>
+                                  <p:childTnLst>
+                                    <p:set>
+                                      <p:cBhvr>
+                                        <p:cTn id="169" dur="1" fill="hold">
+                                          <p:stCondLst>
+                                            <p:cond delay="0"/>
+                                          </p:stCondLst>
+                                        </p:cTn>
+                                        <p:tgtEl>
+                                          <p:spTgt spid="111"/>
+                                        </p:tgtEl>
+                                        <p:attrNameLst>
+                                          <p:attrName>style.visibility</p:attrName>
+                                        </p:attrNameLst>
+                                      </p:cBhvr>
+                                      <p:to>
+                                        <p:strVal val="visible"/>
+                                      </p:to>
+                                    </p:set>
+                                  </p:childTnLst>
+                                </p:cTn>
+                              </p:par>
+                              <p:par>
+                                <p:cTn id="170" nodeType="withEffect" fill="hold" presetClass="entr" presetID="1">
+                                  <p:stCondLst>
+                                    <p:cond delay="0"/>
+                                  </p:stCondLst>
+                                  <p:childTnLst>
+                                    <p:set>
+                                      <p:cBhvr>
+                                        <p:cTn id="171" dur="1" fill="hold">
+                                          <p:stCondLst>
+                                            <p:cond delay="0"/>
+                                          </p:stCondLst>
+                                        </p:cTn>
+                                        <p:tgtEl>
+                                          <p:spTgt spid="113"/>
+                                        </p:tgtEl>
+                                        <p:attrNameLst>
+                                          <p:attrName>style.visibility</p:attrName>
+                                        </p:attrNameLst>
+                                      </p:cBhvr>
+                                      <p:to>
+                                        <p:strVal val="visible"/>
+                                      </p:to>
+                                    </p:set>
+                                  </p:childTnLst>
+                                </p:cTn>
+                              </p:par>
+                            </p:childTnLst>
+                          </p:cTn>
+                        </p:par>
+                      </p:childTnLst>
+                    </p:cTn>
+                  </p:par>
+                  <p:par>
+                    <p:cTn id="172" fill="hold">
+                      <p:stCondLst>
+                        <p:cond delay="indefinite"/>
+                      </p:stCondLst>
+                      <p:childTnLst>
+                        <p:par>
+                          <p:cTn id="173" fill="hold">
+                            <p:stCondLst>
+                              <p:cond delay="0"/>
+                            </p:stCondLst>
+                            <p:childTnLst>
+                              <p:par>
+                                <p:cTn id="174" nodeType="clickEffect" fill="hold" presetClass="entr" presetID="1">
+                                  <p:stCondLst>
+                                    <p:cond delay="0"/>
+                                  </p:stCondLst>
+                                  <p:childTnLst>
+                                    <p:set>
+                                      <p:cBhvr>
+                                        <p:cTn id="175" dur="1" fill="hold">
+                                          <p:stCondLst>
+                                            <p:cond delay="0"/>
+                                          </p:stCondLst>
+                                        </p:cTn>
+                                        <p:tgtEl>
+                                          <p:spTgt spid="114"/>
+                                        </p:tgtEl>
+                                        <p:attrNameLst>
+                                          <p:attrName>style.visibility</p:attrName>
+                                        </p:attrNameLst>
+                                      </p:cBhvr>
+                                      <p:to>
+                                        <p:strVal val="visible"/>
+                                      </p:to>
+                                    </p:set>
+                                  </p:childTnLst>
+                                </p:cTn>
+                              </p:par>
+                            </p:childTnLst>
+                          </p:cTn>
+                        </p:par>
+                      </p:childTnLst>
+                    </p:cTn>
+                  </p:par>
+                </p:childTnLst>
+              </p:cTn>
               <p:prevCondLst>
                 <p:cond delay="0" evt="onPrev">
                   <p:tgtEl>
@@ -4269,14 +5087,14 @@
       </p:grpSpPr>
       <p:sp>
         <p:nvSpPr>
-          <p:cNvPr id="115" name="TextShape 1"/>
-          <p:cNvSpPr txBox="1"/>
+          <p:cNvPr id="115" name="CustomShape 1"/>
+          <p:cNvSpPr/>
           <p:nvPr/>
         </p:nvSpPr>
         <p:spPr>
           <a:xfrm>
             <a:off x="393840" y="0"/>
-            <a:ext cx="7886160" cy="1324800"/>
+            <a:ext cx="7885440" cy="1324080"/>
           </a:xfrm>
           <a:prstGeom prst="rect">
             <a:avLst/>
@@ -4286,13 +5104,27 @@
             <a:noFill/>
           </a:ln>
         </p:spPr>
+        <p:style>
+          <a:lnRef idx="0"/>
+          <a:fillRef idx="0"/>
+          <a:effectRef idx="0"/>
+          <a:fontRef idx="minor"/>
+        </p:style>
         <p:txBody>
           <a:bodyPr lIns="0" rIns="0" tIns="0" bIns="0" anchor="ctr"/>
           <a:p>
-            <a:pPr algn="ctr"/>
+            <a:pPr algn="ctr">
+              <a:lnSpc>
+                <a:spcPct val="100000"/>
+              </a:lnSpc>
+            </a:pPr>
             <a:r>
               <a:rPr b="0" lang="en-IE" sz="2800" spc="-1" strike="noStrike">
-                <a:latin typeface="Arial"/>
+                <a:solidFill>
+                  <a:srgbClr val="000000"/>
+                </a:solidFill>
+                <a:latin typeface="Arial"/>
+                <a:ea typeface="DejaVu Sans"/>
               </a:rPr>
               <a:t>Linting</a:t>
             </a:r>
@@ -4304,14 +5136,14 @@
       </p:sp>
       <p:sp>
         <p:nvSpPr>
-          <p:cNvPr id="116" name="TextShape 2"/>
-          <p:cNvSpPr txBox="1"/>
+          <p:cNvPr id="116" name="CustomShape 2"/>
+          <p:cNvSpPr/>
           <p:nvPr/>
         </p:nvSpPr>
         <p:spPr>
           <a:xfrm>
             <a:off x="1656000" y="1152000"/>
-            <a:ext cx="5976000" cy="883080"/>
+            <a:ext cx="5975280" cy="882360"/>
           </a:xfrm>
           <a:prstGeom prst="rect">
             <a:avLst/>
@@ -4321,30 +5153,57 @@
             <a:noFill/>
           </a:ln>
         </p:spPr>
+        <p:style>
+          <a:lnRef idx="0"/>
+          <a:fillRef idx="0"/>
+          <a:effectRef idx="0"/>
+          <a:fontRef idx="minor"/>
+        </p:style>
         <p:txBody>
           <a:bodyPr lIns="90000" rIns="90000" tIns="45000" bIns="45000"/>
           <a:p>
+            <a:pPr>
+              <a:lnSpc>
+                <a:spcPct val="100000"/>
+              </a:lnSpc>
+            </a:pPr>
             <a:r>
               <a:rPr b="0" lang="en-IE" sz="2800" spc="-1" strike="noStrike">
-                <a:latin typeface="Arial"/>
+                <a:solidFill>
+                  <a:srgbClr val="000000"/>
+                </a:solidFill>
+                <a:latin typeface="Arial"/>
+                <a:ea typeface="DejaVu Sans"/>
               </a:rPr>
               <a:t>Things </a:t>
             </a:r>
             <a:r>
               <a:rPr b="1" lang="en-IE" sz="2800" spc="-1" strike="noStrike">
-                <a:latin typeface="Arial"/>
+                <a:solidFill>
+                  <a:srgbClr val="000000"/>
+                </a:solidFill>
+                <a:latin typeface="Arial"/>
+                <a:ea typeface="DejaVu Sans"/>
               </a:rPr>
               <a:t>to do or </a:t>
             </a:r>
             <a:r>
               <a:rPr b="1" i="1" lang="en-IE" sz="2800" spc="-1" strike="noStrike">
-                <a:latin typeface="Arial"/>
+                <a:solidFill>
+                  <a:srgbClr val="000000"/>
+                </a:solidFill>
+                <a:latin typeface="Arial"/>
+                <a:ea typeface="DejaVu Sans"/>
               </a:rPr>
               <a:t>not do</a:t>
             </a:r>
             <a:r>
               <a:rPr b="0" lang="en-IE" sz="2800" spc="-1" strike="noStrike">
-                <a:latin typeface="Arial"/>
+                <a:solidFill>
+                  <a:srgbClr val="000000"/>
+                </a:solidFill>
+                <a:latin typeface="Arial"/>
+                <a:ea typeface="DejaVu Sans"/>
               </a:rPr>
               <a:t> with a linter:</a:t>
             </a:r>
@@ -4356,14 +5215,14 @@
       </p:sp>
       <p:sp>
         <p:nvSpPr>
-          <p:cNvPr id="117" name="TextShape 3"/>
-          <p:cNvSpPr txBox="1"/>
+          <p:cNvPr id="117" name="CustomShape 3"/>
+          <p:cNvSpPr/>
           <p:nvPr/>
         </p:nvSpPr>
         <p:spPr>
           <a:xfrm>
             <a:off x="830160" y="5445720"/>
-            <a:ext cx="5073840" cy="602280"/>
+            <a:ext cx="5073120" cy="601560"/>
           </a:xfrm>
           <a:prstGeom prst="rect">
             <a:avLst/>
@@ -4373,10 +5232,19 @@
             <a:noFill/>
           </a:ln>
         </p:spPr>
+        <p:style>
+          <a:lnRef idx="0"/>
+          <a:fillRef idx="0"/>
+          <a:effectRef idx="0"/>
+          <a:fontRef idx="minor"/>
+        </p:style>
         <p:txBody>
           <a:bodyPr lIns="90000" rIns="90000" tIns="45000" bIns="45000"/>
           <a:p>
-            <a:pPr marL="216000" indent="-216000">
+            <a:pPr marL="216000" indent="-215280">
+              <a:lnSpc>
+                <a:spcPct val="100000"/>
+              </a:lnSpc>
               <a:buClr>
                 <a:srgbClr val="000000"/>
               </a:buClr>
@@ -4386,7 +5254,11 @@
             </a:pPr>
             <a:r>
               <a:rPr b="0" lang="en-IE" sz="1800" spc="-1" strike="noStrike">
-                <a:latin typeface="Arial"/>
+                <a:solidFill>
+                  <a:srgbClr val="000000"/>
+                </a:solidFill>
+                <a:latin typeface="Arial"/>
+                <a:ea typeface="DejaVu Sans"/>
               </a:rPr>
               <a:t>Disable the rule instead of improving you code</a:t>
             </a:r>
@@ -4395,7 +5267,167 @@
             </a:endParaRPr>
           </a:p>
           <a:p>
-            <a:pPr marL="216000" indent="-216000">
+            <a:pPr>
+              <a:lnSpc>
+                <a:spcPct val="100000"/>
+              </a:lnSpc>
+            </a:pPr>
+            <a:endParaRPr b="0" lang="en-IE" sz="1800" spc="-1" strike="noStrike">
+              <a:latin typeface="Arial"/>
+            </a:endParaRPr>
+          </a:p>
+        </p:txBody>
+      </p:sp>
+      <p:sp>
+        <p:nvSpPr>
+          <p:cNvPr id="118" name="CustomShape 4"/>
+          <p:cNvSpPr/>
+          <p:nvPr/>
+        </p:nvSpPr>
+        <p:spPr>
+          <a:xfrm>
+            <a:off x="481680" y="4752000"/>
+            <a:ext cx="1461600" cy="486360"/>
+          </a:xfrm>
+          <a:prstGeom prst="rect">
+            <a:avLst/>
+          </a:prstGeom>
+          <a:noFill/>
+          <a:ln>
+            <a:noFill/>
+          </a:ln>
+        </p:spPr>
+        <p:style>
+          <a:lnRef idx="0"/>
+          <a:fillRef idx="0"/>
+          <a:effectRef idx="0"/>
+          <a:fontRef idx="minor"/>
+        </p:style>
+        <p:txBody>
+          <a:bodyPr lIns="90000" rIns="90000" tIns="45000" bIns="45000"/>
+          <a:p>
+            <a:pPr>
+              <a:lnSpc>
+                <a:spcPct val="100000"/>
+              </a:lnSpc>
+            </a:pPr>
+            <a:r>
+              <a:rPr b="1" lang="en-IE" sz="2800" spc="-1" strike="noStrike">
+                <a:solidFill>
+                  <a:srgbClr val="000000"/>
+                </a:solidFill>
+                <a:latin typeface="Arial"/>
+                <a:ea typeface="DejaVu Sans"/>
+              </a:rPr>
+              <a:t> </a:t>
+            </a:r>
+            <a:r>
+              <a:rPr b="1" lang="en-IE" sz="2800" spc="-1" strike="noStrike">
+                <a:solidFill>
+                  <a:srgbClr val="000000"/>
+                </a:solidFill>
+                <a:latin typeface="Arial"/>
+                <a:ea typeface="DejaVu Sans"/>
+              </a:rPr>
+              <a:t>Not do</a:t>
+            </a:r>
+            <a:r>
+              <a:rPr b="0" lang="en-IE" sz="2800" spc="-1" strike="noStrike">
+                <a:solidFill>
+                  <a:srgbClr val="000000"/>
+                </a:solidFill>
+                <a:latin typeface="Arial"/>
+                <a:ea typeface="DejaVu Sans"/>
+              </a:rPr>
+              <a:t> </a:t>
+            </a:r>
+            <a:endParaRPr b="0" lang="en-IE" sz="2800" spc="-1" strike="noStrike">
+              <a:latin typeface="Arial"/>
+            </a:endParaRPr>
+          </a:p>
+        </p:txBody>
+      </p:sp>
+      <p:sp>
+        <p:nvSpPr>
+          <p:cNvPr id="119" name="CustomShape 5"/>
+          <p:cNvSpPr/>
+          <p:nvPr/>
+        </p:nvSpPr>
+        <p:spPr>
+          <a:xfrm>
+            <a:off x="504000" y="1764000"/>
+            <a:ext cx="1367280" cy="1259280"/>
+          </a:xfrm>
+          <a:prstGeom prst="rect">
+            <a:avLst/>
+          </a:prstGeom>
+          <a:noFill/>
+          <a:ln>
+            <a:noFill/>
+          </a:ln>
+        </p:spPr>
+        <p:style>
+          <a:lnRef idx="0"/>
+          <a:fillRef idx="0"/>
+          <a:effectRef idx="0"/>
+          <a:fontRef idx="minor"/>
+        </p:style>
+        <p:txBody>
+          <a:bodyPr lIns="90000" rIns="90000" tIns="45000" bIns="45000"/>
+          <a:p>
+            <a:pPr>
+              <a:lnSpc>
+                <a:spcPct val="100000"/>
+              </a:lnSpc>
+            </a:pPr>
+            <a:r>
+              <a:rPr b="1" lang="en-IE" sz="2800" spc="-1" strike="noStrike">
+                <a:solidFill>
+                  <a:srgbClr val="000000"/>
+                </a:solidFill>
+                <a:latin typeface="Arial"/>
+                <a:ea typeface="DejaVu Sans"/>
+              </a:rPr>
+              <a:t>To do</a:t>
+            </a:r>
+            <a:endParaRPr b="0" lang="en-IE" sz="2800" spc="-1" strike="noStrike">
+              <a:latin typeface="Arial"/>
+            </a:endParaRPr>
+          </a:p>
+        </p:txBody>
+      </p:sp>
+      <p:sp>
+        <p:nvSpPr>
+          <p:cNvPr id="120" name="CustomShape 6"/>
+          <p:cNvSpPr/>
+          <p:nvPr/>
+        </p:nvSpPr>
+        <p:spPr>
+          <a:xfrm>
+            <a:off x="720000" y="2349720"/>
+            <a:ext cx="5687640" cy="601560"/>
+          </a:xfrm>
+          <a:prstGeom prst="rect">
+            <a:avLst/>
+          </a:prstGeom>
+          <a:noFill/>
+          <a:ln>
+            <a:noFill/>
+          </a:ln>
+        </p:spPr>
+        <p:style>
+          <a:lnRef idx="0"/>
+          <a:fillRef idx="0"/>
+          <a:effectRef idx="0"/>
+          <a:fontRef idx="minor"/>
+        </p:style>
+        <p:txBody>
+          <a:bodyPr lIns="90000" rIns="90000" tIns="45000" bIns="45000"/>
+          <a:p>
+            <a:pPr marL="216000" indent="-215280">
+              <a:lnSpc>
+                <a:spcPct val="100000"/>
+              </a:lnSpc>
               <a:buClr>
                 <a:srgbClr val="000000"/>
               </a:buClr>
@@ -4403,6 +5435,16 @@
               <a:buFont typeface="Wingdings" charset="2"/>
               <a:buChar char=""/>
             </a:pPr>
+            <a:r>
+              <a:rPr b="0" lang="en-IE" sz="1800" spc="-1" strike="noStrike">
+                <a:solidFill>
+                  <a:srgbClr val="000000"/>
+                </a:solidFill>
+                <a:latin typeface="Arial"/>
+                <a:ea typeface="DejaVu Sans"/>
+              </a:rPr>
+              <a:t>Follow a good JavaScript, PHP, Python style guide</a:t>
+            </a:r>
             <a:endParaRPr b="0" lang="en-IE" sz="1800" spc="-1" strike="noStrike">
               <a:latin typeface="Arial"/>
             </a:endParaRPr>
@@ -4411,14 +5453,14 @@
       </p:sp>
       <p:sp>
         <p:nvSpPr>
-          <p:cNvPr id="118" name="TextShape 4"/>
-          <p:cNvSpPr txBox="1"/>
+          <p:cNvPr id="121" name="CustomShape 7"/>
+          <p:cNvSpPr/>
           <p:nvPr/>
         </p:nvSpPr>
         <p:spPr>
           <a:xfrm>
-            <a:off x="481680" y="4752000"/>
-            <a:ext cx="1462320" cy="487080"/>
+            <a:off x="958680" y="2749680"/>
+            <a:ext cx="3086280" cy="345600"/>
           </a:xfrm>
           <a:prstGeom prst="rect">
             <a:avLst/>
@@ -4428,43 +5470,96 @@
             <a:noFill/>
           </a:ln>
         </p:spPr>
+        <p:style>
+          <a:lnRef idx="0"/>
+          <a:fillRef idx="0"/>
+          <a:effectRef idx="0"/>
+          <a:fontRef idx="minor"/>
+        </p:style>
         <p:txBody>
           <a:bodyPr lIns="90000" rIns="90000" tIns="45000" bIns="45000"/>
           <a:p>
-            <a:r>
-              <a:rPr b="1" lang="en-IE" sz="2800" spc="-1" strike="noStrike">
-                <a:latin typeface="Arial"/>
-              </a:rPr>
-              <a:t> </a:t>
-            </a:r>
-            <a:r>
-              <a:rPr b="1" lang="en-IE" sz="2800" spc="-1" strike="noStrike">
-                <a:latin typeface="Arial"/>
-              </a:rPr>
-              <a:t>Not do</a:t>
-            </a:r>
-            <a:r>
-              <a:rPr b="0" lang="en-IE" sz="2800" spc="-1" strike="noStrike">
-                <a:latin typeface="Arial"/>
-              </a:rPr>
-              <a:t> </a:t>
-            </a:r>
-            <a:endParaRPr b="0" lang="en-IE" sz="2800" spc="-1" strike="noStrike">
-              <a:latin typeface="Arial"/>
-            </a:endParaRPr>
-          </a:p>
-        </p:txBody>
-      </p:sp>
-      <p:sp>
-        <p:nvSpPr>
-          <p:cNvPr id="119" name="TextShape 5"/>
-          <p:cNvSpPr txBox="1"/>
+            <a:pPr>
+              <a:lnSpc>
+                <a:spcPct val="100000"/>
+              </a:lnSpc>
+            </a:pPr>
+            <a:r>
+              <a:rPr b="0" i="1" lang="en-IE" sz="1800" spc="-1" strike="noStrike">
+                <a:solidFill>
+                  <a:srgbClr val="000000"/>
+                </a:solidFill>
+                <a:latin typeface="Arial"/>
+                <a:ea typeface="DejaVu Sans"/>
+              </a:rPr>
+              <a:t>Google</a:t>
+            </a:r>
+            <a:r>
+              <a:rPr b="0" lang="en-IE" sz="1800" spc="-1" strike="noStrike">
+                <a:solidFill>
+                  <a:srgbClr val="000000"/>
+                </a:solidFill>
+                <a:latin typeface="Arial"/>
+                <a:ea typeface="DejaVu Sans"/>
+              </a:rPr>
+              <a:t>, </a:t>
+            </a:r>
+            <a:r>
+              <a:rPr b="0" i="1" lang="en-IE" sz="1800" spc="-1" strike="noStrike">
+                <a:solidFill>
+                  <a:srgbClr val="000000"/>
+                </a:solidFill>
+                <a:latin typeface="Arial"/>
+                <a:ea typeface="DejaVu Sans"/>
+              </a:rPr>
+              <a:t>Facebook</a:t>
+            </a:r>
+            <a:r>
+              <a:rPr b="0" lang="en-IE" sz="1800" spc="-1" strike="noStrike">
+                <a:solidFill>
+                  <a:srgbClr val="000000"/>
+                </a:solidFill>
+                <a:latin typeface="Arial"/>
+                <a:ea typeface="DejaVu Sans"/>
+              </a:rPr>
+              <a:t>, </a:t>
+            </a:r>
+            <a:r>
+              <a:rPr b="0" i="1" lang="en-IE" sz="1800" spc="-1" strike="noStrike">
+                <a:solidFill>
+                  <a:srgbClr val="000000"/>
+                </a:solidFill>
+                <a:latin typeface="Arial"/>
+                <a:ea typeface="DejaVu Sans"/>
+              </a:rPr>
+              <a:t>Airbnb</a:t>
+            </a:r>
+            <a:r>
+              <a:rPr b="0" lang="en-IE" sz="1800" spc="-1" strike="noStrike">
+                <a:solidFill>
+                  <a:srgbClr val="000000"/>
+                </a:solidFill>
+                <a:latin typeface="Arial"/>
+                <a:ea typeface="DejaVu Sans"/>
+              </a:rPr>
+              <a:t>....</a:t>
+            </a:r>
+            <a:endParaRPr b="0" lang="en-IE" sz="1800" spc="-1" strike="noStrike">
+              <a:latin typeface="Arial"/>
+            </a:endParaRPr>
+          </a:p>
+        </p:txBody>
+      </p:sp>
+      <p:sp>
+        <p:nvSpPr>
+          <p:cNvPr id="122" name="CustomShape 8"/>
+          <p:cNvSpPr/>
           <p:nvPr/>
         </p:nvSpPr>
         <p:spPr>
           <a:xfrm>
-            <a:off x="504000" y="1764000"/>
-            <a:ext cx="1368000" cy="1260000"/>
+            <a:off x="760680" y="3178800"/>
+            <a:ext cx="3969720" cy="345600"/>
           </a:xfrm>
           <a:prstGeom prst="rect">
             <a:avLst/>
@@ -4474,44 +5569,19 @@
             <a:noFill/>
           </a:ln>
         </p:spPr>
+        <p:style>
+          <a:lnRef idx="0"/>
+          <a:fillRef idx="0"/>
+          <a:effectRef idx="0"/>
+          <a:fontRef idx="minor"/>
+        </p:style>
         <p:txBody>
           <a:bodyPr lIns="90000" rIns="90000" tIns="45000" bIns="45000"/>
           <a:p>
-            <a:r>
-              <a:rPr b="1" lang="en-IE" sz="2800" spc="-1" strike="noStrike">
-                <a:latin typeface="Arial"/>
-              </a:rPr>
-              <a:t>To do</a:t>
-            </a:r>
-            <a:endParaRPr b="0" lang="en-IE" sz="2800" spc="-1" strike="noStrike">
-              <a:latin typeface="Arial"/>
-            </a:endParaRPr>
-          </a:p>
-        </p:txBody>
-      </p:sp>
-      <p:sp>
-        <p:nvSpPr>
-          <p:cNvPr id="120" name="TextShape 6"/>
-          <p:cNvSpPr txBox="1"/>
-          <p:nvPr/>
-        </p:nvSpPr>
-        <p:spPr>
-          <a:xfrm>
-            <a:off x="720000" y="2349720"/>
-            <a:ext cx="5649120" cy="602280"/>
-          </a:xfrm>
-          <a:prstGeom prst="rect">
-            <a:avLst/>
-          </a:prstGeom>
-          <a:noFill/>
-          <a:ln>
-            <a:noFill/>
-          </a:ln>
-        </p:spPr>
-        <p:txBody>
-          <a:bodyPr lIns="90000" rIns="90000" tIns="45000" bIns="45000"/>
-          <a:p>
-            <a:pPr marL="216000" indent="-216000">
+            <a:pPr marL="216000" indent="-215280">
+              <a:lnSpc>
+                <a:spcPct val="100000"/>
+              </a:lnSpc>
               <a:buClr>
                 <a:srgbClr val="000000"/>
               </a:buClr>
@@ -4521,9 +5591,13 @@
             </a:pPr>
             <a:r>
               <a:rPr b="0" lang="en-IE" sz="1800" spc="-1" strike="noStrike">
-                <a:latin typeface="Arial"/>
-              </a:rPr>
-              <a:t>Follow a good JavaScript, PHP, Python style guide</a:t>
+                <a:solidFill>
+                  <a:srgbClr val="000000"/>
+                </a:solidFill>
+                <a:latin typeface="Arial"/>
+                <a:ea typeface="DejaVu Sans"/>
+              </a:rPr>
+              <a:t>Everything should follow linter rules</a:t>
             </a:r>
             <a:endParaRPr b="0" lang="en-IE" sz="1800" spc="-1" strike="noStrike">
               <a:latin typeface="Arial"/>
@@ -4533,14 +5607,14 @@
       </p:sp>
       <p:sp>
         <p:nvSpPr>
-          <p:cNvPr id="121" name="TextShape 7"/>
-          <p:cNvSpPr txBox="1"/>
+          <p:cNvPr id="123" name="CustomShape 9"/>
+          <p:cNvSpPr/>
           <p:nvPr/>
         </p:nvSpPr>
         <p:spPr>
           <a:xfrm>
-            <a:off x="958680" y="2749680"/>
-            <a:ext cx="3087000" cy="346320"/>
+            <a:off x="772200" y="3672000"/>
+            <a:ext cx="7363800" cy="345600"/>
           </a:xfrm>
           <a:prstGeom prst="rect">
             <a:avLst/>
@@ -4550,74 +5624,19 @@
             <a:noFill/>
           </a:ln>
         </p:spPr>
+        <p:style>
+          <a:lnRef idx="0"/>
+          <a:fillRef idx="0"/>
+          <a:effectRef idx="0"/>
+          <a:fontRef idx="minor"/>
+        </p:style>
         <p:txBody>
           <a:bodyPr lIns="90000" rIns="90000" tIns="45000" bIns="45000"/>
           <a:p>
-            <a:r>
-              <a:rPr b="0" i="1" lang="en-IE" sz="1800" spc="-1" strike="noStrike">
-                <a:latin typeface="Arial"/>
-              </a:rPr>
-              <a:t>Google</a:t>
-            </a:r>
-            <a:r>
-              <a:rPr b="0" lang="en-IE" sz="1800" spc="-1" strike="noStrike">
-                <a:latin typeface="Arial"/>
-              </a:rPr>
-              <a:t>, </a:t>
-            </a:r>
-            <a:r>
-              <a:rPr b="0" i="1" lang="en-IE" sz="1800" spc="-1" strike="noStrike">
-                <a:latin typeface="Arial"/>
-              </a:rPr>
-              <a:t>Facebook</a:t>
-            </a:r>
-            <a:r>
-              <a:rPr b="0" lang="en-IE" sz="1800" spc="-1" strike="noStrike">
-                <a:latin typeface="Arial"/>
-              </a:rPr>
-              <a:t>, </a:t>
-            </a:r>
-            <a:r>
-              <a:rPr b="0" i="1" lang="en-IE" sz="1800" spc="-1" strike="noStrike">
-                <a:latin typeface="Arial"/>
-              </a:rPr>
-              <a:t>Airbnb</a:t>
-            </a:r>
-            <a:r>
-              <a:rPr b="0" lang="en-IE" sz="1800" spc="-1" strike="noStrike">
-                <a:latin typeface="Arial"/>
-              </a:rPr>
-              <a:t>....</a:t>
-            </a:r>
-            <a:endParaRPr b="0" lang="en-IE" sz="1800" spc="-1" strike="noStrike">
-              <a:latin typeface="Arial"/>
-            </a:endParaRPr>
-          </a:p>
-        </p:txBody>
-      </p:sp>
-      <p:sp>
-        <p:nvSpPr>
-          <p:cNvPr id="122" name="TextShape 8"/>
-          <p:cNvSpPr txBox="1"/>
-          <p:nvPr/>
-        </p:nvSpPr>
-        <p:spPr>
-          <a:xfrm>
-            <a:off x="760680" y="3178800"/>
-            <a:ext cx="3970440" cy="346320"/>
-          </a:xfrm>
-          <a:prstGeom prst="rect">
-            <a:avLst/>
-          </a:prstGeom>
-          <a:noFill/>
-          <a:ln>
-            <a:noFill/>
-          </a:ln>
-        </p:spPr>
-        <p:txBody>
-          <a:bodyPr lIns="90000" rIns="90000" tIns="45000" bIns="45000"/>
-          <a:p>
-            <a:pPr marL="216000" indent="-216000">
+            <a:pPr marL="216000" indent="-215280">
+              <a:lnSpc>
+                <a:spcPct val="100000"/>
+              </a:lnSpc>
               <a:buClr>
                 <a:srgbClr val="000000"/>
               </a:buClr>
@@ -4627,9 +5646,23 @@
             </a:pPr>
             <a:r>
               <a:rPr b="0" lang="en-IE" sz="1800" spc="-1" strike="noStrike">
-                <a:latin typeface="Arial"/>
-              </a:rPr>
-              <a:t>Everything should follow linter rules</a:t>
+                <a:solidFill>
+                  <a:srgbClr val="000000"/>
+                </a:solidFill>
+                <a:latin typeface="Arial"/>
+                <a:ea typeface="DejaVu Sans"/>
+              </a:rPr>
+              <a:t>Take a while configuring linter rules, will be the rules of the </a:t>
+            </a:r>
+            <a:r>
+              <a:rPr b="1" lang="en-IE" sz="1800" spc="-1" strike="noStrike">
+                <a:solidFill>
+                  <a:srgbClr val="000000"/>
+                </a:solidFill>
+                <a:latin typeface="Arial"/>
+                <a:ea typeface="DejaVu Sans"/>
+              </a:rPr>
+              <a:t>TEAM</a:t>
             </a:r>
             <a:endParaRPr b="0" lang="en-IE" sz="1800" spc="-1" strike="noStrike">
               <a:latin typeface="Arial"/>
@@ -4639,14 +5672,14 @@
       </p:sp>
       <p:sp>
         <p:nvSpPr>
-          <p:cNvPr id="123" name="TextShape 9"/>
-          <p:cNvSpPr txBox="1"/>
+          <p:cNvPr id="124" name="CustomShape 10"/>
+          <p:cNvSpPr/>
           <p:nvPr/>
         </p:nvSpPr>
         <p:spPr>
           <a:xfrm>
-            <a:off x="772200" y="3672000"/>
-            <a:ext cx="6974280" cy="346320"/>
+            <a:off x="830160" y="5976000"/>
+            <a:ext cx="7487280" cy="601560"/>
           </a:xfrm>
           <a:prstGeom prst="rect">
             <a:avLst/>
@@ -4656,10 +5689,19 @@
             <a:noFill/>
           </a:ln>
         </p:spPr>
+        <p:style>
+          <a:lnRef idx="0"/>
+          <a:fillRef idx="0"/>
+          <a:effectRef idx="0"/>
+          <a:fontRef idx="minor"/>
+        </p:style>
         <p:txBody>
           <a:bodyPr lIns="90000" rIns="90000" tIns="45000" bIns="45000"/>
           <a:p>
-            <a:pPr marL="216000" indent="-216000">
+            <a:pPr marL="216000" indent="-215280">
+              <a:lnSpc>
+                <a:spcPct val="100000"/>
+              </a:lnSpc>
               <a:buClr>
                 <a:srgbClr val="000000"/>
               </a:buClr>
@@ -4669,61 +5711,31 @@
             </a:pPr>
             <a:r>
               <a:rPr b="0" lang="en-IE" sz="1800" spc="-1" strike="noStrike">
-                <a:latin typeface="Arial"/>
-              </a:rPr>
-              <a:t>Take a while configuring linter rules, will be the rules of the TEAM</a:t>
-            </a:r>
-            <a:endParaRPr b="0" lang="en-IE" sz="1800" spc="-1" strike="noStrike">
-              <a:latin typeface="Arial"/>
-            </a:endParaRPr>
-          </a:p>
-        </p:txBody>
-      </p:sp>
-      <p:sp>
-        <p:nvSpPr>
-          <p:cNvPr id="124" name="TextShape 10"/>
-          <p:cNvSpPr txBox="1"/>
-          <p:nvPr/>
-        </p:nvSpPr>
-        <p:spPr>
-          <a:xfrm>
-            <a:off x="830160" y="5976000"/>
-            <a:ext cx="7488000" cy="602280"/>
-          </a:xfrm>
-          <a:prstGeom prst="rect">
-            <a:avLst/>
-          </a:prstGeom>
-          <a:noFill/>
-          <a:ln>
-            <a:noFill/>
-          </a:ln>
-        </p:spPr>
-        <p:txBody>
-          <a:bodyPr lIns="90000" rIns="90000" tIns="45000" bIns="45000"/>
-          <a:p>
-            <a:pPr marL="216000" indent="-216000">
-              <a:buClr>
-                <a:srgbClr val="000000"/>
-              </a:buClr>
-              <a:buSzPct val="45000"/>
-              <a:buFont typeface="Wingdings" charset="2"/>
-              <a:buChar char=""/>
-            </a:pPr>
+                <a:solidFill>
+                  <a:srgbClr val="000000"/>
+                </a:solidFill>
+                <a:latin typeface="Arial"/>
+                <a:ea typeface="DejaVu Sans"/>
+              </a:rPr>
+              <a:t>Think that the linter eliminates </a:t>
+            </a:r>
+            <a:r>
+              <a:rPr b="1" lang="en-IE" sz="1800" spc="-1" strike="noStrike">
+                <a:solidFill>
+                  <a:srgbClr val="000000"/>
+                </a:solidFill>
+                <a:latin typeface="Arial"/>
+                <a:ea typeface="DejaVu Sans"/>
+              </a:rPr>
+              <a:t>all the errors</a:t>
+            </a:r>
             <a:r>
               <a:rPr b="0" lang="en-IE" sz="1800" spc="-1" strike="noStrike">
-                <a:latin typeface="Arial"/>
-              </a:rPr>
-              <a:t>Think that the inter eliminates </a:t>
-            </a:r>
-            <a:r>
-              <a:rPr b="1" lang="en-IE" sz="1800" spc="-1" strike="noStrike">
-                <a:latin typeface="Arial"/>
-              </a:rPr>
-              <a:t>all the errors</a:t>
-            </a:r>
-            <a:r>
-              <a:rPr b="0" lang="en-IE" sz="1800" spc="-1" strike="noStrike">
-                <a:latin typeface="Arial"/>
+                <a:solidFill>
+                  <a:srgbClr val="000000"/>
+                </a:solidFill>
+                <a:latin typeface="Arial"/>
+                <a:ea typeface="DejaVu Sans"/>
               </a:rPr>
               <a:t> of your code</a:t>
             </a:r>
@@ -4738,10 +5750,10 @@
   <p:timing>
     <p:tnLst>
       <p:par>
-        <p:cTn id="109" dur="indefinite" restart="never" nodeType="tmRoot">
+        <p:cTn id="176" dur="indefinite" restart="never" nodeType="tmRoot">
           <p:childTnLst>
             <p:seq>
-              <p:cTn id="110" dur="indefinite" nodeType="mainSeq"/>
+              <p:cTn id="177" dur="indefinite" nodeType="mainSeq"/>
               <p:prevCondLst>
                 <p:cond delay="0" evt="onPrev">
                   <p:tgtEl>
@@ -4790,8 +5802,8 @@
         </p:nvSpPr>
         <p:spPr>
           <a:xfrm>
-            <a:off x="465840" y="-72000"/>
-            <a:ext cx="7886160" cy="1324800"/>
+            <a:off x="610560" y="115920"/>
+            <a:ext cx="7885440" cy="1324080"/>
           </a:xfrm>
           <a:prstGeom prst="rect">
             <a:avLst/>
@@ -4806,27 +5818,84 @@
           <a:p>
             <a:pPr algn="ctr"/>
             <a:r>
-              <a:rPr b="0" lang="en-IE" sz="2800" spc="-1" strike="noStrike">
-                <a:latin typeface="Arial"/>
-              </a:rPr>
-              <a:t>Code quality</a:t>
-            </a:r>
-            <a:endParaRPr b="0" lang="en-IE" sz="2800" spc="-1" strike="noStrike">
-              <a:latin typeface="Arial"/>
-            </a:endParaRPr>
-          </a:p>
-        </p:txBody>
-      </p:sp>
-      <p:sp>
-        <p:nvSpPr>
-          <p:cNvPr id="126" name="TextShape 2"/>
+              <a:rPr b="0" lang="en-IE" sz="3200" spc="-1" strike="noStrike">
+                <a:solidFill>
+                  <a:srgbClr val="000000"/>
+                </a:solidFill>
+                <a:latin typeface="Arial"/>
+                <a:ea typeface="DejaVu Sans"/>
+              </a:rPr>
+              <a:t>Popular </a:t>
+            </a:r>
+            <a:r>
+              <a:rPr b="0" lang="en-IE" sz="3200" spc="-1" strike="noStrike">
+                <a:solidFill>
+                  <a:srgbClr val="000000"/>
+                </a:solidFill>
+                <a:latin typeface="Arial"/>
+                <a:ea typeface="DejaVu Sans"/>
+              </a:rPr>
+              <a:t>code </a:t>
+            </a:r>
+            <a:r>
+              <a:rPr b="0" lang="en-IE" sz="3200" spc="-1" strike="noStrike">
+                <a:solidFill>
+                  <a:srgbClr val="000000"/>
+                </a:solidFill>
+                <a:latin typeface="Arial"/>
+                <a:ea typeface="DejaVu Sans"/>
+              </a:rPr>
+              <a:t>style </a:t>
+            </a:r>
+            <a:r>
+              <a:rPr b="0" lang="en-IE" sz="3200" spc="-1" strike="noStrike">
+                <a:solidFill>
+                  <a:srgbClr val="000000"/>
+                </a:solidFill>
+                <a:latin typeface="Arial"/>
+                <a:ea typeface="DejaVu Sans"/>
+              </a:rPr>
+              <a:t>guides</a:t>
+            </a:r>
+            <a:endParaRPr b="0" lang="en-IE" sz="3200" spc="-1" strike="noStrike">
+              <a:latin typeface="Arial"/>
+            </a:endParaRPr>
+          </a:p>
+        </p:txBody>
+      </p:sp>
+      <p:pic>
+        <p:nvPicPr>
+          <p:cNvPr id="126" name="" descr=""/>
+          <p:cNvPicPr/>
+          <p:nvPr/>
+        </p:nvPicPr>
+        <p:blipFill>
+          <a:blip r:embed="rId1"/>
+          <a:stretch/>
+        </p:blipFill>
+        <p:spPr>
+          <a:xfrm>
+            <a:off x="1224000" y="1728000"/>
+            <a:ext cx="1337760" cy="704160"/>
+          </a:xfrm>
+          <a:prstGeom prst="rect">
+            <a:avLst/>
+          </a:prstGeom>
+          <a:ln>
+            <a:noFill/>
+          </a:ln>
+        </p:spPr>
+      </p:pic>
+      <p:sp>
+        <p:nvSpPr>
+          <p:cNvPr id="127" name="TextShape 2"/>
           <p:cNvSpPr txBox="1"/>
           <p:nvPr/>
         </p:nvSpPr>
         <p:spPr>
           <a:xfrm>
-            <a:off x="792000" y="2448000"/>
-            <a:ext cx="3519360" cy="2228760"/>
+            <a:off x="3101400" y="1875960"/>
+            <a:ext cx="852840" cy="346320"/>
           </a:xfrm>
           <a:prstGeom prst="rect">
             <a:avLst/>
@@ -4839,7 +5908,290 @@
         <p:txBody>
           <a:bodyPr lIns="90000" rIns="90000" tIns="45000" bIns="45000"/>
           <a:p>
-            <a:pPr marL="216000" indent="-216000">
+            <a:r>
+              <a:rPr b="0" lang="en-IE" sz="1800" spc="-1" strike="noStrike">
+                <a:latin typeface="Arial"/>
+                <a:hlinkClick r:id="rId2"/>
+              </a:rPr>
+              <a:t>PSR-2</a:t>
+            </a:r>
+            <a:endParaRPr b="0" lang="en-IE" sz="1800" spc="-1" strike="noStrike">
+              <a:latin typeface="Arial"/>
+            </a:endParaRPr>
+          </a:p>
+        </p:txBody>
+      </p:sp>
+      <p:pic>
+        <p:nvPicPr>
+          <p:cNvPr id="128" name="" descr=""/>
+          <p:cNvPicPr/>
+          <p:nvPr/>
+        </p:nvPicPr>
+        <p:blipFill>
+          <a:blip r:embed="rId3"/>
+          <a:stretch/>
+        </p:blipFill>
+        <p:spPr>
+          <a:xfrm>
+            <a:off x="936000" y="2520000"/>
+            <a:ext cx="1872000" cy="1872000"/>
+          </a:xfrm>
+          <a:prstGeom prst="rect">
+            <a:avLst/>
+          </a:prstGeom>
+          <a:ln>
+            <a:noFill/>
+          </a:ln>
+        </p:spPr>
+      </p:pic>
+      <p:sp>
+        <p:nvSpPr>
+          <p:cNvPr id="129" name="TextShape 3"/>
+          <p:cNvSpPr txBox="1"/>
+          <p:nvPr/>
+        </p:nvSpPr>
+        <p:spPr>
+          <a:xfrm>
+            <a:off x="3146400" y="3397680"/>
+            <a:ext cx="1893600" cy="346320"/>
+          </a:xfrm>
+          <a:prstGeom prst="rect">
+            <a:avLst/>
+          </a:prstGeom>
+          <a:noFill/>
+          <a:ln>
+            <a:noFill/>
+          </a:ln>
+        </p:spPr>
+        <p:txBody>
+          <a:bodyPr lIns="90000" rIns="90000" tIns="45000" bIns="45000"/>
+          <a:p>
+            <a:r>
+              <a:rPr b="0" lang="en-IE" sz="1800" spc="-1" strike="noStrike">
+                <a:latin typeface="Arial"/>
+                <a:hlinkClick r:id="rId4"/>
+              </a:rPr>
+              <a:t>Airbnb</a:t>
+            </a:r>
+            <a:r>
+              <a:rPr b="0" lang="en-IE" sz="1800" spc="-1" strike="noStrike">
+                <a:latin typeface="Arial"/>
+              </a:rPr>
+              <a:t>, </a:t>
+            </a:r>
+            <a:r>
+              <a:rPr b="0" lang="en-IE" sz="1800" spc="-1" strike="noStrike">
+                <a:latin typeface="Arial"/>
+                <a:hlinkClick r:id="rId5"/>
+              </a:rPr>
+              <a:t>Google</a:t>
+            </a:r>
+            <a:r>
+              <a:rPr b="0" lang="en-IE" sz="1800" spc="-1" strike="noStrike">
+                <a:latin typeface="Arial"/>
+              </a:rPr>
+              <a:t>...</a:t>
+            </a:r>
+            <a:endParaRPr b="0" lang="en-IE" sz="1800" spc="-1" strike="noStrike">
+              <a:latin typeface="Arial"/>
+            </a:endParaRPr>
+          </a:p>
+        </p:txBody>
+      </p:sp>
+      <p:pic>
+        <p:nvPicPr>
+          <p:cNvPr id="130" name="" descr=""/>
+          <p:cNvPicPr/>
+          <p:nvPr/>
+        </p:nvPicPr>
+        <p:blipFill>
+          <a:blip r:embed="rId6"/>
+          <a:stretch/>
+        </p:blipFill>
+        <p:spPr>
+          <a:xfrm>
+            <a:off x="1368000" y="4528080"/>
+            <a:ext cx="943920" cy="943920"/>
+          </a:xfrm>
+          <a:prstGeom prst="rect">
+            <a:avLst/>
+          </a:prstGeom>
+          <a:ln>
+            <a:noFill/>
+          </a:ln>
+        </p:spPr>
+      </p:pic>
+      <p:sp>
+        <p:nvSpPr>
+          <p:cNvPr id="131" name="TextShape 4"/>
+          <p:cNvSpPr txBox="1"/>
+          <p:nvPr/>
+        </p:nvSpPr>
+        <p:spPr>
+          <a:xfrm>
+            <a:off x="3168000" y="4968000"/>
+            <a:ext cx="1347840" cy="346320"/>
+          </a:xfrm>
+          <a:prstGeom prst="rect">
+            <a:avLst/>
+          </a:prstGeom>
+          <a:noFill/>
+          <a:ln>
+            <a:noFill/>
+          </a:ln>
+        </p:spPr>
+        <p:txBody>
+          <a:bodyPr lIns="90000" rIns="90000" tIns="45000" bIns="45000"/>
+          <a:p>
+            <a:r>
+              <a:rPr b="0" lang="en-IE" sz="1800" spc="-1" strike="noStrike">
+                <a:latin typeface="Arial"/>
+                <a:hlinkClick r:id="rId7"/>
+              </a:rPr>
+              <a:t>Google</a:t>
+            </a:r>
+            <a:r>
+              <a:rPr b="0" lang="en-IE" sz="1800" spc="-1" strike="noStrike">
+                <a:latin typeface="Arial"/>
+              </a:rPr>
+              <a:t>, etc</a:t>
+            </a:r>
+            <a:endParaRPr b="0" lang="en-IE" sz="1800" spc="-1" strike="noStrike">
+              <a:latin typeface="Arial"/>
+            </a:endParaRPr>
+          </a:p>
+        </p:txBody>
+      </p:sp>
+    </p:spTree>
+  </p:cSld>
+  <p:timing>
+    <p:tnLst>
+      <p:par>
+        <p:cTn id="178" dur="indefinite" restart="never" nodeType="tmRoot">
+          <p:childTnLst>
+            <p:seq>
+              <p:cTn id="179" dur="indefinite" nodeType="mainSeq"/>
+              <p:prevCondLst>
+                <p:cond delay="0" evt="onPrev">
+                  <p:tgtEl>
+                    <p:sldTgt/>
+                  </p:tgtEl>
+                </p:cond>
+              </p:prevCondLst>
+              <p:nextCondLst>
+                <p:cond delay="0" evt="onNext">
+                  <p:tgtEl>
+                    <p:sldTgt/>
+                  </p:tgtEl>
+                </p:cond>
+              </p:nextCondLst>
+            </p:seq>
+          </p:childTnLst>
+        </p:cTn>
+      </p:par>
+    </p:tnLst>
+  </p:timing>
+</p:sld>
+</file>
+
+<file path=ppt/slides/slide17.xml><?xml version="1.0" encoding="utf-8"?>
+<p:sld xmlns:a="http://schemas.openxmlformats.org/drawingml/2006/main" xmlns:p="http://schemas.openxmlformats.org/presentationml/2006/main" xmlns:r="http://schemas.openxmlformats.org/officeDocument/2006/relationships" xmlns:p14="http://schemas.microsoft.com/office/powerpoint/2010/main" xmlns:p15="http://schemas.microsoft.com/office/powerpoint/2012/main" xmlns:mc="http://schemas.openxmlformats.org/markup-compatibility/2006">
+  <p:cSld>
+    <p:spTree>
+      <p:nvGrpSpPr>
+        <p:cNvPr id="1" name=""/>
+        <p:cNvGrpSpPr/>
+        <p:nvPr/>
+      </p:nvGrpSpPr>
+      <p:grpSpPr>
+        <a:xfrm>
+          <a:off x="0" y="0"/>
+          <a:ext cx="0" cy="0"/>
+          <a:chOff x="0" y="0"/>
+          <a:chExt cx="0" cy="0"/>
+        </a:xfrm>
+      </p:grpSpPr>
+      <p:sp>
+        <p:nvSpPr>
+          <p:cNvPr id="132" name="CustomShape 1"/>
+          <p:cNvSpPr/>
+          <p:nvPr/>
+        </p:nvSpPr>
+        <p:spPr>
+          <a:xfrm>
+            <a:off x="465840" y="-72000"/>
+            <a:ext cx="7885440" cy="1324080"/>
+          </a:xfrm>
+          <a:prstGeom prst="rect">
+            <a:avLst/>
+          </a:prstGeom>
+          <a:noFill/>
+          <a:ln>
+            <a:noFill/>
+          </a:ln>
+        </p:spPr>
+        <p:style>
+          <a:lnRef idx="0"/>
+          <a:fillRef idx="0"/>
+          <a:effectRef idx="0"/>
+          <a:fontRef idx="minor"/>
+        </p:style>
+        <p:txBody>
+          <a:bodyPr lIns="0" rIns="0" tIns="0" bIns="0" anchor="ctr"/>
+          <a:p>
+            <a:pPr algn="ctr">
+              <a:lnSpc>
+                <a:spcPct val="100000"/>
+              </a:lnSpc>
+            </a:pPr>
+            <a:r>
+              <a:rPr b="0" lang="en-IE" sz="2800" spc="-1" strike="noStrike">
+                <a:solidFill>
+                  <a:srgbClr val="000000"/>
+                </a:solidFill>
+                <a:latin typeface="Arial"/>
+                <a:ea typeface="DejaVu Sans"/>
+              </a:rPr>
+              <a:t>Code quality</a:t>
+            </a:r>
+            <a:endParaRPr b="0" lang="en-IE" sz="2800" spc="-1" strike="noStrike">
+              <a:latin typeface="Arial"/>
+            </a:endParaRPr>
+          </a:p>
+        </p:txBody>
+      </p:sp>
+      <p:sp>
+        <p:nvSpPr>
+          <p:cNvPr id="133" name="CustomShape 2"/>
+          <p:cNvSpPr/>
+          <p:nvPr/>
+        </p:nvSpPr>
+        <p:spPr>
+          <a:xfrm>
+            <a:off x="792000" y="2448000"/>
+            <a:ext cx="3518640" cy="2228040"/>
+          </a:xfrm>
+          <a:prstGeom prst="rect">
+            <a:avLst/>
+          </a:prstGeom>
+          <a:noFill/>
+          <a:ln>
+            <a:noFill/>
+          </a:ln>
+        </p:spPr>
+        <p:style>
+          <a:lnRef idx="0"/>
+          <a:fillRef idx="0"/>
+          <a:effectRef idx="0"/>
+          <a:fontRef idx="minor"/>
+        </p:style>
+        <p:txBody>
+          <a:bodyPr lIns="90000" rIns="90000" tIns="45000" bIns="45000"/>
+          <a:p>
+            <a:pPr marL="216000" indent="-215280">
+              <a:lnSpc>
+                <a:spcPct val="100000"/>
+              </a:lnSpc>
               <a:spcBef>
                 <a:spcPts val="1134"/>
               </a:spcBef>
@@ -4851,8 +6203,14 @@
               <a:buChar char=""/>
             </a:pPr>
             <a:r>
-              <a:rPr b="0" lang="en-IE" sz="2200" spc="-1" strike="noStrike">
-                <a:latin typeface="Arial"/>
+              <a:rPr b="0" lang="en-IE" sz="2200" spc="-1" strike="noStrike" u="sng">
+                <a:solidFill>
+                  <a:srgbClr val="0563c1"/>
+                </a:solidFill>
+                <a:uFillTx/>
+                <a:latin typeface="Arial"/>
+                <a:ea typeface="DejaVu Sans"/>
+                <a:hlinkClick r:id="rId1"/>
               </a:rPr>
               <a:t>Clean Code</a:t>
             </a:r>
@@ -4861,7 +6219,10 @@
             </a:endParaRPr>
           </a:p>
           <a:p>
-            <a:pPr marL="216000" indent="-216000">
+            <a:pPr marL="216000" indent="-215280">
+              <a:lnSpc>
+                <a:spcPct val="100000"/>
+              </a:lnSpc>
               <a:spcBef>
                 <a:spcPts val="1134"/>
               </a:spcBef>
@@ -4873,8 +6234,14 @@
               <a:buChar char=""/>
             </a:pPr>
             <a:r>
-              <a:rPr b="0" lang="en-IE" sz="2200" spc="-1" strike="noStrike">
-                <a:latin typeface="Arial"/>
+              <a:rPr b="0" lang="en-IE" sz="2200" spc="-1" strike="noStrike" u="sng">
+                <a:solidFill>
+                  <a:srgbClr val="0563c1"/>
+                </a:solidFill>
+                <a:uFillTx/>
+                <a:latin typeface="Arial"/>
+                <a:ea typeface="DejaVu Sans"/>
+                <a:hlinkClick r:id="rId2"/>
               </a:rPr>
               <a:t>Test Driven Development</a:t>
             </a:r>
@@ -4883,7 +6250,10 @@
             </a:endParaRPr>
           </a:p>
           <a:p>
-            <a:pPr marL="216000" indent="-216000">
+            <a:pPr marL="216000" indent="-215280">
+              <a:lnSpc>
+                <a:spcPct val="100000"/>
+              </a:lnSpc>
               <a:spcBef>
                 <a:spcPts val="1134"/>
               </a:spcBef>
@@ -4895,8 +6265,14 @@
               <a:buChar char=""/>
             </a:pPr>
             <a:r>
-              <a:rPr b="0" lang="en-IE" sz="2200" spc="-1" strike="noStrike">
-                <a:latin typeface="Arial"/>
+              <a:rPr b="0" lang="en-IE" sz="2200" spc="-1" strike="noStrike" u="sng">
+                <a:solidFill>
+                  <a:srgbClr val="0563c1"/>
+                </a:solidFill>
+                <a:uFillTx/>
+                <a:latin typeface="Arial"/>
+                <a:ea typeface="DejaVu Sans"/>
+                <a:hlinkClick r:id="rId3"/>
               </a:rPr>
               <a:t>Solid Principles</a:t>
             </a:r>
@@ -4905,7 +6281,10 @@
             </a:endParaRPr>
           </a:p>
           <a:p>
-            <a:pPr marL="216000" indent="-216000">
+            <a:pPr marL="216000" indent="-215280">
+              <a:lnSpc>
+                <a:spcPct val="100000"/>
+              </a:lnSpc>
               <a:spcBef>
                 <a:spcPts val="1134"/>
               </a:spcBef>
@@ -4917,8 +6296,14 @@
               <a:buChar char=""/>
             </a:pPr>
             <a:r>
-              <a:rPr b="0" lang="en-IE" sz="2200" spc="-1" strike="noStrike">
-                <a:latin typeface="Arial"/>
+              <a:rPr b="0" lang="en-IE" sz="2200" spc="-1" strike="noStrike" u="sng">
+                <a:solidFill>
+                  <a:srgbClr val="0563c1"/>
+                </a:solidFill>
+                <a:uFillTx/>
+                <a:latin typeface="Arial"/>
+                <a:ea typeface="DejaVu Sans"/>
+                <a:hlinkClick r:id="rId4"/>
               </a:rPr>
               <a:t>Design Patterns</a:t>
             </a:r>
@@ -4927,7 +6312,10 @@
             </a:endParaRPr>
           </a:p>
           <a:p>
-            <a:pPr marL="216000" indent="-216000">
+            <a:pPr marL="216000" indent="-215280">
+              <a:lnSpc>
+                <a:spcPct val="100000"/>
+              </a:lnSpc>
               <a:spcBef>
                 <a:spcPts val="1134"/>
               </a:spcBef>
@@ -4940,7 +6328,11 @@
             </a:pPr>
             <a:r>
               <a:rPr b="0" lang="en-IE" sz="2200" spc="-1" strike="noStrike">
-                <a:latin typeface="Arial"/>
+                <a:solidFill>
+                  <a:srgbClr val="000000"/>
+                </a:solidFill>
+                <a:latin typeface="Arial"/>
+                <a:ea typeface="DejaVu Sans"/>
               </a:rPr>
               <a:t>Keep reading, studying...</a:t>
             </a:r>
@@ -4952,14 +6344,14 @@
       </p:sp>
       <p:sp>
         <p:nvSpPr>
-          <p:cNvPr id="127" name="TextShape 3"/>
-          <p:cNvSpPr txBox="1"/>
+          <p:cNvPr id="134" name="CustomShape 3"/>
+          <p:cNvSpPr/>
           <p:nvPr/>
         </p:nvSpPr>
         <p:spPr>
           <a:xfrm>
             <a:off x="3070080" y="1152000"/>
-            <a:ext cx="2545920" cy="346320"/>
+            <a:ext cx="2545200" cy="345600"/>
           </a:xfrm>
           <a:prstGeom prst="rect">
             <a:avLst/>
@@ -4969,12 +6361,27 @@
             <a:noFill/>
           </a:ln>
         </p:spPr>
+        <p:style>
+          <a:lnRef idx="0"/>
+          <a:fillRef idx="0"/>
+          <a:effectRef idx="0"/>
+          <a:fontRef idx="minor"/>
+        </p:style>
         <p:txBody>
           <a:bodyPr lIns="90000" rIns="90000" tIns="45000" bIns="45000"/>
           <a:p>
+            <a:pPr>
+              <a:lnSpc>
+                <a:spcPct val="100000"/>
+              </a:lnSpc>
+            </a:pPr>
             <a:r>
               <a:rPr b="0" lang="en-IE" sz="1800" spc="-1" strike="noStrike">
-                <a:latin typeface="Arial"/>
+                <a:solidFill>
+                  <a:srgbClr val="000000"/>
+                </a:solidFill>
+                <a:latin typeface="Arial"/>
+                <a:ea typeface="DejaVu Sans"/>
               </a:rPr>
               <a:t>There isn't another way</a:t>
             </a:r>
@@ -4986,14 +6393,14 @@
       </p:sp>
       <p:sp>
         <p:nvSpPr>
-          <p:cNvPr id="128" name="TextShape 4"/>
-          <p:cNvSpPr txBox="1"/>
+          <p:cNvPr id="135" name="CustomShape 4"/>
+          <p:cNvSpPr/>
           <p:nvPr/>
         </p:nvSpPr>
         <p:spPr>
           <a:xfrm>
             <a:off x="3358440" y="5760000"/>
-            <a:ext cx="4993560" cy="346680"/>
+            <a:ext cx="4992840" cy="345960"/>
           </a:xfrm>
           <a:prstGeom prst="rect">
             <a:avLst/>
@@ -5003,12 +6410,27 @@
             <a:noFill/>
           </a:ln>
         </p:spPr>
+        <p:style>
+          <a:lnRef idx="0"/>
+          <a:fillRef idx="0"/>
+          <a:effectRef idx="0"/>
+          <a:fontRef idx="minor"/>
+        </p:style>
         <p:txBody>
           <a:bodyPr lIns="90000" rIns="90000" tIns="45000" bIns="45000"/>
           <a:p>
+            <a:pPr>
+              <a:lnSpc>
+                <a:spcPct val="100000"/>
+              </a:lnSpc>
+            </a:pPr>
             <a:r>
               <a:rPr b="0" lang="en-IE" sz="1800" spc="-1" strike="noStrike">
-                <a:latin typeface="Arial"/>
+                <a:solidFill>
+                  <a:srgbClr val="000000"/>
+                </a:solidFill>
+                <a:latin typeface="Arial"/>
+                <a:ea typeface="DejaVu Sans"/>
               </a:rPr>
               <a:t>...we are Software Engineers most of the time...</a:t>
             </a:r>
@@ -5023,38 +6445,38 @@
   <p:timing>
     <p:tnLst>
       <p:par>
-        <p:cTn id="111" dur="indefinite" restart="never" nodeType="tmRoot">
+        <p:cTn id="180" dur="indefinite" restart="never" nodeType="tmRoot">
           <p:childTnLst>
             <p:seq>
-              <p:cTn id="112" dur="indefinite" nodeType="mainSeq">
+              <p:cTn id="181" dur="indefinite" nodeType="mainSeq">
                 <p:childTnLst>
                   <p:par>
-                    <p:cTn id="113" fill="hold">
+                    <p:cTn id="182" fill="hold">
                       <p:stCondLst>
                         <p:cond delay="indefinite"/>
                       </p:stCondLst>
                       <p:childTnLst>
                         <p:par>
-                          <p:cTn id="114" fill="hold">
+                          <p:cTn id="183" fill="hold">
                             <p:stCondLst>
                               <p:cond delay="0"/>
                             </p:stCondLst>
                             <p:childTnLst>
                               <p:par>
-                                <p:cTn id="115" nodeType="clickEffect" fill="hold" presetClass="entr" presetID="1">
+                                <p:cTn id="184" nodeType="clickEffect" fill="hold" presetClass="entr" presetID="1">
                                   <p:stCondLst>
                                     <p:cond delay="0"/>
                                   </p:stCondLst>
                                   <p:childTnLst>
                                     <p:set>
                                       <p:cBhvr>
-                                        <p:cTn id="116" dur="1" fill="hold">
+                                        <p:cTn id="185" dur="1" fill="hold">
                                           <p:stCondLst>
                                             <p:cond delay="0"/>
                                           </p:stCondLst>
                                         </p:cTn>
                                         <p:tgtEl>
-                                          <p:spTgt spid="126">
+                                          <p:spTgt spid="133">
                                             <p:txEl>
                                               <p:pRg st="0" end="0"/>
                                             </p:txEl>
@@ -5078,32 +6500,32 @@
                     </p:cTn>
                   </p:par>
                   <p:par>
-                    <p:cTn id="117" fill="hold">
+                    <p:cTn id="186" fill="hold">
                       <p:stCondLst>
                         <p:cond delay="indefinite"/>
                       </p:stCondLst>
                       <p:childTnLst>
                         <p:par>
-                          <p:cTn id="118" fill="hold">
+                          <p:cTn id="187" fill="hold">
                             <p:stCondLst>
                               <p:cond delay="0"/>
                             </p:stCondLst>
                             <p:childTnLst>
                               <p:par>
-                                <p:cTn id="119" nodeType="clickEffect" fill="hold" presetClass="entr" presetID="1">
+                                <p:cTn id="188" nodeType="clickEffect" fill="hold" presetClass="entr" presetID="1">
                                   <p:stCondLst>
                                     <p:cond delay="0"/>
                                   </p:stCondLst>
                                   <p:childTnLst>
                                     <p:set>
                                       <p:cBhvr>
-                                        <p:cTn id="120" dur="1" fill="hold">
+                                        <p:cTn id="189" dur="1" fill="hold">
                                           <p:stCondLst>
                                             <p:cond delay="0"/>
                                           </p:stCondLst>
                                         </p:cTn>
                                         <p:tgtEl>
-                                          <p:spTgt spid="126">
+                                          <p:spTgt spid="133">
                                             <p:txEl>
                                               <p:pRg st="1" end="1"/>
                                             </p:txEl>
@@ -5127,32 +6549,32 @@
                     </p:cTn>
                   </p:par>
                   <p:par>
-                    <p:cTn id="121" fill="hold">
+                    <p:cTn id="190" fill="hold">
                       <p:stCondLst>
                         <p:cond delay="indefinite"/>
                       </p:stCondLst>
                       <p:childTnLst>
                         <p:par>
-                          <p:cTn id="122" fill="hold">
+                          <p:cTn id="191" fill="hold">
                             <p:stCondLst>
                               <p:cond delay="0"/>
                             </p:stCondLst>
                             <p:childTnLst>
                               <p:par>
-                                <p:cTn id="123" nodeType="clickEffect" fill="hold" presetClass="entr" presetID="1">
+                                <p:cTn id="192" nodeType="clickEffect" fill="hold" presetClass="entr" presetID="1">
                                   <p:stCondLst>
                                     <p:cond delay="0"/>
                                   </p:stCondLst>
                                   <p:childTnLst>
                                     <p:set>
                                       <p:cBhvr>
-                                        <p:cTn id="124" dur="1" fill="hold">
+                                        <p:cTn id="193" dur="1" fill="hold">
                                           <p:stCondLst>
                                             <p:cond delay="0"/>
                                           </p:stCondLst>
                                         </p:cTn>
                                         <p:tgtEl>
-                                          <p:spTgt spid="126">
+                                          <p:spTgt spid="133">
                                             <p:txEl>
                                               <p:pRg st="2" end="2"/>
                                             </p:txEl>
@@ -5176,32 +6598,32 @@
                     </p:cTn>
                   </p:par>
                   <p:par>
-                    <p:cTn id="125" fill="hold">
+                    <p:cTn id="194" fill="hold">
                       <p:stCondLst>
                         <p:cond delay="indefinite"/>
                       </p:stCondLst>
                       <p:childTnLst>
                         <p:par>
-                          <p:cTn id="126" fill="hold">
+                          <p:cTn id="195" fill="hold">
                             <p:stCondLst>
                               <p:cond delay="0"/>
                             </p:stCondLst>
                             <p:childTnLst>
                               <p:par>
-                                <p:cTn id="127" nodeType="clickEffect" fill="hold" presetClass="entr" presetID="1">
+                                <p:cTn id="196" nodeType="clickEffect" fill="hold" presetClass="entr" presetID="1">
                                   <p:stCondLst>
                                     <p:cond delay="0"/>
                                   </p:stCondLst>
                                   <p:childTnLst>
                                     <p:set>
                                       <p:cBhvr>
-                                        <p:cTn id="128" dur="1" fill="hold">
+                                        <p:cTn id="197" dur="1" fill="hold">
                                           <p:stCondLst>
                                             <p:cond delay="0"/>
                                           </p:stCondLst>
                                         </p:cTn>
                                         <p:tgtEl>
-                                          <p:spTgt spid="126">
+                                          <p:spTgt spid="133">
                                             <p:txEl>
                                               <p:pRg st="3" end="3"/>
                                             </p:txEl>
@@ -5249,200 +6671,6 @@
 </p:sld>
 </file>
 
-<file path=ppt/slides/slide17.xml><?xml version="1.0" encoding="utf-8"?>
-<p:sld xmlns:a="http://schemas.openxmlformats.org/drawingml/2006/main" xmlns:p="http://schemas.openxmlformats.org/presentationml/2006/main" xmlns:r="http://schemas.openxmlformats.org/officeDocument/2006/relationships" xmlns:p14="http://schemas.microsoft.com/office/powerpoint/2010/main" xmlns:p15="http://schemas.microsoft.com/office/powerpoint/2012/main" xmlns:mc="http://schemas.openxmlformats.org/markup-compatibility/2006">
-  <p:cSld>
-    <p:spTree>
-      <p:nvGrpSpPr>
-        <p:cNvPr id="1" name=""/>
-        <p:cNvGrpSpPr/>
-        <p:nvPr/>
-      </p:nvGrpSpPr>
-      <p:grpSpPr>
-        <a:xfrm>
-          <a:off x="0" y="0"/>
-          <a:ext cx="0" cy="0"/>
-          <a:chOff x="0" y="0"/>
-          <a:chExt cx="0" cy="0"/>
-        </a:xfrm>
-      </p:grpSpPr>
-      <p:sp>
-        <p:nvSpPr>
-          <p:cNvPr id="129" name="TextShape 1"/>
-          <p:cNvSpPr txBox="1"/>
-          <p:nvPr/>
-        </p:nvSpPr>
-        <p:spPr>
-          <a:xfrm>
-            <a:off x="576000" y="-28800"/>
-            <a:ext cx="7886160" cy="1324800"/>
-          </a:xfrm>
-          <a:prstGeom prst="rect">
-            <a:avLst/>
-          </a:prstGeom>
-          <a:noFill/>
-          <a:ln>
-            <a:noFill/>
-          </a:ln>
-        </p:spPr>
-        <p:txBody>
-          <a:bodyPr lIns="0" rIns="0" tIns="0" bIns="0" anchor="ctr"/>
-          <a:p>
-            <a:pPr algn="ctr"/>
-            <a:r>
-              <a:rPr b="0" lang="en-IE" sz="2600" spc="-1" strike="noStrike">
-                <a:latin typeface="Arial"/>
-              </a:rPr>
-              <a:t>Personal Experience</a:t>
-            </a:r>
-            <a:endParaRPr b="0" lang="en-IE" sz="2600" spc="-1" strike="noStrike">
-              <a:latin typeface="Arial"/>
-            </a:endParaRPr>
-          </a:p>
-        </p:txBody>
-      </p:sp>
-      <p:sp>
-        <p:nvSpPr>
-          <p:cNvPr id="130" name="TextShape 2"/>
-          <p:cNvSpPr txBox="1"/>
-          <p:nvPr/>
-        </p:nvSpPr>
-        <p:spPr>
-          <a:xfrm>
-            <a:off x="1064520" y="1381680"/>
-            <a:ext cx="1599480" cy="346320"/>
-          </a:xfrm>
-          <a:prstGeom prst="rect">
-            <a:avLst/>
-          </a:prstGeom>
-          <a:noFill/>
-          <a:ln>
-            <a:noFill/>
-          </a:ln>
-        </p:spPr>
-        <p:txBody>
-          <a:bodyPr lIns="90000" rIns="90000" tIns="45000" bIns="45000"/>
-          <a:p>
-            <a:r>
-              <a:rPr b="0" lang="en-IE" sz="1800" spc="-1" strike="noStrike">
-                <a:solidFill>
-                  <a:srgbClr val="1b1b1b"/>
-                </a:solidFill>
-                <a:latin typeface="Arial"/>
-                <a:hlinkClick r:id="rId1"/>
-              </a:rPr>
-              <a:t>Link de github</a:t>
-            </a:r>
-            <a:endParaRPr b="0" lang="en-IE" sz="1800" spc="-1" strike="noStrike">
-              <a:solidFill>
-                <a:srgbClr val="1b1b1b"/>
-              </a:solidFill>
-              <a:latin typeface="Arial"/>
-            </a:endParaRPr>
-          </a:p>
-        </p:txBody>
-      </p:sp>
-      <p:sp>
-        <p:nvSpPr>
-          <p:cNvPr id="131" name="TextShape 3"/>
-          <p:cNvSpPr txBox="1"/>
-          <p:nvPr/>
-        </p:nvSpPr>
-        <p:spPr>
-          <a:xfrm>
-            <a:off x="1080000" y="1944000"/>
-            <a:ext cx="2171160" cy="346320"/>
-          </a:xfrm>
-          <a:prstGeom prst="rect">
-            <a:avLst/>
-          </a:prstGeom>
-          <a:noFill/>
-          <a:ln>
-            <a:noFill/>
-          </a:ln>
-        </p:spPr>
-        <p:txBody>
-          <a:bodyPr lIns="90000" rIns="90000" tIns="45000" bIns="45000"/>
-          <a:p>
-            <a:r>
-              <a:rPr b="0" lang="en-IE" sz="1800" spc="-1" strike="noStrike">
-                <a:latin typeface="Arial"/>
-                <a:hlinkClick r:id="rId2"/>
-              </a:rPr>
-              <a:t>Max Flow Algorithm</a:t>
-            </a:r>
-            <a:endParaRPr b="0" lang="en-IE" sz="1800" spc="-1" strike="noStrike">
-              <a:latin typeface="Arial"/>
-            </a:endParaRPr>
-          </a:p>
-        </p:txBody>
-      </p:sp>
-      <p:sp>
-        <p:nvSpPr>
-          <p:cNvPr id="132" name="TextShape 4"/>
-          <p:cNvSpPr txBox="1"/>
-          <p:nvPr/>
-        </p:nvSpPr>
-        <p:spPr>
-          <a:xfrm>
-            <a:off x="1656000" y="4104000"/>
-            <a:ext cx="5467320" cy="346320"/>
-          </a:xfrm>
-          <a:prstGeom prst="rect">
-            <a:avLst/>
-          </a:prstGeom>
-          <a:noFill/>
-          <a:ln>
-            <a:noFill/>
-          </a:ln>
-        </p:spPr>
-        <p:txBody>
-          <a:bodyPr lIns="90000" rIns="90000" tIns="45000" bIns="45000"/>
-          <a:p>
-            <a:r>
-              <a:rPr b="0" lang="en-IE" sz="1800" spc="-1" strike="noStrike">
-                <a:latin typeface="Arial"/>
-              </a:rPr>
-              <a:t>Live Example Highcharts Component without ESLint</a:t>
-            </a:r>
-            <a:endParaRPr b="0" lang="en-IE" sz="1800" spc="-1" strike="noStrike">
-              <a:latin typeface="Arial"/>
-            </a:endParaRPr>
-          </a:p>
-        </p:txBody>
-      </p:sp>
-    </p:spTree>
-  </p:cSld>
-  <p:timing>
-    <p:tnLst>
-      <p:par>
-        <p:cTn id="129" dur="indefinite" restart="never" nodeType="tmRoot">
-          <p:childTnLst>
-            <p:seq>
-              <p:cTn id="130" dur="indefinite" nodeType="mainSeq"/>
-              <p:prevCondLst>
-                <p:cond delay="0" evt="onPrev">
-                  <p:tgtEl>
-                    <p:sldTgt/>
-                  </p:tgtEl>
-                </p:cond>
-              </p:prevCondLst>
-              <p:nextCondLst>
-                <p:cond delay="0" evt="onNext">
-                  <p:tgtEl>
-                    <p:sldTgt/>
-                  </p:tgtEl>
-                </p:cond>
-              </p:nextCondLst>
-            </p:seq>
-          </p:childTnLst>
-        </p:cTn>
-      </p:par>
-    </p:tnLst>
-  </p:timing>
-</p:sld>
-</file>
-
 <file path=ppt/slides/slide18.xml><?xml version="1.0" encoding="utf-8"?>
 <p:sld xmlns:a="http://schemas.openxmlformats.org/drawingml/2006/main" xmlns:p="http://schemas.openxmlformats.org/presentationml/2006/main" xmlns:r="http://schemas.openxmlformats.org/officeDocument/2006/relationships" xmlns:p14="http://schemas.microsoft.com/office/powerpoint/2010/main" xmlns:p15="http://schemas.microsoft.com/office/powerpoint/2012/main" xmlns:mc="http://schemas.openxmlformats.org/markup-compatibility/2006">
   <p:cSld>
@@ -5462,14 +6690,14 @@
       </p:grpSpPr>
       <p:sp>
         <p:nvSpPr>
-          <p:cNvPr id="133" name="TextShape 1"/>
-          <p:cNvSpPr txBox="1"/>
+          <p:cNvPr id="136" name="CustomShape 1"/>
+          <p:cNvSpPr/>
           <p:nvPr/>
         </p:nvSpPr>
         <p:spPr>
           <a:xfrm>
             <a:off x="648000" y="-72000"/>
-            <a:ext cx="7886160" cy="1324800"/>
+            <a:ext cx="7885440" cy="1324080"/>
           </a:xfrm>
           <a:prstGeom prst="rect">
             <a:avLst/>
@@ -5479,13 +6707,27 @@
             <a:noFill/>
           </a:ln>
         </p:spPr>
+        <p:style>
+          <a:lnRef idx="0"/>
+          <a:fillRef idx="0"/>
+          <a:effectRef idx="0"/>
+          <a:fontRef idx="minor"/>
+        </p:style>
         <p:txBody>
           <a:bodyPr lIns="0" rIns="0" tIns="0" bIns="0" anchor="ctr"/>
           <a:p>
-            <a:pPr algn="ctr"/>
+            <a:pPr algn="ctr">
+              <a:lnSpc>
+                <a:spcPct val="100000"/>
+              </a:lnSpc>
+            </a:pPr>
             <a:r>
               <a:rPr b="0" lang="en-IE" sz="2400" spc="-1" strike="noStrike">
-                <a:latin typeface="Arial"/>
+                <a:solidFill>
+                  <a:srgbClr val="000000"/>
+                </a:solidFill>
+                <a:latin typeface="Arial"/>
+                <a:ea typeface="DejaVu Sans"/>
               </a:rPr>
               <a:t>TDD</a:t>
             </a:r>
@@ -5497,7 +6739,7 @@
       </p:sp>
       <p:pic>
         <p:nvPicPr>
-          <p:cNvPr id="134" name="" descr=""/>
+          <p:cNvPr id="137" name="" descr=""/>
           <p:cNvPicPr/>
           <p:nvPr/>
         </p:nvPicPr>
@@ -5508,7 +6750,7 @@
         <p:spPr>
           <a:xfrm>
             <a:off x="443160" y="1152000"/>
-            <a:ext cx="8340840" cy="4717080"/>
+            <a:ext cx="8340120" cy="4716360"/>
           </a:xfrm>
           <a:prstGeom prst="rect">
             <a:avLst/>
@@ -5523,10 +6765,10 @@
   <p:timing>
     <p:tnLst>
       <p:par>
-        <p:cTn id="131" dur="indefinite" restart="never" nodeType="tmRoot">
+        <p:cTn id="198" dur="indefinite" restart="never" nodeType="tmRoot">
           <p:childTnLst>
             <p:seq>
-              <p:cTn id="132" dur="indefinite" nodeType="mainSeq"/>
+              <p:cTn id="199" dur="indefinite" nodeType="mainSeq"/>
               <p:prevCondLst>
                 <p:cond delay="0" evt="onPrev">
                   <p:tgtEl>
@@ -5567,16 +6809,39 @@
           <a:chExt cx="0" cy="0"/>
         </a:xfrm>
       </p:grpSpPr>
-      <p:sp>
-        <p:nvSpPr>
-          <p:cNvPr id="135" name="TextShape 1"/>
-          <p:cNvSpPr txBox="1"/>
+      <p:pic>
+        <p:nvPicPr>
+          <p:cNvPr id="138" name="" descr=""/>
+          <p:cNvPicPr/>
           <p:nvPr/>
-        </p:nvSpPr>
-        <p:spPr>
-          <a:xfrm>
-            <a:off x="628560" y="365040"/>
-            <a:ext cx="7886160" cy="1324800"/>
+        </p:nvPicPr>
+        <p:blipFill>
+          <a:blip r:embed="rId1"/>
+          <a:stretch/>
+        </p:blipFill>
+        <p:spPr>
+          <a:xfrm>
+            <a:off x="149400" y="1127160"/>
+            <a:ext cx="8850240" cy="4740480"/>
+          </a:xfrm>
+          <a:prstGeom prst="rect">
+            <a:avLst/>
+          </a:prstGeom>
+          <a:ln>
+            <a:noFill/>
+          </a:ln>
+        </p:spPr>
+      </p:pic>
+      <p:sp>
+        <p:nvSpPr>
+          <p:cNvPr id="139" name="CustomShape 1"/>
+          <p:cNvSpPr/>
+          <p:nvPr/>
+        </p:nvSpPr>
+        <p:spPr>
+          <a:xfrm>
+            <a:off x="3960000" y="648000"/>
+            <a:ext cx="4391640" cy="345960"/>
           </a:xfrm>
           <a:prstGeom prst="rect">
             <a:avLst/>
@@ -5586,17 +6851,27 @@
             <a:noFill/>
           </a:ln>
         </p:spPr>
-        <p:txBody>
-          <a:bodyPr lIns="0" rIns="0" tIns="0" bIns="0" anchor="ctr"/>
-          <a:p>
-            <a:pPr algn="ctr"/>
-            <a:r>
-              <a:rPr b="0" lang="en-IE" sz="4400" spc="-1" strike="noStrike">
-                <a:latin typeface="Arial"/>
-              </a:rPr>
-              <a:t>CI / CD</a:t>
-            </a:r>
-            <a:endParaRPr b="0" lang="en-IE" sz="4400" spc="-1" strike="noStrike">
+        <p:style>
+          <a:lnRef idx="0"/>
+          <a:fillRef idx="0"/>
+          <a:effectRef idx="0"/>
+          <a:fontRef idx="minor"/>
+        </p:style>
+        <p:txBody>
+          <a:bodyPr lIns="90000" rIns="90000" tIns="45000" bIns="45000"/>
+          <a:p>
+            <a:pPr>
+              <a:lnSpc>
+                <a:spcPct val="100000"/>
+              </a:lnSpc>
+            </a:pPr>
+            <a:r>
+              <a:rPr b="0" lang="en-IE" sz="1800" spc="-1" strike="noStrike">
+                <a:latin typeface="Arial"/>
+              </a:rPr>
+              <a:t>Tip</a:t>
+            </a:r>
+            <a:endParaRPr b="0" lang="en-IE" sz="1800" spc="-1" strike="noStrike">
               <a:latin typeface="Arial"/>
             </a:endParaRPr>
           </a:p>
@@ -5607,10 +6882,10 @@
   <p:timing>
     <p:tnLst>
       <p:par>
-        <p:cTn id="133" dur="indefinite" restart="never" nodeType="tmRoot">
+        <p:cTn id="200" dur="indefinite" restart="never" nodeType="tmRoot">
           <p:childTnLst>
             <p:seq>
-              <p:cTn id="134" dur="indefinite" nodeType="mainSeq"/>
+              <p:cTn id="201" dur="indefinite" nodeType="mainSeq"/>
               <p:prevCondLst>
                 <p:cond delay="0" evt="onPrev">
                   <p:tgtEl>
@@ -5660,7 +6935,7 @@
         <p:spPr>
           <a:xfrm>
             <a:off x="0" y="457200"/>
-            <a:ext cx="8457480" cy="685080"/>
+            <a:ext cx="8456760" cy="684360"/>
           </a:xfrm>
           <a:prstGeom prst="rect">
             <a:avLst/>
@@ -5690,6 +6965,7 @@
                   <a:srgbClr val="000000"/>
                 </a:solidFill>
                 <a:latin typeface="Arial"/>
+                <a:ea typeface="DejaVu Sans"/>
               </a:rPr>
               <a:t>SUMMARY</a:t>
             </a:r>
@@ -5708,7 +6984,7 @@
         <p:spPr>
           <a:xfrm>
             <a:off x="6458040" y="6356520"/>
-            <a:ext cx="2056680" cy="364320"/>
+            <a:ext cx="2055960" cy="363600"/>
           </a:xfrm>
           <a:prstGeom prst="rect">
             <a:avLst/>
@@ -5732,12 +7008,13 @@
                 <a:spcPct val="100000"/>
               </a:lnSpc>
             </a:pPr>
-            <a:fld id="{EC9652A9-AAE4-4B2A-845A-2508FB5FC7C4}" type="slidenum">
+            <a:fld id="{2A8B8790-F5B6-49EC-953B-614BADD3CA0C}" type="slidenum">
               <a:rPr b="0" lang="en-IE" sz="900" spc="-1" strike="noStrike">
                 <a:solidFill>
                   <a:srgbClr val="8b8b8b"/>
                 </a:solidFill>
                 <a:latin typeface="Arial Black"/>
+                <a:ea typeface="DejaVu Sans"/>
               </a:rPr>
               <a:t>1</a:t>
             </a:fld>
@@ -5755,8 +7032,8 @@
         </p:nvSpPr>
         <p:spPr>
           <a:xfrm>
-            <a:off x="356040" y="1295280"/>
-            <a:ext cx="8762400" cy="4723560"/>
+            <a:off x="309960" y="1396800"/>
+            <a:ext cx="8761680" cy="4722840"/>
           </a:xfrm>
           <a:prstGeom prst="rect">
             <a:avLst/>
@@ -5777,7 +7054,7 @@
             <a:normAutofit/>
           </a:bodyPr>
           <a:p>
-            <a:pPr marL="171360" indent="-170640">
+            <a:pPr marL="171360" indent="-169920">
               <a:lnSpc>
                 <a:spcPct val="90000"/>
               </a:lnSpc>
@@ -5796,6 +7073,7 @@
                   <a:srgbClr val="000000"/>
                 </a:solidFill>
                 <a:latin typeface="Arial"/>
+                <a:ea typeface="DejaVu Sans"/>
               </a:rPr>
               <a:t>Evolution of JavaScript and Web Development</a:t>
             </a:r>
@@ -5804,7 +7082,7 @@
             </a:endParaRPr>
           </a:p>
           <a:p>
-            <a:pPr marL="171360" indent="-170640">
+            <a:pPr marL="171360" indent="-169920">
               <a:lnSpc>
                 <a:spcPct val="90000"/>
               </a:lnSpc>
@@ -5823,6 +7101,7 @@
                   <a:srgbClr val="000000"/>
                 </a:solidFill>
                 <a:latin typeface="Arial"/>
+                <a:ea typeface="DejaVu Sans"/>
               </a:rPr>
               <a:t>Editor and Configuration</a:t>
             </a:r>
@@ -5831,7 +7110,7 @@
             </a:endParaRPr>
           </a:p>
           <a:p>
-            <a:pPr marL="171360" indent="-170640">
+            <a:pPr marL="171360" indent="-169920">
               <a:lnSpc>
                 <a:spcPct val="90000"/>
               </a:lnSpc>
@@ -5850,6 +7129,7 @@
                   <a:srgbClr val="000000"/>
                 </a:solidFill>
                 <a:latin typeface="Arial"/>
+                <a:ea typeface="DejaVu Sans"/>
               </a:rPr>
               <a:t>Package Management</a:t>
             </a:r>
@@ -5858,7 +7138,7 @@
             </a:endParaRPr>
           </a:p>
           <a:p>
-            <a:pPr marL="171360" indent="-170640">
+            <a:pPr marL="171360" indent="-169920">
               <a:lnSpc>
                 <a:spcPct val="90000"/>
               </a:lnSpc>
@@ -5877,6 +7157,7 @@
                   <a:srgbClr val="000000"/>
                 </a:solidFill>
                 <a:latin typeface="Arial"/>
+                <a:ea typeface="DejaVu Sans"/>
               </a:rPr>
               <a:t>Linting </a:t>
             </a:r>
@@ -5885,7 +7166,7 @@
             </a:endParaRPr>
           </a:p>
           <a:p>
-            <a:pPr marL="171360" indent="-170640">
+            <a:pPr marL="171360" indent="-169920">
               <a:lnSpc>
                 <a:spcPct val="90000"/>
               </a:lnSpc>
@@ -5904,6 +7185,7 @@
                   <a:srgbClr val="000000"/>
                 </a:solidFill>
                 <a:latin typeface="Arial"/>
+                <a:ea typeface="DejaVu Sans"/>
               </a:rPr>
               <a:t>Code quality</a:t>
             </a:r>
@@ -5912,7 +7194,7 @@
             </a:endParaRPr>
           </a:p>
           <a:p>
-            <a:pPr marL="171360" indent="-170640">
+            <a:pPr marL="171360" indent="-169920">
               <a:lnSpc>
                 <a:spcPct val="90000"/>
               </a:lnSpc>
@@ -5931,6 +7213,7 @@
                   <a:srgbClr val="000000"/>
                 </a:solidFill>
                 <a:latin typeface="Arial"/>
+                <a:ea typeface="DejaVu Sans"/>
               </a:rPr>
               <a:t>Testing</a:t>
             </a:r>
@@ -5939,7 +7222,7 @@
             </a:endParaRPr>
           </a:p>
           <a:p>
-            <a:pPr marL="171360" indent="-170640">
+            <a:pPr marL="171360" indent="-169920">
               <a:lnSpc>
                 <a:spcPct val="90000"/>
               </a:lnSpc>
@@ -5958,6 +7241,7 @@
                   <a:srgbClr val="000000"/>
                 </a:solidFill>
                 <a:latin typeface="Arial"/>
+                <a:ea typeface="DejaVu Sans"/>
               </a:rPr>
               <a:t>CI / CD</a:t>
             </a:r>
@@ -5966,7 +7250,7 @@
             </a:endParaRPr>
           </a:p>
           <a:p>
-            <a:pPr marL="171360" indent="-170640">
+            <a:pPr marL="171360" indent="-169920">
               <a:lnSpc>
                 <a:spcPct val="90000"/>
               </a:lnSpc>
@@ -5985,15 +7269,16 @@
                   <a:srgbClr val="000000"/>
                 </a:solidFill>
                 <a:latin typeface="Arial"/>
-              </a:rPr>
-              <a:t>Microservices</a:t>
+                <a:ea typeface="DejaVu Sans"/>
+              </a:rPr>
+              <a:t>Resources</a:t>
             </a:r>
             <a:endParaRPr b="0" lang="en-IE" sz="2400" spc="-1" strike="noStrike">
               <a:latin typeface="Arial"/>
             </a:endParaRPr>
           </a:p>
           <a:p>
-            <a:pPr marL="171360" indent="-170640">
+            <a:pPr marL="171360" indent="-169920">
               <a:lnSpc>
                 <a:spcPct val="90000"/>
               </a:lnSpc>
@@ -6012,33 +7297,7 @@
                   <a:srgbClr val="000000"/>
                 </a:solidFill>
                 <a:latin typeface="Arial"/>
-              </a:rPr>
-              <a:t>Resources</a:t>
-            </a:r>
-            <a:endParaRPr b="0" lang="en-IE" sz="2400" spc="-1" strike="noStrike">
-              <a:latin typeface="Arial"/>
-            </a:endParaRPr>
-          </a:p>
-          <a:p>
-            <a:pPr marL="171360" indent="-170640">
-              <a:lnSpc>
-                <a:spcPct val="90000"/>
-              </a:lnSpc>
-              <a:spcBef>
-                <a:spcPts val="751"/>
-              </a:spcBef>
-              <a:buClr>
-                <a:srgbClr val="000000"/>
-              </a:buClr>
-              <a:buFont typeface="Arial"/>
-              <a:buChar char="•"/>
-            </a:pPr>
-            <a:r>
-              <a:rPr b="1" lang="en-IE" sz="2400" spc="-1" strike="noStrike">
-                <a:solidFill>
-                  <a:srgbClr val="000000"/>
-                </a:solidFill>
-                <a:latin typeface="Arial"/>
+                <a:ea typeface="DejaVu Sans"/>
               </a:rPr>
               <a:t>Conclusions</a:t>
             </a:r>
@@ -6057,7 +7316,7 @@
         <p:spPr>
           <a:xfrm>
             <a:off x="3718080" y="6019200"/>
-            <a:ext cx="2257560" cy="345960"/>
+            <a:ext cx="2256840" cy="345240"/>
           </a:xfrm>
           <a:prstGeom prst="rect">
             <a:avLst/>
@@ -6083,7 +7342,11 @@
             </a:pPr>
             <a:r>
               <a:rPr b="0" lang="en-IE" sz="1800" spc="-1" strike="noStrike">
-                <a:latin typeface="Arial"/>
+                <a:solidFill>
+                  <a:srgbClr val="000000"/>
+                </a:solidFill>
+                <a:latin typeface="Arial"/>
+                <a:ea typeface="DejaVu Sans"/>
               </a:rPr>
               <a:t>Personal experience</a:t>
             </a:r>
@@ -6102,7 +7365,7 @@
         <p:spPr>
           <a:xfrm>
             <a:off x="3797280" y="6388920"/>
-            <a:ext cx="2030400" cy="345960"/>
+            <a:ext cx="2029680" cy="345240"/>
           </a:xfrm>
           <a:prstGeom prst="rect">
             <a:avLst/>
@@ -6128,7 +7391,11 @@
             </a:pPr>
             <a:r>
               <a:rPr b="0" lang="en-IE" sz="1800" spc="-1" strike="noStrike">
-                <a:latin typeface="Arial"/>
+                <a:solidFill>
+                  <a:srgbClr val="000000"/>
+                </a:solidFill>
+                <a:latin typeface="Arial"/>
+                <a:ea typeface="DejaVu Sans"/>
               </a:rPr>
               <a:t>Course and books</a:t>
             </a:r>
@@ -6189,14 +7456,14 @@
       </p:grpSpPr>
       <p:sp>
         <p:nvSpPr>
-          <p:cNvPr id="136" name="TextShape 1"/>
-          <p:cNvSpPr txBox="1"/>
+          <p:cNvPr id="140" name="CustomShape 1"/>
+          <p:cNvSpPr/>
           <p:nvPr/>
         </p:nvSpPr>
         <p:spPr>
           <a:xfrm>
-            <a:off x="609840" y="43200"/>
-            <a:ext cx="7886160" cy="1324800"/>
+            <a:off x="628560" y="365040"/>
+            <a:ext cx="7885440" cy="1324080"/>
           </a:xfrm>
           <a:prstGeom prst="rect">
             <a:avLst/>
@@ -6206,136 +7473,16 @@
             <a:noFill/>
           </a:ln>
         </p:spPr>
-        <p:txBody>
-          <a:bodyPr lIns="0" rIns="0" tIns="0" bIns="0" anchor="ctr"/>
-          <a:p>
-            <a:pPr algn="ctr"/>
-            <a:r>
-              <a:rPr b="0" lang="en-IE" sz="3200" spc="-1" strike="noStrike">
-                <a:latin typeface="Arial"/>
-              </a:rPr>
-              <a:t>Courses</a:t>
-            </a:r>
-            <a:endParaRPr b="0" lang="en-IE" sz="3200" spc="-1" strike="noStrike">
-              <a:latin typeface="Arial"/>
-            </a:endParaRPr>
-          </a:p>
-        </p:txBody>
-      </p:sp>
-      <p:sp>
-        <p:nvSpPr>
-          <p:cNvPr id="137" name="TextShape 2"/>
-          <p:cNvSpPr txBox="1"/>
-          <p:nvPr/>
-        </p:nvSpPr>
-        <p:spPr>
-          <a:xfrm>
-            <a:off x="720000" y="1297800"/>
-            <a:ext cx="5472000" cy="1870200"/>
-          </a:xfrm>
-          <a:prstGeom prst="rect">
-            <a:avLst/>
-          </a:prstGeom>
-          <a:noFill/>
-          <a:ln>
-            <a:noFill/>
-          </a:ln>
-        </p:spPr>
-        <p:txBody>
-          <a:bodyPr lIns="90000" rIns="90000" tIns="45000" bIns="45000"/>
-          <a:p>
-            <a:pPr marL="216000" indent="-216000">
-              <a:spcBef>
-                <a:spcPts val="1984"/>
-              </a:spcBef>
-              <a:buClr>
-                <a:srgbClr val="000000"/>
-              </a:buClr>
-              <a:buSzPct val="45000"/>
-              <a:buFont typeface="Wingdings" charset="2"/>
-              <a:buChar char=""/>
-            </a:pPr>
-            <a:r>
-              <a:rPr b="0" lang="en-IE" sz="1800" spc="-1" strike="noStrike">
-                <a:latin typeface="Arial"/>
-              </a:rPr>
-              <a:t>Clean Code: Writing Code for Humans</a:t>
-            </a:r>
-            <a:endParaRPr b="0" lang="en-IE" sz="1800" spc="-1" strike="noStrike">
-              <a:latin typeface="Arial"/>
-            </a:endParaRPr>
-          </a:p>
-          <a:p>
-            <a:pPr marL="216000" indent="-216000">
-              <a:spcBef>
-                <a:spcPts val="1984"/>
-              </a:spcBef>
-              <a:buClr>
-                <a:srgbClr val="000000"/>
-              </a:buClr>
-              <a:buSzPct val="45000"/>
-              <a:buFont typeface="Wingdings" charset="2"/>
-              <a:buChar char=""/>
-            </a:pPr>
-            <a:r>
-              <a:rPr b="0" lang="en-IE" sz="1800" spc="-1" strike="noStrike">
-                <a:latin typeface="Arial"/>
-              </a:rPr>
-              <a:t>SOLID Principles of Object Oriented Design</a:t>
-            </a:r>
-            <a:endParaRPr b="0" lang="en-IE" sz="1800" spc="-1" strike="noStrike">
-              <a:latin typeface="Arial"/>
-            </a:endParaRPr>
-          </a:p>
-          <a:p>
-            <a:pPr marL="216000" indent="-216000">
-              <a:spcBef>
-                <a:spcPts val="1984"/>
-              </a:spcBef>
-              <a:buClr>
-                <a:srgbClr val="000000"/>
-              </a:buClr>
-              <a:buSzPct val="45000"/>
-              <a:buFont typeface="Wingdings" charset="2"/>
-              <a:buChar char=""/>
-            </a:pPr>
-            <a:r>
-              <a:rPr b="0" lang="en-IE" sz="1800" spc="-1" strike="noStrike">
-                <a:latin typeface="Arial"/>
-              </a:rPr>
-              <a:t>How to Have a Better Career in Software</a:t>
-            </a:r>
-            <a:endParaRPr b="0" lang="en-IE" sz="1800" spc="-1" strike="noStrike">
-              <a:latin typeface="Arial"/>
-            </a:endParaRPr>
-          </a:p>
-          <a:p>
-            <a:pPr marL="216000" indent="-216000">
-              <a:spcBef>
-                <a:spcPts val="1984"/>
-              </a:spcBef>
-              <a:buClr>
-                <a:srgbClr val="000000"/>
-              </a:buClr>
-              <a:buSzPct val="45000"/>
-              <a:buFont typeface="Wingdings" charset="2"/>
-              <a:buChar char=""/>
-            </a:pPr>
-            <a:r>
-              <a:rPr b="0" lang="en-IE" sz="1800" spc="-1" strike="noStrike">
-                <a:latin typeface="Arial"/>
-              </a:rPr>
-              <a:t>Design Patterns Library</a:t>
-            </a:r>
-            <a:endParaRPr b="0" lang="en-IE" sz="1800" spc="-1" strike="noStrike">
-              <a:latin typeface="Arial"/>
-            </a:endParaRPr>
-          </a:p>
-        </p:txBody>
+        <p:style>
+          <a:lnRef idx="0"/>
+          <a:fillRef idx="0"/>
+          <a:effectRef idx="0"/>
+          <a:fontRef idx="minor"/>
+        </p:style>
       </p:sp>
       <p:pic>
         <p:nvPicPr>
-          <p:cNvPr id="138" name="" descr=""/>
+          <p:cNvPr id="141" name="" descr=""/>
           <p:cNvPicPr/>
           <p:nvPr/>
         </p:nvPicPr>
@@ -6345,8 +7492,8 @@
         </p:blipFill>
         <p:spPr>
           <a:xfrm>
-            <a:off x="864360" y="4824000"/>
-            <a:ext cx="6047640" cy="1395360"/>
+            <a:off x="720000" y="1296000"/>
+            <a:ext cx="7919280" cy="3959280"/>
           </a:xfrm>
           <a:prstGeom prst="rect">
             <a:avLst/>
@@ -6356,15 +7503,205 @@
           </a:ln>
         </p:spPr>
       </p:pic>
+      <p:sp>
+        <p:nvSpPr>
+          <p:cNvPr id="142" name="CustomShape 2"/>
+          <p:cNvSpPr/>
+          <p:nvPr/>
+        </p:nvSpPr>
+        <p:spPr>
+          <a:xfrm>
+            <a:off x="7300800" y="5832000"/>
+            <a:ext cx="978840" cy="345960"/>
+          </a:xfrm>
+          <a:prstGeom prst="rect">
+            <a:avLst/>
+          </a:prstGeom>
+          <a:noFill/>
+          <a:ln>
+            <a:noFill/>
+          </a:ln>
+        </p:spPr>
+        <p:style>
+          <a:lnRef idx="0"/>
+          <a:fillRef idx="0"/>
+          <a:effectRef idx="0"/>
+          <a:fontRef idx="minor"/>
+        </p:style>
+        <p:txBody>
+          <a:bodyPr lIns="90000" rIns="90000" tIns="45000" bIns="45000"/>
+          <a:p>
+            <a:pPr>
+              <a:lnSpc>
+                <a:spcPct val="100000"/>
+              </a:lnSpc>
+            </a:pPr>
+            <a:r>
+              <a:rPr b="0" lang="en-IE" sz="1800" spc="-1" strike="noStrike" u="sng">
+                <a:solidFill>
+                  <a:srgbClr val="0563c1"/>
+                </a:solidFill>
+                <a:uFillTx/>
+                <a:latin typeface="Arial"/>
+                <a:hlinkClick r:id="rId2"/>
+              </a:rPr>
+              <a:t>Guide 1</a:t>
+            </a:r>
+            <a:endParaRPr b="0" lang="en-IE" sz="1800" spc="-1" strike="noStrike">
+              <a:latin typeface="Arial"/>
+            </a:endParaRPr>
+          </a:p>
+        </p:txBody>
+      </p:sp>
+      <p:sp>
+        <p:nvSpPr>
+          <p:cNvPr id="143" name="CustomShape 3"/>
+          <p:cNvSpPr/>
+          <p:nvPr/>
+        </p:nvSpPr>
+        <p:spPr>
+          <a:xfrm>
+            <a:off x="7300800" y="6178320"/>
+            <a:ext cx="978840" cy="345960"/>
+          </a:xfrm>
+          <a:prstGeom prst="rect">
+            <a:avLst/>
+          </a:prstGeom>
+          <a:noFill/>
+          <a:ln>
+            <a:noFill/>
+          </a:ln>
+        </p:spPr>
+        <p:style>
+          <a:lnRef idx="0"/>
+          <a:fillRef idx="0"/>
+          <a:effectRef idx="0"/>
+          <a:fontRef idx="minor"/>
+        </p:style>
+        <p:txBody>
+          <a:bodyPr lIns="90000" rIns="90000" tIns="45000" bIns="45000"/>
+          <a:p>
+            <a:pPr>
+              <a:lnSpc>
+                <a:spcPct val="100000"/>
+              </a:lnSpc>
+            </a:pPr>
+            <a:r>
+              <a:rPr b="0" lang="en-IE" sz="1800" spc="-1" strike="noStrike" u="sng">
+                <a:solidFill>
+                  <a:srgbClr val="0563c1"/>
+                </a:solidFill>
+                <a:uFillTx/>
+                <a:latin typeface="Arial"/>
+                <a:hlinkClick r:id="rId3"/>
+              </a:rPr>
+              <a:t>Guide 2</a:t>
+            </a:r>
+            <a:endParaRPr b="0" lang="en-IE" sz="1800" spc="-1" strike="noStrike">
+              <a:latin typeface="Arial"/>
+            </a:endParaRPr>
+          </a:p>
+        </p:txBody>
+      </p:sp>
+      <p:sp>
+        <p:nvSpPr>
+          <p:cNvPr id="144" name="CustomShape 4"/>
+          <p:cNvSpPr/>
+          <p:nvPr/>
+        </p:nvSpPr>
+        <p:spPr>
+          <a:xfrm>
+            <a:off x="3384000" y="217800"/>
+            <a:ext cx="3167640" cy="2589840"/>
+          </a:xfrm>
+          <a:prstGeom prst="rect">
+            <a:avLst/>
+          </a:prstGeom>
+          <a:noFill/>
+          <a:ln>
+            <a:noFill/>
+          </a:ln>
+        </p:spPr>
+        <p:style>
+          <a:lnRef idx="0"/>
+          <a:fillRef idx="0"/>
+          <a:effectRef idx="0"/>
+          <a:fontRef idx="minor"/>
+        </p:style>
+        <p:txBody>
+          <a:bodyPr lIns="90000" rIns="90000" tIns="45000" bIns="45000"/>
+          <a:p>
+            <a:pPr>
+              <a:lnSpc>
+                <a:spcPct val="100000"/>
+              </a:lnSpc>
+            </a:pPr>
+            <a:r>
+              <a:rPr b="0" lang="en-IE" sz="4400" spc="-1" strike="noStrike">
+                <a:latin typeface="Arial"/>
+              </a:rPr>
+              <a:t>CI / CD</a:t>
+            </a:r>
+            <a:endParaRPr b="0" lang="en-IE" sz="4400" spc="-1" strike="noStrike">
+              <a:latin typeface="Arial"/>
+            </a:endParaRPr>
+          </a:p>
+        </p:txBody>
+      </p:sp>
+      <p:sp>
+        <p:nvSpPr>
+          <p:cNvPr id="145" name="CustomShape 5"/>
+          <p:cNvSpPr/>
+          <p:nvPr/>
+        </p:nvSpPr>
+        <p:spPr>
+          <a:xfrm>
+            <a:off x="3096000" y="5805720"/>
+            <a:ext cx="3455640" cy="601920"/>
+          </a:xfrm>
+          <a:prstGeom prst="rect">
+            <a:avLst/>
+          </a:prstGeom>
+          <a:noFill/>
+          <a:ln>
+            <a:noFill/>
+          </a:ln>
+        </p:spPr>
+        <p:style>
+          <a:lnRef idx="0"/>
+          <a:fillRef idx="0"/>
+          <a:effectRef idx="0"/>
+          <a:fontRef idx="minor"/>
+        </p:style>
+        <p:txBody>
+          <a:bodyPr lIns="90000" rIns="90000" tIns="45000" bIns="45000"/>
+          <a:p>
+            <a:pPr>
+              <a:lnSpc>
+                <a:spcPct val="100000"/>
+              </a:lnSpc>
+            </a:pPr>
+            <a:r>
+              <a:rPr b="0" lang="en-IE" sz="1800" spc="-1" strike="noStrike">
+                <a:latin typeface="Arial"/>
+              </a:rPr>
+              <a:t>Small Example of wdna-test</a:t>
+            </a:r>
+            <a:endParaRPr b="0" lang="en-IE" sz="1800" spc="-1" strike="noStrike">
+              <a:latin typeface="Arial"/>
+            </a:endParaRPr>
+          </a:p>
+        </p:txBody>
+      </p:sp>
     </p:spTree>
   </p:cSld>
   <p:timing>
     <p:tnLst>
       <p:par>
-        <p:cTn id="135" dur="indefinite" restart="never" nodeType="tmRoot">
+        <p:cTn id="202" dur="indefinite" restart="never" nodeType="tmRoot">
           <p:childTnLst>
             <p:seq>
-              <p:cTn id="136" dur="indefinite" nodeType="mainSeq"/>
+              <p:cTn id="203" dur="indefinite" nodeType="mainSeq"/>
               <p:prevCondLst>
                 <p:cond delay="0" evt="onPrev">
                   <p:tgtEl>
@@ -6407,14 +7744,14 @@
       </p:grpSpPr>
       <p:sp>
         <p:nvSpPr>
-          <p:cNvPr id="139" name="TextShape 1"/>
-          <p:cNvSpPr txBox="1"/>
+          <p:cNvPr id="146" name="CustomShape 1"/>
+          <p:cNvSpPr/>
           <p:nvPr/>
         </p:nvSpPr>
         <p:spPr>
           <a:xfrm>
-            <a:off x="648000" y="-72000"/>
-            <a:ext cx="7886160" cy="1324800"/>
+            <a:off x="609840" y="43200"/>
+            <a:ext cx="7885440" cy="1324080"/>
           </a:xfrm>
           <a:prstGeom prst="rect">
             <a:avLst/>
@@ -6424,31 +7761,738 @@
             <a:noFill/>
           </a:ln>
         </p:spPr>
+        <p:style>
+          <a:lnRef idx="0"/>
+          <a:fillRef idx="0"/>
+          <a:effectRef idx="0"/>
+          <a:fontRef idx="minor"/>
+        </p:style>
         <p:txBody>
           <a:bodyPr lIns="0" rIns="0" tIns="0" bIns="0" anchor="ctr"/>
           <a:p>
-            <a:pPr algn="ctr"/>
-            <a:r>
-              <a:rPr b="0" lang="en-IE" sz="4400" spc="-1" strike="noStrike">
-                <a:latin typeface="Arial"/>
-              </a:rPr>
-              <a:t>Summary</a:t>
-            </a:r>
-            <a:endParaRPr b="0" lang="en-IE" sz="4400" spc="-1" strike="noStrike">
-              <a:latin typeface="Arial"/>
-            </a:endParaRPr>
-          </a:p>
-        </p:txBody>
-      </p:sp>
+            <a:pPr algn="ctr">
+              <a:lnSpc>
+                <a:spcPct val="100000"/>
+              </a:lnSpc>
+            </a:pPr>
+            <a:r>
+              <a:rPr b="0" lang="en-IE" sz="3200" spc="-1" strike="noStrike">
+                <a:solidFill>
+                  <a:srgbClr val="000000"/>
+                </a:solidFill>
+                <a:latin typeface="Arial"/>
+                <a:ea typeface="DejaVu Sans"/>
+              </a:rPr>
+              <a:t>Courses</a:t>
+            </a:r>
+            <a:endParaRPr b="0" lang="en-IE" sz="3200" spc="-1" strike="noStrike">
+              <a:latin typeface="Arial"/>
+            </a:endParaRPr>
+          </a:p>
+        </p:txBody>
+      </p:sp>
+      <p:sp>
+        <p:nvSpPr>
+          <p:cNvPr id="147" name="CustomShape 2"/>
+          <p:cNvSpPr/>
+          <p:nvPr/>
+        </p:nvSpPr>
+        <p:spPr>
+          <a:xfrm>
+            <a:off x="720000" y="1297800"/>
+            <a:ext cx="5471280" cy="1869480"/>
+          </a:xfrm>
+          <a:prstGeom prst="rect">
+            <a:avLst/>
+          </a:prstGeom>
+          <a:noFill/>
+          <a:ln>
+            <a:noFill/>
+          </a:ln>
+        </p:spPr>
+        <p:style>
+          <a:lnRef idx="0"/>
+          <a:fillRef idx="0"/>
+          <a:effectRef idx="0"/>
+          <a:fontRef idx="minor"/>
+        </p:style>
+        <p:txBody>
+          <a:bodyPr lIns="90000" rIns="90000" tIns="45000" bIns="45000"/>
+          <a:p>
+            <a:pPr marL="216000" indent="-215280">
+              <a:lnSpc>
+                <a:spcPct val="100000"/>
+              </a:lnSpc>
+              <a:spcBef>
+                <a:spcPts val="1984"/>
+              </a:spcBef>
+              <a:buClr>
+                <a:srgbClr val="000000"/>
+              </a:buClr>
+              <a:buSzPct val="45000"/>
+              <a:buFont typeface="Wingdings" charset="2"/>
+              <a:buChar char=""/>
+            </a:pPr>
+            <a:r>
+              <a:rPr b="0" lang="en-IE" sz="1800" spc="-1" strike="noStrike">
+                <a:solidFill>
+                  <a:srgbClr val="000000"/>
+                </a:solidFill>
+                <a:latin typeface="Arial"/>
+                <a:ea typeface="DejaVu Sans"/>
+              </a:rPr>
+              <a:t>Clean Code: Writing Code for Humans</a:t>
+            </a:r>
+            <a:endParaRPr b="0" lang="en-IE" sz="1800" spc="-1" strike="noStrike">
+              <a:latin typeface="Arial"/>
+            </a:endParaRPr>
+          </a:p>
+          <a:p>
+            <a:pPr marL="216000" indent="-215280">
+              <a:lnSpc>
+                <a:spcPct val="100000"/>
+              </a:lnSpc>
+              <a:spcBef>
+                <a:spcPts val="1984"/>
+              </a:spcBef>
+              <a:buClr>
+                <a:srgbClr val="000000"/>
+              </a:buClr>
+              <a:buSzPct val="45000"/>
+              <a:buFont typeface="Wingdings" charset="2"/>
+              <a:buChar char=""/>
+            </a:pPr>
+            <a:r>
+              <a:rPr b="0" lang="en-IE" sz="1800" spc="-1" strike="noStrike">
+                <a:solidFill>
+                  <a:srgbClr val="000000"/>
+                </a:solidFill>
+                <a:latin typeface="Arial"/>
+                <a:ea typeface="DejaVu Sans"/>
+              </a:rPr>
+              <a:t>SOLID Principles of Object Oriented Design</a:t>
+            </a:r>
+            <a:endParaRPr b="0" lang="en-IE" sz="1800" spc="-1" strike="noStrike">
+              <a:latin typeface="Arial"/>
+            </a:endParaRPr>
+          </a:p>
+          <a:p>
+            <a:pPr marL="216000" indent="-215280">
+              <a:lnSpc>
+                <a:spcPct val="100000"/>
+              </a:lnSpc>
+              <a:spcBef>
+                <a:spcPts val="1984"/>
+              </a:spcBef>
+              <a:buClr>
+                <a:srgbClr val="000000"/>
+              </a:buClr>
+              <a:buSzPct val="45000"/>
+              <a:buFont typeface="Wingdings" charset="2"/>
+              <a:buChar char=""/>
+            </a:pPr>
+            <a:r>
+              <a:rPr b="0" lang="en-IE" sz="1800" spc="-1" strike="noStrike" u="sng">
+                <a:solidFill>
+                  <a:srgbClr val="0563c1"/>
+                </a:solidFill>
+                <a:uFillTx/>
+                <a:latin typeface="Arial"/>
+                <a:ea typeface="DejaVu Sans"/>
+                <a:hlinkClick r:id="rId1"/>
+              </a:rPr>
+              <a:t>How to Have a Better Career in Software</a:t>
+            </a:r>
+            <a:endParaRPr b="0" lang="en-IE" sz="1800" spc="-1" strike="noStrike">
+              <a:latin typeface="Arial"/>
+            </a:endParaRPr>
+          </a:p>
+          <a:p>
+            <a:pPr marL="216000" indent="-215280">
+              <a:lnSpc>
+                <a:spcPct val="100000"/>
+              </a:lnSpc>
+              <a:spcBef>
+                <a:spcPts val="1984"/>
+              </a:spcBef>
+              <a:buClr>
+                <a:srgbClr val="000000"/>
+              </a:buClr>
+              <a:buSzPct val="45000"/>
+              <a:buFont typeface="Wingdings" charset="2"/>
+              <a:buChar char=""/>
+            </a:pPr>
+            <a:r>
+              <a:rPr b="0" lang="en-IE" sz="1800" spc="-1" strike="noStrike">
+                <a:solidFill>
+                  <a:srgbClr val="000000"/>
+                </a:solidFill>
+                <a:latin typeface="Arial"/>
+                <a:ea typeface="DejaVu Sans"/>
+              </a:rPr>
+              <a:t>Design Patterns Library</a:t>
+            </a:r>
+            <a:endParaRPr b="0" lang="en-IE" sz="1800" spc="-1" strike="noStrike">
+              <a:latin typeface="Arial"/>
+            </a:endParaRPr>
+          </a:p>
+        </p:txBody>
+      </p:sp>
+      <p:pic>
+        <p:nvPicPr>
+          <p:cNvPr id="148" name="" descr=""/>
+          <p:cNvPicPr/>
+          <p:nvPr/>
+        </p:nvPicPr>
+        <p:blipFill>
+          <a:blip r:embed="rId2"/>
+          <a:stretch/>
+        </p:blipFill>
+        <p:spPr>
+          <a:xfrm>
+            <a:off x="864360" y="4824000"/>
+            <a:ext cx="6046920" cy="1394640"/>
+          </a:xfrm>
+          <a:prstGeom prst="rect">
+            <a:avLst/>
+          </a:prstGeom>
+          <a:ln>
+            <a:noFill/>
+          </a:ln>
+        </p:spPr>
+      </p:pic>
     </p:spTree>
   </p:cSld>
   <p:timing>
     <p:tnLst>
       <p:par>
-        <p:cTn id="137" dur="indefinite" restart="never" nodeType="tmRoot">
+        <p:cTn id="204" dur="indefinite" restart="never" nodeType="tmRoot">
           <p:childTnLst>
             <p:seq>
-              <p:cTn id="138" dur="indefinite" nodeType="mainSeq"/>
+              <p:cTn id="205" dur="indefinite" nodeType="mainSeq"/>
+              <p:prevCondLst>
+                <p:cond delay="0" evt="onPrev">
+                  <p:tgtEl>
+                    <p:sldTgt/>
+                  </p:tgtEl>
+                </p:cond>
+              </p:prevCondLst>
+              <p:nextCondLst>
+                <p:cond delay="0" evt="onNext">
+                  <p:tgtEl>
+                    <p:sldTgt/>
+                  </p:tgtEl>
+                </p:cond>
+              </p:nextCondLst>
+            </p:seq>
+          </p:childTnLst>
+        </p:cTn>
+      </p:par>
+    </p:tnLst>
+  </p:timing>
+</p:sld>
+</file>
+
+<file path=ppt/slides/slide22.xml><?xml version="1.0" encoding="utf-8"?>
+<p:sld xmlns:a="http://schemas.openxmlformats.org/drawingml/2006/main" xmlns:p="http://schemas.openxmlformats.org/presentationml/2006/main" xmlns:r="http://schemas.openxmlformats.org/officeDocument/2006/relationships" xmlns:p14="http://schemas.microsoft.com/office/powerpoint/2010/main" xmlns:p15="http://schemas.microsoft.com/office/powerpoint/2012/main" xmlns:mc="http://schemas.openxmlformats.org/markup-compatibility/2006">
+  <p:cSld>
+    <p:spTree>
+      <p:nvGrpSpPr>
+        <p:cNvPr id="1" name=""/>
+        <p:cNvGrpSpPr/>
+        <p:nvPr/>
+      </p:nvGrpSpPr>
+      <p:grpSpPr>
+        <a:xfrm>
+          <a:off x="0" y="0"/>
+          <a:ext cx="0" cy="0"/>
+          <a:chOff x="0" y="0"/>
+          <a:chExt cx="0" cy="0"/>
+        </a:xfrm>
+      </p:grpSpPr>
+      <p:sp>
+        <p:nvSpPr>
+          <p:cNvPr id="149" name="CustomShape 1"/>
+          <p:cNvSpPr/>
+          <p:nvPr/>
+        </p:nvSpPr>
+        <p:spPr>
+          <a:xfrm>
+            <a:off x="648000" y="-72000"/>
+            <a:ext cx="7885440" cy="1324080"/>
+          </a:xfrm>
+          <a:prstGeom prst="rect">
+            <a:avLst/>
+          </a:prstGeom>
+          <a:noFill/>
+          <a:ln>
+            <a:noFill/>
+          </a:ln>
+        </p:spPr>
+        <p:style>
+          <a:lnRef idx="0"/>
+          <a:fillRef idx="0"/>
+          <a:effectRef idx="0"/>
+          <a:fontRef idx="minor"/>
+        </p:style>
+        <p:txBody>
+          <a:bodyPr lIns="0" rIns="0" tIns="0" bIns="0" anchor="ctr"/>
+          <a:p>
+            <a:pPr algn="ctr">
+              <a:lnSpc>
+                <a:spcPct val="100000"/>
+              </a:lnSpc>
+            </a:pPr>
+            <a:r>
+              <a:rPr b="0" lang="en-IE" sz="4400" spc="-1" strike="noStrike">
+                <a:solidFill>
+                  <a:srgbClr val="000000"/>
+                </a:solidFill>
+                <a:latin typeface="Arial"/>
+                <a:ea typeface="DejaVu Sans"/>
+              </a:rPr>
+              <a:t>Summary</a:t>
+            </a:r>
+            <a:endParaRPr b="0" lang="en-IE" sz="4400" spc="-1" strike="noStrike">
+              <a:latin typeface="Arial"/>
+            </a:endParaRPr>
+          </a:p>
+        </p:txBody>
+      </p:sp>
+      <p:sp>
+        <p:nvSpPr>
+          <p:cNvPr id="150" name="CustomShape 2"/>
+          <p:cNvSpPr/>
+          <p:nvPr/>
+        </p:nvSpPr>
+        <p:spPr>
+          <a:xfrm>
+            <a:off x="936000" y="1512000"/>
+            <a:ext cx="7472160" cy="1737360"/>
+          </a:xfrm>
+          <a:prstGeom prst="rect">
+            <a:avLst/>
+          </a:prstGeom>
+          <a:noFill/>
+          <a:ln>
+            <a:noFill/>
+          </a:ln>
+        </p:spPr>
+        <p:style>
+          <a:lnRef idx="0"/>
+          <a:fillRef idx="0"/>
+          <a:effectRef idx="0"/>
+          <a:fontRef idx="minor"/>
+        </p:style>
+        <p:txBody>
+          <a:bodyPr lIns="90000" rIns="90000" tIns="45000" bIns="45000"/>
+          <a:p>
+            <a:pPr marL="216000" indent="-215640">
+              <a:lnSpc>
+                <a:spcPct val="100000"/>
+              </a:lnSpc>
+              <a:spcBef>
+                <a:spcPts val="1134"/>
+              </a:spcBef>
+              <a:buClr>
+                <a:srgbClr val="000000"/>
+              </a:buClr>
+              <a:buSzPct val="45000"/>
+              <a:buFont typeface="Wingdings" charset="2"/>
+              <a:buChar char=""/>
+            </a:pPr>
+            <a:r>
+              <a:rPr b="0" lang="en-IE" sz="2400" spc="-1" strike="noStrike">
+                <a:latin typeface="Arial"/>
+              </a:rPr>
+              <a:t>This is for </a:t>
+            </a:r>
+            <a:r>
+              <a:rPr b="1" lang="en-IE" sz="2400" spc="-1" strike="noStrike">
+                <a:latin typeface="Arial"/>
+              </a:rPr>
+              <a:t>NOW</a:t>
+            </a:r>
+            <a:r>
+              <a:rPr b="0" lang="en-IE" sz="2400" spc="-1" strike="noStrike">
+                <a:latin typeface="Arial"/>
+              </a:rPr>
+              <a:t> not for the future</a:t>
+            </a:r>
+            <a:endParaRPr b="0" lang="en-IE" sz="2400" spc="-1" strike="noStrike">
+              <a:latin typeface="Arial"/>
+            </a:endParaRPr>
+          </a:p>
+          <a:p>
+            <a:pPr marL="216000" indent="-215640">
+              <a:lnSpc>
+                <a:spcPct val="100000"/>
+              </a:lnSpc>
+              <a:spcBef>
+                <a:spcPts val="1134"/>
+              </a:spcBef>
+              <a:buClr>
+                <a:srgbClr val="000000"/>
+              </a:buClr>
+              <a:buSzPct val="45000"/>
+              <a:buFont typeface="Wingdings" charset="2"/>
+              <a:buChar char=""/>
+            </a:pPr>
+            <a:r>
+              <a:rPr b="0" lang="en-IE" sz="2400" spc="-1" strike="noStrike">
+                <a:latin typeface="Arial"/>
+              </a:rPr>
+              <a:t>From now on all the code that is generated in the Front-End must be correctly formatted</a:t>
+            </a:r>
+            <a:endParaRPr b="0" lang="en-IE" sz="2400" spc="-1" strike="noStrike">
+              <a:latin typeface="Arial"/>
+            </a:endParaRPr>
+          </a:p>
+          <a:p>
+            <a:pPr marL="216000" indent="-215640">
+              <a:lnSpc>
+                <a:spcPct val="100000"/>
+              </a:lnSpc>
+              <a:spcBef>
+                <a:spcPts val="1134"/>
+              </a:spcBef>
+              <a:buClr>
+                <a:srgbClr val="000000"/>
+              </a:buClr>
+              <a:buSzPct val="45000"/>
+              <a:buFont typeface="Wingdings" charset="2"/>
+              <a:buChar char=""/>
+            </a:pPr>
+            <a:r>
+              <a:rPr b="0" lang="en-IE" sz="2400" spc="-1" strike="noStrike">
+                <a:latin typeface="Arial"/>
+              </a:rPr>
+              <a:t>We need to start using industry-standard tools</a:t>
+            </a:r>
+            <a:endParaRPr b="0" lang="en-IE" sz="2400" spc="-1" strike="noStrike">
+              <a:latin typeface="Arial"/>
+            </a:endParaRPr>
+          </a:p>
+          <a:p>
+            <a:pPr marL="216000" indent="-215640">
+              <a:lnSpc>
+                <a:spcPct val="100000"/>
+              </a:lnSpc>
+              <a:spcBef>
+                <a:spcPts val="1134"/>
+              </a:spcBef>
+              <a:buClr>
+                <a:srgbClr val="000000"/>
+              </a:buClr>
+              <a:buSzPct val="45000"/>
+              <a:buFont typeface="Wingdings" charset="2"/>
+              <a:buChar char=""/>
+            </a:pPr>
+            <a:r>
+              <a:rPr b="0" lang="en-IE" sz="2400" spc="-1" strike="noStrike">
+                <a:latin typeface="Arial"/>
+              </a:rPr>
+              <a:t>Study this and we will prepare another smaller talk specifically of entropy-front project, next week</a:t>
+            </a:r>
+            <a:endParaRPr b="0" lang="en-IE" sz="2400" spc="-1" strike="noStrike">
+              <a:latin typeface="Arial"/>
+            </a:endParaRPr>
+          </a:p>
+        </p:txBody>
+      </p:sp>
+      <p:sp>
+        <p:nvSpPr>
+          <p:cNvPr id="151" name="CustomShape 3"/>
+          <p:cNvSpPr/>
+          <p:nvPr/>
+        </p:nvSpPr>
+        <p:spPr>
+          <a:xfrm>
+            <a:off x="2448000" y="4574160"/>
+            <a:ext cx="4679640" cy="1113840"/>
+          </a:xfrm>
+          <a:prstGeom prst="rect">
+            <a:avLst/>
+          </a:prstGeom>
+          <a:noFill/>
+          <a:ln>
+            <a:noFill/>
+          </a:ln>
+        </p:spPr>
+        <p:style>
+          <a:lnRef idx="0"/>
+          <a:fillRef idx="0"/>
+          <a:effectRef idx="0"/>
+          <a:fontRef idx="minor"/>
+        </p:style>
+        <p:txBody>
+          <a:bodyPr lIns="90000" rIns="90000" tIns="45000" bIns="45000"/>
+          <a:p>
+            <a:pPr>
+              <a:lnSpc>
+                <a:spcPct val="100000"/>
+              </a:lnSpc>
+            </a:pPr>
+            <a:r>
+              <a:rPr b="0" lang="en-IE" sz="3600" spc="-1" strike="noStrike">
+                <a:latin typeface="Arial"/>
+              </a:rPr>
+              <a:t>QUESTIONS???</a:t>
+            </a:r>
+            <a:endParaRPr b="0" lang="en-IE" sz="3600" spc="-1" strike="noStrike">
+              <a:latin typeface="Arial"/>
+            </a:endParaRPr>
+          </a:p>
+        </p:txBody>
+      </p:sp>
+      <p:sp>
+        <p:nvSpPr>
+          <p:cNvPr id="152" name="TextShape 4"/>
+          <p:cNvSpPr txBox="1"/>
+          <p:nvPr/>
+        </p:nvSpPr>
+        <p:spPr>
+          <a:xfrm>
+            <a:off x="3493800" y="5832000"/>
+            <a:ext cx="1546200" cy="822240"/>
+          </a:xfrm>
+          <a:prstGeom prst="rect">
+            <a:avLst/>
+          </a:prstGeom>
+          <a:noFill/>
+          <a:ln>
+            <a:noFill/>
+          </a:ln>
+        </p:spPr>
+        <p:txBody>
+          <a:bodyPr lIns="90000" rIns="90000" tIns="45000" bIns="45000"/>
+          <a:p>
+            <a:r>
+              <a:rPr b="1" lang="en-IE" sz="2200" spc="-1" strike="noStrike">
+                <a:latin typeface="Arial"/>
+              </a:rPr>
+              <a:t>Ryan Dahl</a:t>
+            </a:r>
+            <a:endParaRPr b="1" lang="en-IE" sz="2200" spc="-1" strike="noStrike">
+              <a:latin typeface="Arial"/>
+            </a:endParaRPr>
+          </a:p>
+          <a:p>
+            <a:endParaRPr b="0" lang="en-IE" sz="2200" spc="-1" strike="noStrike">
+              <a:latin typeface="Arial"/>
+            </a:endParaRPr>
+          </a:p>
+        </p:txBody>
+      </p:sp>
+      <p:sp>
+        <p:nvSpPr>
+          <p:cNvPr id="153" name="TextShape 5"/>
+          <p:cNvSpPr txBox="1"/>
+          <p:nvPr/>
+        </p:nvSpPr>
+        <p:spPr>
+          <a:xfrm>
+            <a:off x="1224000" y="6192000"/>
+            <a:ext cx="6267600" cy="822240"/>
+          </a:xfrm>
+          <a:prstGeom prst="rect">
+            <a:avLst/>
+          </a:prstGeom>
+          <a:noFill/>
+          <a:ln>
+            <a:noFill/>
+          </a:ln>
+        </p:spPr>
+        <p:txBody>
+          <a:bodyPr lIns="90000" rIns="90000" tIns="45000" bIns="45000"/>
+          <a:p>
+            <a:r>
+              <a:rPr b="1" lang="en-IE" sz="2200" spc="-1" strike="noStrike">
+                <a:latin typeface="Arial"/>
+                <a:hlinkClick r:id="rId1"/>
+              </a:rPr>
+              <a:t>10 Cosas de las que me arrepiento de Node.js</a:t>
+            </a:r>
+            <a:endParaRPr b="1" lang="en-IE" sz="2200" spc="-1" strike="noStrike">
+              <a:latin typeface="Arial"/>
+            </a:endParaRPr>
+          </a:p>
+          <a:p>
+            <a:endParaRPr b="0" lang="en-IE" sz="2200" spc="-1" strike="noStrike">
+              <a:latin typeface="Arial"/>
+            </a:endParaRPr>
+          </a:p>
+        </p:txBody>
+      </p:sp>
+    </p:spTree>
+  </p:cSld>
+  <p:timing>
+    <p:tnLst>
+      <p:par>
+        <p:cTn id="206" dur="indefinite" restart="never" nodeType="tmRoot">
+          <p:childTnLst>
+            <p:seq>
+              <p:cTn id="207" dur="indefinite" nodeType="mainSeq">
+                <p:childTnLst>
+                  <p:par>
+                    <p:cTn id="208" fill="hold">
+                      <p:stCondLst>
+                        <p:cond delay="indefinite"/>
+                      </p:stCondLst>
+                      <p:childTnLst>
+                        <p:par>
+                          <p:cTn id="209" fill="hold">
+                            <p:stCondLst>
+                              <p:cond delay="0"/>
+                            </p:stCondLst>
+                            <p:childTnLst>
+                              <p:par>
+                                <p:cTn id="210" nodeType="clickEffect" fill="hold" presetClass="entr" presetID="15">
+                                  <p:stCondLst>
+                                    <p:cond delay="0"/>
+                                  </p:stCondLst>
+                                  <p:childTnLst>
+                                    <p:set>
+                                      <p:cBhvr>
+                                        <p:cTn id="211" dur="1" fill="hold">
+                                          <p:stCondLst>
+                                            <p:cond delay="0"/>
+                                          </p:stCondLst>
+                                        </p:cTn>
+                                        <p:tgtEl>
+                                          <p:spTgt spid="151">
+                                            <p:txEl>
+                                              <p:pRg st="0" end="0"/>
+                                            </p:txEl>
+                                          </p:spTgt>
+                                        </p:tgtEl>
+                                        <p:attrNameLst>
+                                          <p:attrName>style.visibility</p:attrName>
+                                        </p:attrNameLst>
+                                      </p:cBhvr>
+                                      <p:to>
+                                        <p:strVal val="visible"/>
+                                      </p:to>
+                                    </p:set>
+                                    <p:anim calcmode="lin" valueType="num">
+                                      <p:cBhvr additive="repl">
+                                        <p:cTn id="212" dur="1000" fill="hold"/>
+                                        <p:tgtEl>
+                                          <p:spTgt spid="151">
+                                            <p:txEl>
+                                              <p:pRg st="0" end="0"/>
+                                            </p:txEl>
+                                          </p:spTgt>
+                                        </p:tgtEl>
+                                        <p:attrNameLst>
+                                          <p:attrName>ppt_w</p:attrName>
+                                        </p:attrNameLst>
+                                      </p:cBhvr>
+                                      <p:tavLst>
+                                        <p:tav tm="0">
+                                          <p:val>
+                                            <p:strVal val="0"/>
+                                          </p:val>
+                                        </p:tav>
+                                        <p:tav tm="100000">
+                                          <p:val>
+                                            <p:strVal val="#ppt_w"/>
+                                          </p:val>
+                                        </p:tav>
+                                      </p:tavLst>
+                                    </p:anim>
+                                    <p:anim calcmode="lin" valueType="num">
+                                      <p:cBhvr additive="repl">
+                                        <p:cTn id="213" dur="1000" fill="hold"/>
+                                        <p:tgtEl>
+                                          <p:spTgt spid="151">
+                                            <p:txEl>
+                                              <p:pRg st="0" end="0"/>
+                                            </p:txEl>
+                                          </p:spTgt>
+                                        </p:tgtEl>
+                                        <p:attrNameLst>
+                                          <p:attrName>ppt_h</p:attrName>
+                                        </p:attrNameLst>
+                                      </p:cBhvr>
+                                      <p:tavLst>
+                                        <p:tav tm="0">
+                                          <p:val>
+                                            <p:strVal val="0"/>
+                                          </p:val>
+                                        </p:tav>
+                                        <p:tav tm="100000">
+                                          <p:val>
+                                            <p:strVal val="#ppt_h"/>
+                                          </p:val>
+                                        </p:tav>
+                                      </p:tavLst>
+                                    </p:anim>
+                                    <p:anim calcmode="lin" valueType="num">
+                                      <p:cBhvr additive="repl">
+                                        <p:cTn id="214" dur="1000" fill="hold"/>
+                                        <p:tgtEl>
+                                          <p:spTgt spid="151">
+                                            <p:txEl>
+                                              <p:pRg st="0" end="0"/>
+                                            </p:txEl>
+                                          </p:spTgt>
+                                        </p:tgtEl>
+                                        <p:attrNameLst>
+                                          <p:attrName>ppt_x</p:attrName>
+                                        </p:attrNameLst>
+                                      </p:cBhvr>
+                                      <p:tavLst>
+                                        <p:tav tm="0">
+                                          <p:val>
+                                            <p:strVal val="0"/>
+                                          </p:val>
+                                        </p:tav>
+                                        <p:tav tm="100000">
+                                          <p:val>
+                                            <p:strVal val="1"/>
+                                          </p:val>
+                                        </p:tav>
+                                      </p:tavLst>
+                                    </p:anim>
+                                    <p:anim calcmode="lin" valueType="num">
+                                      <p:cBhvr additive="repl">
+                                        <p:cTn id="215" dur="1000" fill="hold"/>
+                                        <p:tgtEl>
+                                          <p:spTgt spid="151">
+                                            <p:txEl>
+                                              <p:pRg st="0" end="0"/>
+                                            </p:txEl>
+                                          </p:spTgt>
+                                        </p:tgtEl>
+                                        <p:attrNameLst>
+                                          <p:attrName>ppt_y</p:attrName>
+                                        </p:attrNameLst>
+                                      </p:cBhvr>
+                                      <p:tavLst>
+                                        <p:tav tm="0">
+                                          <p:val>
+                                            <p:strVal val="0"/>
+                                          </p:val>
+                                        </p:tav>
+                                        <p:tav tm="100000">
+                                          <p:val>
+                                            <p:strVal val="1"/>
+                                          </p:val>
+                                        </p:tav>
+                                      </p:tavLst>
+                                    </p:anim>
+                                  </p:childTnLst>
+                                </p:cTn>
+                              </p:par>
+                            </p:childTnLst>
+                          </p:cTn>
+                        </p:par>
+                      </p:childTnLst>
+                    </p:cTn>
+                  </p:par>
+                </p:childTnLst>
+              </p:cTn>
               <p:prevCondLst>
                 <p:cond delay="0" evt="onPrev">
                   <p:tgtEl>
@@ -6498,7 +8542,7 @@
         <p:spPr>
           <a:xfrm>
             <a:off x="1258200" y="-93600"/>
-            <a:ext cx="7886160" cy="1324800"/>
+            <a:ext cx="7885440" cy="1324080"/>
           </a:xfrm>
           <a:prstGeom prst="rect">
             <a:avLst/>
@@ -6530,6 +8574,7 @@
                   <a:srgbClr val="000000"/>
                 </a:solidFill>
                 <a:latin typeface="Arial"/>
+                <a:ea typeface="DejaVu Sans"/>
               </a:rPr>
               <a:t>Evolution of JavaScript and Web Development</a:t>
             </a:r>
@@ -6548,7 +8593,7 @@
         <p:spPr>
           <a:xfrm>
             <a:off x="6458040" y="6356520"/>
-            <a:ext cx="2056680" cy="364320"/>
+            <a:ext cx="2055960" cy="363600"/>
           </a:xfrm>
           <a:prstGeom prst="rect">
             <a:avLst/>
@@ -6572,12 +8617,13 @@
                 <a:spcPct val="100000"/>
               </a:lnSpc>
             </a:pPr>
-            <a:fld id="{02B4C298-B5E7-4099-9F38-EA99A99379E2}" type="slidenum">
+            <a:fld id="{C1F07523-2BDE-499B-8671-2698494371FA}" type="slidenum">
               <a:rPr b="0" lang="en-IE" sz="900" spc="-1" strike="noStrike">
                 <a:solidFill>
                   <a:srgbClr val="8b8b8b"/>
                 </a:solidFill>
                 <a:latin typeface="Arial"/>
+                <a:ea typeface="DejaVu Sans"/>
               </a:rPr>
               <a:t>1</a:t>
             </a:fld>
@@ -6596,7 +8642,7 @@
         <p:spPr>
           <a:xfrm>
             <a:off x="1866240" y="5899320"/>
-            <a:ext cx="5333400" cy="364320"/>
+            <a:ext cx="5332680" cy="363600"/>
           </a:xfrm>
           <a:prstGeom prst="rect">
             <a:avLst/>
@@ -6651,7 +8697,7 @@
         <p:spPr>
           <a:xfrm>
             <a:off x="864000" y="1069560"/>
-            <a:ext cx="7570080" cy="4114080"/>
+            <a:ext cx="7569360" cy="4113360"/>
           </a:xfrm>
           <a:prstGeom prst="rect">
             <a:avLst/>
@@ -6674,7 +8720,7 @@
         <p:spPr>
           <a:xfrm>
             <a:off x="3600000" y="4176000"/>
-            <a:ext cx="2159640" cy="1016640"/>
+            <a:ext cx="2158920" cy="1015920"/>
           </a:xfrm>
           <a:prstGeom prst="rect">
             <a:avLst/>
@@ -6742,7 +8788,7 @@
         <p:spPr>
           <a:xfrm>
             <a:off x="753480" y="-29160"/>
-            <a:ext cx="7886160" cy="1324800"/>
+            <a:ext cx="7885440" cy="1324080"/>
           </a:xfrm>
           <a:prstGeom prst="rect">
             <a:avLst/>
@@ -6772,6 +8818,7 @@
                   <a:srgbClr val="000000"/>
                 </a:solidFill>
                 <a:latin typeface="Arial"/>
+                <a:ea typeface="DejaVu Sans"/>
               </a:rPr>
               <a:t>Timeline recap</a:t>
             </a:r>
@@ -6790,7 +8837,7 @@
         <p:spPr>
           <a:xfrm>
             <a:off x="6458040" y="6356520"/>
-            <a:ext cx="2056680" cy="364320"/>
+            <a:ext cx="2055960" cy="363600"/>
           </a:xfrm>
           <a:prstGeom prst="rect">
             <a:avLst/>
@@ -6814,12 +8861,13 @@
                 <a:spcPct val="100000"/>
               </a:lnSpc>
             </a:pPr>
-            <a:fld id="{3B0C3489-F806-4D5C-BEF4-5C9443636E05}" type="slidenum">
+            <a:fld id="{62A46BD4-C139-436A-A8DD-B21720505BDB}" type="slidenum">
               <a:rPr b="0" lang="en-IE" sz="900" spc="-1" strike="noStrike">
                 <a:solidFill>
                   <a:srgbClr val="8b8b8b"/>
                 </a:solidFill>
                 <a:latin typeface="Arial"/>
+                <a:ea typeface="DejaVu Sans"/>
               </a:rPr>
               <a:t>1</a:t>
             </a:fld>
@@ -6838,7 +8886,7 @@
         <p:spPr>
           <a:xfrm>
             <a:off x="556200" y="1230840"/>
-            <a:ext cx="7579440" cy="4816800"/>
+            <a:ext cx="7578720" cy="4816080"/>
           </a:xfrm>
           <a:prstGeom prst="rect">
             <a:avLst/>
@@ -6861,16 +8909,27 @@
               <a:lnSpc>
                 <a:spcPct val="100000"/>
               </a:lnSpc>
+              <a:spcBef>
+                <a:spcPts val="1984"/>
+              </a:spcBef>
             </a:pPr>
             <a:r>
               <a:rPr b="0" lang="en-IE" sz="1600" spc="-1" strike="noStrike">
-                <a:latin typeface="Arial"/>
+                <a:solidFill>
+                  <a:srgbClr val="000000"/>
+                </a:solidFill>
+                <a:latin typeface="Arial"/>
+                <a:ea typeface="DejaVu Sans"/>
               </a:rPr>
               <a:t>1990 - 1995: </a:t>
             </a:r>
             <a:r>
               <a:rPr b="1" lang="en-IE" sz="1600" spc="-1" strike="noStrike">
-                <a:latin typeface="Arial"/>
+                <a:solidFill>
+                  <a:srgbClr val="000000"/>
+                </a:solidFill>
+                <a:latin typeface="Arial"/>
+                <a:ea typeface="DejaVu Sans"/>
               </a:rPr>
               <a:t>HTML, CSS and JavaScript are invented</a:t>
             </a:r>
@@ -6883,22 +8942,37 @@
               <a:lnSpc>
                 <a:spcPct val="100000"/>
               </a:lnSpc>
+              <a:spcBef>
+                <a:spcPts val="1984"/>
+              </a:spcBef>
             </a:pPr>
             <a:r>
               <a:rPr b="0" lang="en-IE" sz="1600" spc="-1" strike="noStrike">
-                <a:latin typeface="Arial"/>
+                <a:solidFill>
+                  <a:srgbClr val="000000"/>
+                </a:solidFill>
+                <a:latin typeface="Arial"/>
+                <a:ea typeface="DejaVu Sans"/>
               </a:rPr>
               <a:t>1996 - 1999: Standardization efforts begin. Browser compliance is terrible. </a:t>
             </a:r>
             <a:r>
               <a:rPr b="1" lang="en-IE" sz="1600" spc="-1" strike="noStrike">
-                <a:latin typeface="Arial"/>
+                <a:solidFill>
+                  <a:srgbClr val="000000"/>
+                </a:solidFill>
+                <a:latin typeface="Arial"/>
+                <a:ea typeface="DejaVu Sans"/>
               </a:rPr>
               <a:t>Browser wars</a:t>
             </a:r>
             <a:r>
               <a:rPr b="0" lang="en-IE" sz="1600" spc="-1" strike="noStrike">
-                <a:latin typeface="Arial"/>
+                <a:solidFill>
+                  <a:srgbClr val="000000"/>
+                </a:solidFill>
+                <a:latin typeface="Arial"/>
+                <a:ea typeface="DejaVu Sans"/>
               </a:rPr>
               <a:t> ignite.</a:t>
             </a:r>
@@ -6911,34 +8985,57 @@
               <a:lnSpc>
                 <a:spcPct val="100000"/>
               </a:lnSpc>
+              <a:spcBef>
+                <a:spcPts val="1984"/>
+              </a:spcBef>
             </a:pPr>
             <a:r>
               <a:rPr b="0" lang="en-IE" sz="1600" spc="-1" strike="noStrike">
-                <a:latin typeface="Arial"/>
+                <a:solidFill>
+                  <a:srgbClr val="000000"/>
+                </a:solidFill>
+                <a:latin typeface="Arial"/>
+                <a:ea typeface="DejaVu Sans"/>
               </a:rPr>
               <a:t>2000 - 2004: </a:t>
             </a:r>
             <a:r>
               <a:rPr b="1" lang="en-IE" sz="1600" spc="-1" strike="noStrike">
-                <a:latin typeface="Arial"/>
+                <a:solidFill>
+                  <a:srgbClr val="000000"/>
+                </a:solidFill>
+                <a:latin typeface="Arial"/>
+                <a:ea typeface="DejaVu Sans"/>
               </a:rPr>
               <a:t>CSS frameworks</a:t>
             </a:r>
             <a:r>
               <a:rPr b="0" lang="en-IE" sz="1600" spc="-1" strike="noStrike">
-                <a:latin typeface="Arial"/>
+                <a:solidFill>
+                  <a:srgbClr val="000000"/>
+                </a:solidFill>
+                <a:latin typeface="Arial"/>
+                <a:ea typeface="DejaVu Sans"/>
               </a:rPr>
               <a:t> begin to emerge. </a:t>
             </a:r>
             <a:r>
               <a:rPr b="1" lang="en-IE" sz="1600" spc="-1" strike="noStrike">
-                <a:latin typeface="Arial"/>
+                <a:solidFill>
+                  <a:srgbClr val="000000"/>
+                </a:solidFill>
+                <a:latin typeface="Arial"/>
+                <a:ea typeface="DejaVu Sans"/>
               </a:rPr>
               <a:t>jQuery is born</a:t>
             </a:r>
             <a:r>
               <a:rPr b="0" lang="en-IE" sz="1600" spc="-1" strike="noStrike">
-                <a:latin typeface="Arial"/>
+                <a:solidFill>
+                  <a:srgbClr val="000000"/>
+                </a:solidFill>
+                <a:latin typeface="Arial"/>
+                <a:ea typeface="DejaVu Sans"/>
               </a:rPr>
               <a:t>. Frontend package management.</a:t>
             </a:r>
@@ -6951,22 +9048,37 @@
               <a:lnSpc>
                 <a:spcPct val="100000"/>
               </a:lnSpc>
+              <a:spcBef>
+                <a:spcPts val="1984"/>
+              </a:spcBef>
             </a:pPr>
             <a:r>
               <a:rPr b="0" lang="en-IE" sz="1600" spc="-1" strike="noStrike">
-                <a:latin typeface="Arial"/>
+                <a:solidFill>
+                  <a:srgbClr val="000000"/>
+                </a:solidFill>
+                <a:latin typeface="Arial"/>
+                <a:ea typeface="DejaVu Sans"/>
               </a:rPr>
               <a:t>2005 - 2009: W3C specification compliance is met. Chrome browser takes the lead. </a:t>
             </a:r>
             <a:r>
               <a:rPr b="1" lang="en-IE" sz="1600" spc="-1" strike="noStrike">
-                <a:latin typeface="Arial"/>
+                <a:solidFill>
+                  <a:srgbClr val="000000"/>
+                </a:solidFill>
+                <a:latin typeface="Arial"/>
+                <a:ea typeface="DejaVu Sans"/>
               </a:rPr>
               <a:t>Responsive designs and frameworks</a:t>
             </a:r>
             <a:r>
               <a:rPr b="0" lang="en-IE" sz="1600" spc="-1" strike="noStrike">
-                <a:latin typeface="Arial"/>
+                <a:solidFill>
+                  <a:srgbClr val="000000"/>
+                </a:solidFill>
+                <a:latin typeface="Arial"/>
+                <a:ea typeface="DejaVu Sans"/>
               </a:rPr>
               <a:t> are introduced.</a:t>
             </a:r>
@@ -6979,22 +9091,37 @@
               <a:lnSpc>
                 <a:spcPct val="100000"/>
               </a:lnSpc>
+              <a:spcBef>
+                <a:spcPts val="1984"/>
+              </a:spcBef>
             </a:pPr>
             <a:r>
               <a:rPr b="0" lang="en-IE" sz="1600" spc="-1" strike="noStrike">
-                <a:latin typeface="Arial"/>
+                <a:solidFill>
+                  <a:srgbClr val="000000"/>
+                </a:solidFill>
+                <a:latin typeface="Arial"/>
+                <a:ea typeface="DejaVu Sans"/>
               </a:rPr>
               <a:t>2010 - 2015: </a:t>
             </a:r>
             <a:r>
               <a:rPr b="1" lang="en-IE" sz="1600" spc="-1" strike="noStrike">
-                <a:latin typeface="Arial"/>
+                <a:solidFill>
+                  <a:srgbClr val="000000"/>
+                </a:solidFill>
+                <a:latin typeface="Arial"/>
+                <a:ea typeface="DejaVu Sans"/>
               </a:rPr>
               <a:t>JavaScript Frameworks are born</a:t>
             </a:r>
             <a:r>
               <a:rPr b="0" lang="en-IE" sz="1600" spc="-1" strike="noStrike">
-                <a:latin typeface="Arial"/>
+                <a:solidFill>
+                  <a:srgbClr val="000000"/>
+                </a:solidFill>
+                <a:latin typeface="Arial"/>
+                <a:ea typeface="DejaVu Sans"/>
               </a:rPr>
               <a:t> i.e. Backbone, Ember, AngularJS, React, Angular, Vue. HTML5 is announced.</a:t>
             </a:r>
@@ -7007,22 +9134,37 @@
               <a:lnSpc>
                 <a:spcPct val="100000"/>
               </a:lnSpc>
+              <a:spcBef>
+                <a:spcPts val="1984"/>
+              </a:spcBef>
             </a:pPr>
             <a:r>
               <a:rPr b="0" lang="en-IE" sz="1600" spc="-1" strike="noStrike">
-                <a:latin typeface="Arial"/>
+                <a:solidFill>
+                  <a:srgbClr val="000000"/>
+                </a:solidFill>
+                <a:latin typeface="Arial"/>
+                <a:ea typeface="DejaVu Sans"/>
               </a:rPr>
               <a:t>2016 - 2018: GraphQL emerges. Native HTML, CSS &amp; JavaScript become more powerful. </a:t>
             </a:r>
             <a:r>
               <a:rPr b="1" lang="en-IE" sz="1600" spc="-1" strike="noStrike">
-                <a:latin typeface="Arial"/>
+                <a:solidFill>
+                  <a:srgbClr val="000000"/>
+                </a:solidFill>
+                <a:latin typeface="Arial"/>
+                <a:ea typeface="DejaVu Sans"/>
               </a:rPr>
               <a:t>New platforms built on-top existing JavaScript frameworks</a:t>
             </a:r>
             <a:r>
               <a:rPr b="0" lang="en-IE" sz="1600" spc="-1" strike="noStrike">
-                <a:latin typeface="Arial"/>
+                <a:solidFill>
+                  <a:srgbClr val="000000"/>
+                </a:solidFill>
+                <a:latin typeface="Arial"/>
+                <a:ea typeface="DejaVu Sans"/>
               </a:rPr>
               <a:t> emerge: StoryBook, Motion UI, Gatsby, Next.js.</a:t>
             </a:r>
@@ -7100,7 +9242,7 @@
         <p:spPr>
           <a:xfrm>
             <a:off x="1008000" y="2160000"/>
-            <a:ext cx="7886160" cy="1324800"/>
+            <a:ext cx="7885440" cy="1324080"/>
           </a:xfrm>
           <a:prstGeom prst="rect">
             <a:avLst/>
@@ -7125,15 +9267,16 @@
               </a:lnSpc>
             </a:pPr>
             <a:r>
-              <a:rPr b="0" lang="en-IE" sz="2200" spc="-1" strike="noStrike">
-                <a:solidFill>
-                  <a:srgbClr val="000000"/>
-                </a:solidFill>
-                <a:latin typeface="Arial"/>
+              <a:rPr b="1" lang="en-IE" sz="2200" spc="-1" strike="noStrike">
+                <a:solidFill>
+                  <a:srgbClr val="000000"/>
+                </a:solidFill>
+                <a:latin typeface="Arial"/>
+                <a:ea typeface="DejaVu Sans"/>
               </a:rPr>
               <a:t>REALITY</a:t>
             </a:r>
-            <a:endParaRPr b="0" lang="en-IE" sz="2200" spc="-1" strike="noStrike">
+            <a:endParaRPr b="1" lang="en-IE" sz="2200" spc="-1" strike="noStrike">
               <a:latin typeface="Arial"/>
             </a:endParaRPr>
           </a:p>
@@ -7148,7 +9291,7 @@
         <p:spPr>
           <a:xfrm>
             <a:off x="6458040" y="6356520"/>
-            <a:ext cx="2056680" cy="364320"/>
+            <a:ext cx="2055960" cy="363600"/>
           </a:xfrm>
           <a:prstGeom prst="rect">
             <a:avLst/>
@@ -7172,12 +9315,13 @@
                 <a:spcPct val="100000"/>
               </a:lnSpc>
             </a:pPr>
-            <a:fld id="{BAC75278-B834-47D4-99C1-83F46D08A634}" type="slidenum">
+            <a:fld id="{31C63576-A33B-4BD3-9B10-2554EE5B5EB2}" type="slidenum">
               <a:rPr b="0" lang="en-IE" sz="900" spc="-1" strike="noStrike">
                 <a:solidFill>
                   <a:srgbClr val="8b8b8b"/>
                 </a:solidFill>
                 <a:latin typeface="Arial"/>
+                <a:ea typeface="DejaVu Sans"/>
               </a:rPr>
               <a:t>1</a:t>
             </a:fld>
@@ -7200,7 +9344,7 @@
         <p:spPr>
           <a:xfrm>
             <a:off x="432000" y="0"/>
-            <a:ext cx="8571600" cy="6857280"/>
+            <a:ext cx="8570880" cy="6856560"/>
           </a:xfrm>
           <a:prstGeom prst="rect">
             <a:avLst/>
@@ -7218,7 +9362,101 @@
         <p:cTn id="9" dur="indefinite" restart="never" nodeType="tmRoot">
           <p:childTnLst>
             <p:seq>
-              <p:cTn id="10" dur="indefinite" nodeType="mainSeq"/>
+              <p:cTn id="10" dur="indefinite" nodeType="mainSeq">
+                <p:childTnLst>
+                  <p:par>
+                    <p:cTn id="11" fill="hold">
+                      <p:stCondLst>
+                        <p:cond delay="indefinite"/>
+                      </p:stCondLst>
+                      <p:childTnLst>
+                        <p:par>
+                          <p:cTn id="12" fill="hold">
+                            <p:stCondLst>
+                              <p:cond delay="0"/>
+                            </p:stCondLst>
+                            <p:childTnLst>
+                              <p:par>
+                                <p:cTn id="13" nodeType="clickEffect" fill="hold" presetClass="entr" presetID="2" presetSubtype="4">
+                                  <p:stCondLst>
+                                    <p:cond delay="0"/>
+                                  </p:stCondLst>
+                                  <p:childTnLst>
+                                    <p:set>
+                                      <p:cBhvr>
+                                        <p:cTn id="14" dur="1" fill="hold">
+                                          <p:stCondLst>
+                                            <p:cond delay="0"/>
+                                          </p:stCondLst>
+                                        </p:cTn>
+                                        <p:tgtEl>
+                                          <p:spTgt spid="59"/>
+                                        </p:tgtEl>
+                                        <p:attrNameLst>
+                                          <p:attrName>style.visibility</p:attrName>
+                                        </p:attrNameLst>
+                                      </p:cBhvr>
+                                      <p:to>
+                                        <p:strVal val="visible"/>
+                                      </p:to>
+                                    </p:set>
+                                    <p:anim calcmode="lin" valueType="num">
+                                      <p:cBhvr additive="repl">
+                                        <p:cTn id="15" dur="500" fill="hold"/>
+                                        <p:tgtEl>
+                                          <p:spTgt spid="59"/>
+                                        </p:tgtEl>
+                                        <p:attrNameLst>
+                                          <p:attrName>ppt_x</p:attrName>
+                                        </p:attrNameLst>
+                                      </p:cBhvr>
+                                      <p:tavLst>
+                                        <p:tav tm="0">
+                                          <p:val>
+                                            <p:strVal val="#ppt_x"/>
+                                          </p:val>
+                                        </p:tav>
+                                        <p:tav tm="100000">
+                                          <p:val>
+                                            <p:strVal val="#ppt_x"/>
+                                          </p:val>
+                                        </p:tav>
+                                      </p:tavLst>
+                                    </p:anim>
+                                    <p:anim calcmode="lin" valueType="num">
+                                      <p:cBhvr additive="repl">
+                                        <p:cTn id="16" dur="500" fill="hold"/>
+                                        <p:tgtEl>
+                                          <p:spTgt spid="59"/>
+                                        </p:tgtEl>
+                                        <p:attrNameLst>
+                                          <p:attrName>ppt_y</p:attrName>
+                                        </p:attrNameLst>
+                                      </p:cBhvr>
+                                      <p:tavLst>
+                                        <p:tav tm="0">
+                                          <p:val>
+                                            <p:strVal val="1+#ppt_h/2"/>
+                                          </p:val>
+                                        </p:tav>
+                                        <p:tav tm="100000">
+                                          <p:val>
+                                            <p:strVal val="#ppt_y"/>
+                                          </p:val>
+                                        </p:tav>
+                                      </p:tavLst>
+                                    </p:anim>
+                                  </p:childTnLst>
+                                </p:cTn>
+                              </p:par>
+                            </p:childTnLst>
+                          </p:cTn>
+                        </p:par>
+                      </p:childTnLst>
+                    </p:cTn>
+                  </p:par>
+                </p:childTnLst>
+              </p:cTn>
               <p:prevCondLst>
                 <p:cond delay="0" evt="onPrev">
                   <p:tgtEl>
@@ -7268,7 +9506,7 @@
         <p:spPr>
           <a:xfrm>
             <a:off x="2985480" y="-29160"/>
-            <a:ext cx="7886160" cy="1324800"/>
+            <a:ext cx="7885440" cy="1324080"/>
           </a:xfrm>
           <a:prstGeom prst="rect">
             <a:avLst/>
@@ -7298,6 +9536,7 @@
                   <a:srgbClr val="000000"/>
                 </a:solidFill>
                 <a:latin typeface="Arial"/>
+                <a:ea typeface="DejaVu Sans"/>
               </a:rPr>
               <a:t>Before start a Project</a:t>
             </a:r>
@@ -7316,7 +9555,7 @@
         <p:spPr>
           <a:xfrm>
             <a:off x="360000" y="1540080"/>
-            <a:ext cx="8762400" cy="4723560"/>
+            <a:ext cx="8761680" cy="4722840"/>
           </a:xfrm>
           <a:prstGeom prst="rect">
             <a:avLst/>
@@ -7337,12 +9576,12 @@
             <a:normAutofit/>
           </a:bodyPr>
           <a:p>
-            <a:pPr marL="171360" indent="-170640">
+            <a:pPr marL="171360" indent="-169920">
               <a:lnSpc>
                 <a:spcPct val="90000"/>
               </a:lnSpc>
               <a:spcBef>
-                <a:spcPts val="751"/>
+                <a:spcPts val="1134"/>
               </a:spcBef>
               <a:buClr>
                 <a:srgbClr val="000000"/>
@@ -7356,6 +9595,7 @@
                   <a:srgbClr val="000000"/>
                 </a:solidFill>
                 <a:latin typeface="Arial"/>
+                <a:ea typeface="DejaVu Sans"/>
               </a:rPr>
               <a:t>The list of choices is </a:t>
             </a:r>
@@ -7365,6 +9605,7 @@
                   <a:srgbClr val="000000"/>
                 </a:solidFill>
                 <a:latin typeface="Arial"/>
+                <a:ea typeface="DejaVu Sans"/>
               </a:rPr>
               <a:t>LONG</a:t>
             </a:r>
@@ -7373,12 +9614,12 @@
             </a:endParaRPr>
           </a:p>
           <a:p>
-            <a:pPr marL="171360" indent="-170640">
+            <a:pPr marL="171360" indent="-169920">
               <a:lnSpc>
                 <a:spcPct val="90000"/>
               </a:lnSpc>
               <a:spcBef>
-                <a:spcPts val="751"/>
+                <a:spcPts val="1134"/>
               </a:spcBef>
               <a:buClr>
                 <a:srgbClr val="000000"/>
@@ -7392,6 +9633,7 @@
                   <a:srgbClr val="000000"/>
                 </a:solidFill>
                 <a:latin typeface="Arial"/>
+                <a:ea typeface="DejaVu Sans"/>
               </a:rPr>
               <a:t>The list is </a:t>
             </a:r>
@@ -7401,6 +9643,7 @@
                   <a:srgbClr val="000000"/>
                 </a:solidFill>
                 <a:latin typeface="Arial"/>
+                <a:ea typeface="DejaVu Sans"/>
               </a:rPr>
               <a:t>COMPLEX</a:t>
             </a:r>
@@ -7409,12 +9652,12 @@
             </a:endParaRPr>
           </a:p>
           <a:p>
-            <a:pPr marL="171360" indent="-170640">
+            <a:pPr marL="171360" indent="-169920">
               <a:lnSpc>
                 <a:spcPct val="90000"/>
               </a:lnSpc>
               <a:spcBef>
-                <a:spcPts val="751"/>
+                <a:spcPts val="1134"/>
               </a:spcBef>
               <a:buClr>
                 <a:srgbClr val="000000"/>
@@ -7428,6 +9671,7 @@
                   <a:srgbClr val="000000"/>
                 </a:solidFill>
                 <a:latin typeface="Arial"/>
+                <a:ea typeface="DejaVu Sans"/>
               </a:rPr>
               <a:t>Is hard to Start from scratch</a:t>
             </a:r>
@@ -7436,12 +9680,12 @@
             </a:endParaRPr>
           </a:p>
           <a:p>
-            <a:pPr marL="171360" indent="-170640">
+            <a:pPr marL="171360" indent="-169920">
               <a:lnSpc>
                 <a:spcPct val="90000"/>
               </a:lnSpc>
               <a:spcBef>
-                <a:spcPts val="751"/>
+                <a:spcPts val="1134"/>
               </a:spcBef>
               <a:buClr>
                 <a:srgbClr val="000000"/>
@@ -7455,6 +9699,7 @@
                   <a:srgbClr val="000000"/>
                 </a:solidFill>
                 <a:latin typeface="Arial"/>
+                <a:ea typeface="DejaVu Sans"/>
               </a:rPr>
               <a:t>Developers with less experience have a hard time at the </a:t>
             </a:r>
@@ -7464,6 +9709,7 @@
                   <a:srgbClr val="000000"/>
                 </a:solidFill>
                 <a:latin typeface="Arial"/>
+                <a:ea typeface="DejaVu Sans"/>
               </a:rPr>
               <a:t>beginning</a:t>
             </a:r>
@@ -7472,12 +9718,12 @@
             </a:endParaRPr>
           </a:p>
           <a:p>
-            <a:pPr marL="171360" indent="-170640">
+            <a:pPr marL="171360" indent="-169920">
               <a:lnSpc>
                 <a:spcPct val="90000"/>
               </a:lnSpc>
               <a:spcBef>
-                <a:spcPts val="751"/>
+                <a:spcPts val="1134"/>
               </a:spcBef>
               <a:buClr>
                 <a:srgbClr val="000000"/>
@@ -7491,6 +9737,7 @@
                   <a:srgbClr val="000000"/>
                 </a:solidFill>
                 <a:latin typeface="Arial"/>
+                <a:ea typeface="DejaVu Sans"/>
               </a:rPr>
               <a:t>Designers </a:t>
             </a:r>
@@ -7500,6 +9747,7 @@
                   <a:srgbClr val="000000"/>
                 </a:solidFill>
                 <a:latin typeface="Arial"/>
+                <a:ea typeface="DejaVu Sans"/>
               </a:rPr>
               <a:t>are not</a:t>
             </a:r>
@@ -7509,6 +9757,7 @@
                   <a:srgbClr val="000000"/>
                 </a:solidFill>
                 <a:latin typeface="Arial"/>
+                <a:ea typeface="DejaVu Sans"/>
               </a:rPr>
               <a:t> developers, in principle</a:t>
             </a:r>
@@ -7517,12 +9766,12 @@
             </a:endParaRPr>
           </a:p>
           <a:p>
-            <a:pPr marL="171360" indent="-170640">
+            <a:pPr marL="171360" indent="-169920">
               <a:lnSpc>
                 <a:spcPct val="90000"/>
               </a:lnSpc>
               <a:spcBef>
-                <a:spcPts val="751"/>
+                <a:spcPts val="1134"/>
               </a:spcBef>
               <a:buClr>
                 <a:srgbClr val="000000"/>
@@ -7536,6 +9785,7 @@
                   <a:srgbClr val="000000"/>
                 </a:solidFill>
                 <a:latin typeface="Arial"/>
+                <a:ea typeface="DejaVu Sans"/>
               </a:rPr>
               <a:t>The team needs to think about a </a:t>
             </a:r>
@@ -7545,6 +9795,7 @@
                   <a:srgbClr val="000000"/>
                 </a:solidFill>
                 <a:latin typeface="Arial"/>
+                <a:ea typeface="DejaVu Sans"/>
               </a:rPr>
               <a:t>good design</a:t>
             </a:r>
@@ -7554,6 +9805,7 @@
                   <a:srgbClr val="000000"/>
                 </a:solidFill>
                 <a:latin typeface="Arial"/>
+                <a:ea typeface="DejaVu Sans"/>
               </a:rPr>
               <a:t> before starting to develop</a:t>
             </a:r>
@@ -7562,12 +9814,12 @@
             </a:endParaRPr>
           </a:p>
           <a:p>
-            <a:pPr marL="171360" indent="-170640">
+            <a:pPr marL="171360" indent="-169920">
               <a:lnSpc>
                 <a:spcPct val="90000"/>
               </a:lnSpc>
               <a:spcBef>
-                <a:spcPts val="751"/>
+                <a:spcPts val="1134"/>
               </a:spcBef>
               <a:buClr>
                 <a:srgbClr val="000000"/>
@@ -7581,6 +9833,7 @@
                   <a:srgbClr val="000000"/>
                 </a:solidFill>
                 <a:latin typeface="Arial"/>
+                <a:ea typeface="DejaVu Sans"/>
               </a:rPr>
               <a:t>The team have to go in the same </a:t>
             </a:r>
@@ -7590,6 +9843,7 @@
                   <a:srgbClr val="000000"/>
                 </a:solidFill>
                 <a:latin typeface="Arial"/>
+                <a:ea typeface="DejaVu Sans"/>
               </a:rPr>
               <a:t>direction</a:t>
             </a:r>
@@ -7630,10 +9884,10 @@
   <p:timing>
     <p:tnLst>
       <p:par>
-        <p:cTn id="11" dur="indefinite" restart="never" nodeType="tmRoot">
+        <p:cTn id="17" dur="indefinite" restart="never" nodeType="tmRoot">
           <p:childTnLst>
             <p:seq>
-              <p:cTn id="12" dur="indefinite" nodeType="mainSeq"/>
+              <p:cTn id="18" dur="indefinite" nodeType="mainSeq"/>
               <p:prevCondLst>
                 <p:cond delay="0" evt="onPrev">
                   <p:tgtEl>
@@ -7683,7 +9937,7 @@
         <p:spPr>
           <a:xfrm>
             <a:off x="825480" y="1728000"/>
-            <a:ext cx="7886160" cy="1324800"/>
+            <a:ext cx="7885440" cy="1324080"/>
           </a:xfrm>
           <a:prstGeom prst="rect">
             <a:avLst/>
@@ -7713,6 +9967,7 @@
                   <a:srgbClr val="000000"/>
                 </a:solidFill>
                 <a:latin typeface="Arial"/>
+                <a:ea typeface="DejaVu Sans"/>
               </a:rPr>
               <a:t>Tools for have a better experience in Software Development</a:t>
             </a:r>
@@ -7731,7 +9986,7 @@
         <p:spPr>
           <a:xfrm>
             <a:off x="936000" y="4954320"/>
-            <a:ext cx="7693200" cy="857880"/>
+            <a:ext cx="7692480" cy="857160"/>
           </a:xfrm>
           <a:prstGeom prst="rect">
             <a:avLst/>
@@ -7757,7 +10012,11 @@
             </a:pPr>
             <a:r>
               <a:rPr b="0" lang="en-IE" sz="1800" spc="-1" strike="noStrike">
-                <a:latin typeface="Arial"/>
+                <a:solidFill>
+                  <a:srgbClr val="000000"/>
+                </a:solidFill>
+                <a:latin typeface="Arial"/>
+                <a:ea typeface="DejaVu Sans"/>
               </a:rPr>
               <a:t>People of IT in WDNA: </a:t>
             </a:r>
@@ -7783,43 +10042,71 @@
             </a:pPr>
             <a:r>
               <a:rPr b="0" lang="en-IE" sz="1800" spc="-1" strike="noStrike">
-                <a:latin typeface="Arial"/>
+                <a:solidFill>
+                  <a:srgbClr val="000000"/>
+                </a:solidFill>
+                <a:latin typeface="Arial"/>
+                <a:ea typeface="DejaVu Sans"/>
               </a:rPr>
               <a:t>	</a:t>
             </a:r>
             <a:r>
               <a:rPr b="0" lang="en-IE" sz="1800" spc="-1" strike="noStrike">
-                <a:latin typeface="Arial"/>
+                <a:solidFill>
+                  <a:srgbClr val="000000"/>
+                </a:solidFill>
+                <a:latin typeface="Arial"/>
+                <a:ea typeface="DejaVu Sans"/>
               </a:rPr>
               <a:t>	</a:t>
             </a:r>
             <a:r>
               <a:rPr b="0" lang="en-IE" sz="1800" spc="-1" strike="noStrike">
-                <a:latin typeface="Arial"/>
+                <a:solidFill>
+                  <a:srgbClr val="000000"/>
+                </a:solidFill>
+                <a:latin typeface="Arial"/>
+                <a:ea typeface="DejaVu Sans"/>
               </a:rPr>
               <a:t>	</a:t>
             </a:r>
             <a:r>
               <a:rPr b="0" lang="en-IE" sz="1800" spc="-1" strike="noStrike">
-                <a:latin typeface="Arial"/>
+                <a:solidFill>
+                  <a:srgbClr val="000000"/>
+                </a:solidFill>
+                <a:latin typeface="Arial"/>
+                <a:ea typeface="DejaVu Sans"/>
               </a:rPr>
               <a:t>	</a:t>
             </a:r>
             <a:r>
               <a:rPr b="0" lang="en-IE" sz="1800" spc="-1" strike="noStrike">
-                <a:latin typeface="Arial"/>
+                <a:solidFill>
+                  <a:srgbClr val="000000"/>
+                </a:solidFill>
+                <a:latin typeface="Arial"/>
+                <a:ea typeface="DejaVu Sans"/>
               </a:rPr>
               <a:t>	</a:t>
             </a:r>
             <a:r>
               <a:rPr b="0" lang="en-IE" sz="1800" spc="-1" strike="noStrike">
-                <a:latin typeface="Arial"/>
+                <a:solidFill>
+                  <a:srgbClr val="000000"/>
+                </a:solidFill>
+                <a:latin typeface="Arial"/>
+                <a:ea typeface="DejaVu Sans"/>
               </a:rPr>
               <a:t>	</a:t>
             </a:r>
             <a:r>
               <a:rPr b="0" lang="en-IE" sz="1800" spc="-1" strike="noStrike">
-                <a:latin typeface="Arial"/>
+                <a:solidFill>
+                  <a:srgbClr val="000000"/>
+                </a:solidFill>
+                <a:latin typeface="Arial"/>
+                <a:ea typeface="DejaVu Sans"/>
               </a:rPr>
               <a:t>...we are Software Engineers most of the time...</a:t>
             </a:r>
@@ -7834,10 +10121,10 @@
   <p:timing>
     <p:tnLst>
       <p:par>
-        <p:cTn id="13" dur="indefinite" restart="never" nodeType="tmRoot">
+        <p:cTn id="19" dur="indefinite" restart="never" nodeType="tmRoot">
           <p:childTnLst>
             <p:seq>
-              <p:cTn id="14" dur="indefinite" nodeType="mainSeq"/>
+              <p:cTn id="20" dur="indefinite" nodeType="mainSeq"/>
               <p:prevCondLst>
                 <p:cond delay="0" evt="onPrev">
                   <p:tgtEl>
@@ -7887,7 +10174,7 @@
         <p:spPr>
           <a:xfrm>
             <a:off x="628560" y="365040"/>
-            <a:ext cx="7886160" cy="1324800"/>
+            <a:ext cx="7885440" cy="1324080"/>
           </a:xfrm>
           <a:prstGeom prst="rect">
             <a:avLst/>
@@ -7917,6 +10204,7 @@
                   <a:srgbClr val="000000"/>
                 </a:solidFill>
                 <a:latin typeface="Arial"/>
+                <a:ea typeface="DejaVu Sans"/>
               </a:rPr>
               <a:t>We need a Starter Kit</a:t>
             </a:r>
@@ -7935,7 +10223,7 @@
         <p:spPr>
           <a:xfrm>
             <a:off x="6336000" y="1053720"/>
-            <a:ext cx="2807640" cy="601920"/>
+            <a:ext cx="2806920" cy="601200"/>
           </a:xfrm>
           <a:prstGeom prst="rect">
             <a:avLst/>
@@ -7961,7 +10249,11 @@
             </a:pPr>
             <a:r>
               <a:rPr b="0" lang="en-IE" sz="1800" spc="-1" strike="noStrike">
-                <a:latin typeface="Arial"/>
+                <a:solidFill>
+                  <a:srgbClr val="000000"/>
+                </a:solidFill>
+                <a:latin typeface="Arial"/>
+                <a:ea typeface="DejaVu Sans"/>
               </a:rPr>
               <a:t>Doctors have Starter Kit</a:t>
             </a:r>
@@ -7984,7 +10276,7 @@
         <p:spPr>
           <a:xfrm rot="21540000">
             <a:off x="7002720" y="1420200"/>
-            <a:ext cx="1132920" cy="2170080"/>
+            <a:ext cx="1132200" cy="2169360"/>
           </a:xfrm>
           <a:prstGeom prst="rect">
             <a:avLst/>
@@ -8007,7 +10299,7 @@
         <p:spPr>
           <a:xfrm>
             <a:off x="288000" y="1512000"/>
-            <a:ext cx="1900440" cy="3959640"/>
+            <a:ext cx="1899720" cy="3958920"/>
           </a:xfrm>
           <a:prstGeom prst="rect">
             <a:avLst/>
@@ -8030,7 +10322,7 @@
         <p:spPr>
           <a:xfrm>
             <a:off x="2402640" y="1512000"/>
-            <a:ext cx="3285000" cy="4378320"/>
+            <a:ext cx="3284280" cy="4377600"/>
           </a:xfrm>
           <a:prstGeom prst="rect">
             <a:avLst/>
@@ -8049,7 +10341,7 @@
         <p:spPr>
           <a:xfrm>
             <a:off x="4824000" y="6408000"/>
-            <a:ext cx="4139640" cy="345960"/>
+            <a:ext cx="4138920" cy="345240"/>
           </a:xfrm>
           <a:prstGeom prst="rect">
             <a:avLst/>
@@ -8075,7 +10367,11 @@
             </a:pPr>
             <a:r>
               <a:rPr b="0" lang="en-IE" sz="1800" spc="-1" strike="noStrike">
-                <a:latin typeface="Arial"/>
+                <a:solidFill>
+                  <a:srgbClr val="000000"/>
+                </a:solidFill>
+                <a:latin typeface="Arial"/>
+                <a:ea typeface="DejaVu Sans"/>
               </a:rPr>
               <a:t>Everything is not Entropy compatible....</a:t>
             </a:r>
@@ -8094,7 +10390,7 @@
         <p:spPr>
           <a:xfrm>
             <a:off x="288000" y="5544000"/>
-            <a:ext cx="2015640" cy="601920"/>
+            <a:ext cx="2014920" cy="601200"/>
           </a:xfrm>
           <a:prstGeom prst="rect">
             <a:avLst/>
@@ -8120,7 +10416,11 @@
             </a:pPr>
             <a:r>
               <a:rPr b="0" lang="en-IE" sz="1800" spc="-1" strike="noStrike">
-                <a:latin typeface="Arial"/>
+                <a:solidFill>
+                  <a:srgbClr val="000000"/>
+                </a:solidFill>
+                <a:latin typeface="Arial"/>
+                <a:ea typeface="DejaVu Sans"/>
               </a:rPr>
               <a:t>Folders structure</a:t>
             </a:r>
@@ -8139,7 +10439,7 @@
         <p:spPr>
           <a:xfrm>
             <a:off x="2959920" y="5917680"/>
-            <a:ext cx="2295720" cy="345960"/>
+            <a:ext cx="2295000" cy="345240"/>
           </a:xfrm>
           <a:prstGeom prst="rect">
             <a:avLst/>
@@ -8165,7 +10465,11 @@
             </a:pPr>
             <a:r>
               <a:rPr b="0" lang="en-IE" sz="1800" spc="-1" strike="noStrike">
-                <a:latin typeface="Arial"/>
+                <a:solidFill>
+                  <a:srgbClr val="000000"/>
+                </a:solidFill>
+                <a:latin typeface="Arial"/>
+                <a:ea typeface="DejaVu Sans"/>
               </a:rPr>
               <a:t>Initial Dependencies </a:t>
             </a:r>
@@ -8184,7 +10488,7 @@
         <p:spPr>
           <a:xfrm>
             <a:off x="6120000" y="3829680"/>
-            <a:ext cx="2004480" cy="345960"/>
+            <a:ext cx="2003760" cy="345240"/>
           </a:xfrm>
           <a:prstGeom prst="rect">
             <a:avLst/>
@@ -8210,7 +10514,11 @@
             </a:pPr>
             <a:r>
               <a:rPr b="0" lang="en-IE" sz="1800" spc="-1" strike="noStrike">
-                <a:latin typeface="Arial"/>
+                <a:solidFill>
+                  <a:srgbClr val="000000"/>
+                </a:solidFill>
+                <a:latin typeface="Arial"/>
+                <a:ea typeface="DejaVu Sans"/>
               </a:rPr>
               <a:t>Code conventions</a:t>
             </a:r>
@@ -8229,7 +10537,7 @@
         <p:spPr>
           <a:xfrm>
             <a:off x="6120000" y="4176000"/>
-            <a:ext cx="2461680" cy="601920"/>
+            <a:ext cx="2460960" cy="601200"/>
           </a:xfrm>
           <a:prstGeom prst="rect">
             <a:avLst/>
@@ -8255,7 +10563,11 @@
             </a:pPr>
             <a:r>
               <a:rPr b="0" lang="en-IE" sz="1800" spc="-1" strike="noStrike">
-                <a:latin typeface="Arial"/>
+                <a:solidFill>
+                  <a:srgbClr val="000000"/>
+                </a:solidFill>
+                <a:latin typeface="Arial"/>
+                <a:ea typeface="DejaVu Sans"/>
               </a:rPr>
               <a:t>Package Management</a:t>
             </a:r>
@@ -8284,7 +10596,7 @@
         <p:spPr>
           <a:xfrm>
             <a:off x="6120000" y="4491360"/>
-            <a:ext cx="1562760" cy="345960"/>
+            <a:ext cx="1562040" cy="345240"/>
           </a:xfrm>
           <a:prstGeom prst="rect">
             <a:avLst/>
@@ -8310,7 +10622,11 @@
             </a:pPr>
             <a:r>
               <a:rPr b="0" lang="en-IE" sz="1800" spc="-1" strike="noStrike">
-                <a:latin typeface="Arial"/>
+                <a:solidFill>
+                  <a:srgbClr val="000000"/>
+                </a:solidFill>
+                <a:latin typeface="Arial"/>
+                <a:ea typeface="DejaVu Sans"/>
               </a:rPr>
               <a:t>Optimizations</a:t>
             </a:r>
@@ -8329,7 +10645,7 @@
         <p:spPr>
           <a:xfrm>
             <a:off x="6120000" y="4778280"/>
-            <a:ext cx="2042640" cy="345960"/>
+            <a:ext cx="2041920" cy="345240"/>
           </a:xfrm>
           <a:prstGeom prst="rect">
             <a:avLst/>
@@ -8355,7 +10671,11 @@
             </a:pPr>
             <a:r>
               <a:rPr b="0" lang="en-IE" sz="1800" spc="-1" strike="noStrike">
-                <a:latin typeface="Arial"/>
+                <a:solidFill>
+                  <a:srgbClr val="000000"/>
+                </a:solidFill>
+                <a:latin typeface="Arial"/>
+                <a:ea typeface="DejaVu Sans"/>
               </a:rPr>
               <a:t>Common Libraries</a:t>
             </a:r>
@@ -8374,7 +10694,7 @@
         <p:spPr>
           <a:xfrm>
             <a:off x="6120000" y="5124600"/>
-            <a:ext cx="1369080" cy="345960"/>
+            <a:ext cx="1368360" cy="345240"/>
           </a:xfrm>
           <a:prstGeom prst="rect">
             <a:avLst/>
@@ -8400,7 +10720,11 @@
             </a:pPr>
             <a:r>
               <a:rPr b="0" lang="en-IE" sz="1800" spc="-1" strike="noStrike">
-                <a:latin typeface="Arial"/>
+                <a:solidFill>
+                  <a:srgbClr val="000000"/>
+                </a:solidFill>
+                <a:latin typeface="Arial"/>
+                <a:ea typeface="DejaVu Sans"/>
               </a:rPr>
               <a:t>Some Tests</a:t>
             </a:r>
@@ -8419,7 +10743,7 @@
         <p:spPr>
           <a:xfrm>
             <a:off x="6120000" y="5445720"/>
-            <a:ext cx="2419200" cy="601920"/>
+            <a:ext cx="2418480" cy="601200"/>
           </a:xfrm>
           <a:prstGeom prst="rect">
             <a:avLst/>
@@ -8445,7 +10769,11 @@
             </a:pPr>
             <a:r>
               <a:rPr b="0" lang="en-IE" sz="1800" spc="-1" strike="noStrike">
-                <a:latin typeface="Arial"/>
+                <a:solidFill>
+                  <a:srgbClr val="000000"/>
+                </a:solidFill>
+                <a:latin typeface="Arial"/>
+                <a:ea typeface="DejaVu Sans"/>
               </a:rPr>
               <a:t>Example Working App</a:t>
             </a:r>
@@ -8467,14 +10795,14 @@
       </p:sp>
       <p:sp>
         <p:nvSpPr>
-          <p:cNvPr id="80" name="TextShape 12"/>
-          <p:cNvSpPr txBox="1"/>
+          <p:cNvPr id="80" name="CustomShape 12"/>
+          <p:cNvSpPr/>
           <p:nvPr/>
         </p:nvSpPr>
         <p:spPr>
           <a:xfrm>
             <a:off x="3744000" y="145800"/>
-            <a:ext cx="1537200" cy="430200"/>
+            <a:ext cx="1536480" cy="429480"/>
           </a:xfrm>
           <a:prstGeom prst="rect">
             <a:avLst/>
@@ -8484,12 +10812,27 @@
             <a:noFill/>
           </a:ln>
         </p:spPr>
+        <p:style>
+          <a:lnRef idx="0"/>
+          <a:fillRef idx="0"/>
+          <a:effectRef idx="0"/>
+          <a:fontRef idx="minor"/>
+        </p:style>
         <p:txBody>
           <a:bodyPr lIns="90000" rIns="90000" tIns="45000" bIns="45000"/>
           <a:p>
+            <a:pPr>
+              <a:lnSpc>
+                <a:spcPct val="100000"/>
+              </a:lnSpc>
+            </a:pPr>
             <a:r>
               <a:rPr b="0" lang="en-IE" sz="2400" spc="-1" strike="noStrike">
-                <a:latin typeface="Arial"/>
+                <a:solidFill>
+                  <a:srgbClr val="000000"/>
+                </a:solidFill>
+                <a:latin typeface="Arial"/>
+                <a:ea typeface="DejaVu Sans"/>
               </a:rPr>
               <a:t>Starter Kit</a:t>
             </a:r>
@@ -8504,38 +10847,38 @@
   <p:timing>
     <p:tnLst>
       <p:par>
-        <p:cTn id="15" dur="indefinite" restart="never" nodeType="tmRoot">
+        <p:cTn id="21" dur="indefinite" restart="never" nodeType="tmRoot">
           <p:childTnLst>
             <p:seq>
-              <p:cTn id="16" dur="indefinite" nodeType="mainSeq">
+              <p:cTn id="22" dur="indefinite" nodeType="mainSeq">
                 <p:childTnLst>
                   <p:par>
-                    <p:cTn id="17" fill="hold">
+                    <p:cTn id="23" fill="hold">
                       <p:stCondLst>
                         <p:cond delay="indefinite"/>
                       </p:stCondLst>
                       <p:childTnLst>
                         <p:par>
-                          <p:cTn id="18" fill="hold">
+                          <p:cTn id="24" fill="hold">
                             <p:stCondLst>
                               <p:cond delay="0"/>
                             </p:stCondLst>
                             <p:childTnLst>
                               <p:par>
-                                <p:cTn id="19" nodeType="clickEffect" fill="hold" presetClass="entr" presetID="10">
+                                <p:cTn id="25" nodeType="clickEffect" fill="hold" presetClass="entr" presetID="1">
                                   <p:stCondLst>
                                     <p:cond delay="0"/>
                                   </p:stCondLst>
                                   <p:childTnLst>
                                     <p:set>
                                       <p:cBhvr>
-                                        <p:cTn id="20" dur="1" fill="hold">
+                                        <p:cTn id="26" dur="1" fill="hold">
                                           <p:stCondLst>
                                             <p:cond delay="0"/>
                                           </p:stCondLst>
                                         </p:cTn>
                                         <p:tgtEl>
-                                          <p:spTgt spid="69"/>
+                                          <p:spTgt spid="66"/>
                                         </p:tgtEl>
                                         <p:attrNameLst>
                                           <p:attrName>style.visibility</p:attrName>
@@ -8545,67 +10888,6 @@
                                         <p:strVal val="visible"/>
                                       </p:to>
                                     </p:set>
-                                    <p:animEffect filter="fade" transition="in">
-                                      <p:cBhvr additive="repl">
-                                        <p:cTn id="21" dur="2000"/>
-                                        <p:tgtEl>
-                                          <p:spTgt spid="69"/>
-                                        </p:tgtEl>
-                                      </p:cBhvr>
-                                    </p:animEffect>
-                                  </p:childTnLst>
-                                </p:cTn>
-                              </p:par>
-                            </p:childTnLst>
-                          </p:cTn>
-                        </p:par>
-                      </p:childTnLst>
-                    </p:cTn>
-                  </p:par>
-                  <p:par>
-                    <p:cTn id="22" fill="hold">
-                      <p:stCondLst>
-                        <p:cond delay="indefinite"/>
-                      </p:stCondLst>
-                      <p:childTnLst>
-                        <p:par>
-                          <p:cTn id="23" fill="hold">
-                            <p:stCondLst>
-                              <p:cond delay="0"/>
-                            </p:stCondLst>
-                            <p:childTnLst>
-                              <p:par>
-                                <p:cTn id="24" nodeType="clickEffect" fill="hold" presetClass="entr" presetID="10">
-                                  <p:stCondLst>
-                                    <p:cond delay="0"/>
-                                  </p:stCondLst>
-                                  <p:childTnLst>
-                                    <p:set>
-                                      <p:cBhvr>
-                                        <p:cTn id="25" dur="1" fill="hold">
-                                          <p:stCondLst>
-                                            <p:cond delay="0"/>
-                                          </p:stCondLst>
-                                        </p:cTn>
-                                        <p:tgtEl>
-                                          <p:spTgt spid="70"/>
-                                        </p:tgtEl>
-                                        <p:attrNameLst>
-                                          <p:attrName>style.visibility</p:attrName>
-                                        </p:attrNameLst>
-                                      </p:cBhvr>
-                                      <p:to>
-                                        <p:strVal val="visible"/>
-                                      </p:to>
-                                    </p:set>
-                                    <p:animEffect filter="fade" transition="in">
-                                      <p:cBhvr additive="repl">
-                                        <p:cTn id="26" dur="2000"/>
-                                        <p:tgtEl>
-                                          <p:spTgt spid="70"/>
-                                        </p:tgtEl>
-                                      </p:cBhvr>
-                                    </p:animEffect>
                                   </p:childTnLst>
                                 </p:cTn>
                               </p:par>
@@ -8628,7 +10910,7 @@
                             </p:stCondLst>
                             <p:childTnLst>
                               <p:par>
-                                <p:cTn id="29" nodeType="clickEffect" fill="hold" presetClass="entr" presetID="10">
+                                <p:cTn id="29" nodeType="clickEffect" fill="hold" presetClass="entr" presetID="1">
                                   <p:stCondLst>
                                     <p:cond delay="0"/>
                                   </p:stCondLst>
@@ -8641,11 +10923,7 @@
                                           </p:stCondLst>
                                         </p:cTn>
                                         <p:tgtEl>
-                                          <p:spTgt spid="71">
-                                            <p:txEl>
-                                              <p:pRg st="0" end="0"/>
-                                            </p:txEl>
-                                          </p:spTgt>
+                                          <p:spTgt spid="67"/>
                                         </p:tgtEl>
                                         <p:attrNameLst>
                                           <p:attrName>style.visibility</p:attrName>
@@ -8655,18 +10933,438 @@
                                         <p:strVal val="visible"/>
                                       </p:to>
                                     </p:set>
-                                    <p:animEffect filter="fade" transition="in">
-                                      <p:cBhvr additive="repl">
-                                        <p:cTn id="31" dur="2000"/>
+                                  </p:childTnLst>
+                                </p:cTn>
+                              </p:par>
+                            </p:childTnLst>
+                          </p:cTn>
+                        </p:par>
+                      </p:childTnLst>
+                    </p:cTn>
+                  </p:par>
+                  <p:par>
+                    <p:cTn id="31" fill="hold">
+                      <p:stCondLst>
+                        <p:cond delay="indefinite"/>
+                      </p:stCondLst>
+                      <p:childTnLst>
+                        <p:par>
+                          <p:cTn id="32" fill="hold">
+                            <p:stCondLst>
+                              <p:cond delay="0"/>
+                            </p:stCondLst>
+                            <p:childTnLst>
+                              <p:par>
+                                <p:cTn id="33" nodeType="clickEffect" fill="hold" presetClass="entr" presetID="1">
+                                  <p:stCondLst>
+                                    <p:cond delay="0"/>
+                                  </p:stCondLst>
+                                  <p:childTnLst>
+                                    <p:set>
+                                      <p:cBhvr>
+                                        <p:cTn id="34" dur="1" fill="hold">
+                                          <p:stCondLst>
+                                            <p:cond delay="0"/>
+                                          </p:stCondLst>
+                                        </p:cTn>
                                         <p:tgtEl>
-                                          <p:spTgt spid="71">
-                                            <p:txEl>
-                                              <p:pRg st="0" end="0"/>
-                                            </p:txEl>
-                                          </p:spTgt>
+                                          <p:spTgt spid="68"/>
                                         </p:tgtEl>
+                                        <p:attrNameLst>
+                                          <p:attrName>style.visibility</p:attrName>
+                                        </p:attrNameLst>
                                       </p:cBhvr>
-                                    </p:animEffect>
+                                      <p:to>
+                                        <p:strVal val="visible"/>
+                                      </p:to>
+                                    </p:set>
+                                  </p:childTnLst>
+                                </p:cTn>
+                              </p:par>
+                            </p:childTnLst>
+                          </p:cTn>
+                        </p:par>
+                      </p:childTnLst>
+                    </p:cTn>
+                  </p:par>
+                  <p:par>
+                    <p:cTn id="35" fill="hold">
+                      <p:stCondLst>
+                        <p:cond delay="indefinite"/>
+                      </p:stCondLst>
+                      <p:childTnLst>
+                        <p:par>
+                          <p:cTn id="36" fill="hold">
+                            <p:stCondLst>
+                              <p:cond delay="0"/>
+                            </p:stCondLst>
+                            <p:childTnLst>
+                              <p:par>
+                                <p:cTn id="37" nodeType="clickEffect" fill="hold" presetClass="entr" presetID="1">
+                                  <p:stCondLst>
+                                    <p:cond delay="0"/>
+                                  </p:stCondLst>
+                                  <p:childTnLst>
+                                    <p:set>
+                                      <p:cBhvr>
+                                        <p:cTn id="38" dur="1" fill="hold">
+                                          <p:stCondLst>
+                                            <p:cond delay="0"/>
+                                          </p:stCondLst>
+                                        </p:cTn>
+                                        <p:tgtEl>
+                                          <p:spTgt spid="69"/>
+                                        </p:tgtEl>
+                                        <p:attrNameLst>
+                                          <p:attrName>style.visibility</p:attrName>
+                                        </p:attrNameLst>
+                                      </p:cBhvr>
+                                      <p:to>
+                                        <p:strVal val="visible"/>
+                                      </p:to>
+                                    </p:set>
+                                  </p:childTnLst>
+                                </p:cTn>
+                              </p:par>
+                              <p:par>
+                                <p:cTn id="39" nodeType="withEffect" fill="hold" presetClass="entr" presetID="1">
+                                  <p:stCondLst>
+                                    <p:cond delay="0"/>
+                                  </p:stCondLst>
+                                  <p:childTnLst>
+                                    <p:set>
+                                      <p:cBhvr>
+                                        <p:cTn id="40" dur="1" fill="hold">
+                                          <p:stCondLst>
+                                            <p:cond delay="0"/>
+                                          </p:stCondLst>
+                                        </p:cTn>
+                                        <p:tgtEl>
+                                          <p:spTgt spid="70"/>
+                                        </p:tgtEl>
+                                        <p:attrNameLst>
+                                          <p:attrName>style.visibility</p:attrName>
+                                        </p:attrNameLst>
+                                      </p:cBhvr>
+                                      <p:to>
+                                        <p:strVal val="visible"/>
+                                      </p:to>
+                                    </p:set>
+                                  </p:childTnLst>
+                                </p:cTn>
+                              </p:par>
+                            </p:childTnLst>
+                          </p:cTn>
+                        </p:par>
+                      </p:childTnLst>
+                    </p:cTn>
+                  </p:par>
+                  <p:par>
+                    <p:cTn id="41" fill="hold">
+                      <p:stCondLst>
+                        <p:cond delay="indefinite"/>
+                      </p:stCondLst>
+                      <p:childTnLst>
+                        <p:par>
+                          <p:cTn id="42" fill="hold">
+                            <p:stCondLst>
+                              <p:cond delay="0"/>
+                            </p:stCondLst>
+                            <p:childTnLst>
+                              <p:par>
+                                <p:cTn id="43" nodeType="clickEffect" fill="hold" presetClass="entr" presetID="1">
+                                  <p:stCondLst>
+                                    <p:cond delay="0"/>
+                                  </p:stCondLst>
+                                  <p:childTnLst>
+                                    <p:set>
+                                      <p:cBhvr>
+                                        <p:cTn id="44" dur="1" fill="hold">
+                                          <p:stCondLst>
+                                            <p:cond delay="0"/>
+                                          </p:stCondLst>
+                                        </p:cTn>
+                                        <p:tgtEl>
+                                          <p:spTgt spid="72"/>
+                                        </p:tgtEl>
+                                        <p:attrNameLst>
+                                          <p:attrName>style.visibility</p:attrName>
+                                        </p:attrNameLst>
+                                      </p:cBhvr>
+                                      <p:to>
+                                        <p:strVal val="visible"/>
+                                      </p:to>
+                                    </p:set>
+                                  </p:childTnLst>
+                                </p:cTn>
+                              </p:par>
+                              <p:par>
+                                <p:cTn id="45" nodeType="withEffect" fill="hold" presetClass="entr" presetID="1">
+                                  <p:stCondLst>
+                                    <p:cond delay="0"/>
+                                  </p:stCondLst>
+                                  <p:childTnLst>
+                                    <p:set>
+                                      <p:cBhvr>
+                                        <p:cTn id="46" dur="1" fill="hold">
+                                          <p:stCondLst>
+                                            <p:cond delay="0"/>
+                                          </p:stCondLst>
+                                        </p:cTn>
+                                        <p:tgtEl>
+                                          <p:spTgt spid="73"/>
+                                        </p:tgtEl>
+                                        <p:attrNameLst>
+                                          <p:attrName>style.visibility</p:attrName>
+                                        </p:attrNameLst>
+                                      </p:cBhvr>
+                                      <p:to>
+                                        <p:strVal val="visible"/>
+                                      </p:to>
+                                    </p:set>
+                                  </p:childTnLst>
+                                </p:cTn>
+                              </p:par>
+                            </p:childTnLst>
+                          </p:cTn>
+                        </p:par>
+                      </p:childTnLst>
+                    </p:cTn>
+                  </p:par>
+                  <p:par>
+                    <p:cTn id="47" fill="hold">
+                      <p:stCondLst>
+                        <p:cond delay="indefinite"/>
+                      </p:stCondLst>
+                      <p:childTnLst>
+                        <p:par>
+                          <p:cTn id="48" fill="hold">
+                            <p:stCondLst>
+                              <p:cond delay="0"/>
+                            </p:stCondLst>
+                            <p:childTnLst>
+                              <p:par>
+                                <p:cTn id="49" nodeType="clickEffect" fill="hold" presetClass="entr" presetID="1">
+                                  <p:stCondLst>
+                                    <p:cond delay="0"/>
+                                  </p:stCondLst>
+                                  <p:childTnLst>
+                                    <p:set>
+                                      <p:cBhvr>
+                                        <p:cTn id="50" dur="1" fill="hold">
+                                          <p:stCondLst>
+                                            <p:cond delay="0"/>
+                                          </p:stCondLst>
+                                        </p:cTn>
+                                        <p:tgtEl>
+                                          <p:spTgt spid="74"/>
+                                        </p:tgtEl>
+                                        <p:attrNameLst>
+                                          <p:attrName>style.visibility</p:attrName>
+                                        </p:attrNameLst>
+                                      </p:cBhvr>
+                                      <p:to>
+                                        <p:strVal val="visible"/>
+                                      </p:to>
+                                    </p:set>
+                                  </p:childTnLst>
+                                </p:cTn>
+                              </p:par>
+                              <p:par>
+                                <p:cTn id="51" nodeType="withEffect" fill="hold" presetClass="entr" presetID="1">
+                                  <p:stCondLst>
+                                    <p:cond delay="0"/>
+                                  </p:stCondLst>
+                                  <p:childTnLst>
+                                    <p:set>
+                                      <p:cBhvr>
+                                        <p:cTn id="52" dur="1" fill="hold">
+                                          <p:stCondLst>
+                                            <p:cond delay="0"/>
+                                          </p:stCondLst>
+                                        </p:cTn>
+                                        <p:tgtEl>
+                                          <p:spTgt spid="75"/>
+                                        </p:tgtEl>
+                                        <p:attrNameLst>
+                                          <p:attrName>style.visibility</p:attrName>
+                                        </p:attrNameLst>
+                                      </p:cBhvr>
+                                      <p:to>
+                                        <p:strVal val="visible"/>
+                                      </p:to>
+                                    </p:set>
+                                  </p:childTnLst>
+                                </p:cTn>
+                              </p:par>
+                              <p:par>
+                                <p:cTn id="53" nodeType="withEffect" fill="hold" presetClass="entr" presetID="1">
+                                  <p:stCondLst>
+                                    <p:cond delay="0"/>
+                                  </p:stCondLst>
+                                  <p:childTnLst>
+                                    <p:set>
+                                      <p:cBhvr>
+                                        <p:cTn id="54" dur="1" fill="hold">
+                                          <p:stCondLst>
+                                            <p:cond delay="0"/>
+                                          </p:stCondLst>
+                                        </p:cTn>
+                                        <p:tgtEl>
+                                          <p:spTgt spid="77"/>
+                                        </p:tgtEl>
+                                        <p:attrNameLst>
+                                          <p:attrName>style.visibility</p:attrName>
+                                        </p:attrNameLst>
+                                      </p:cBhvr>
+                                      <p:to>
+                                        <p:strVal val="visible"/>
+                                      </p:to>
+                                    </p:set>
+                                  </p:childTnLst>
+                                </p:cTn>
+                              </p:par>
+                              <p:par>
+                                <p:cTn id="55" nodeType="withEffect" fill="hold" presetClass="entr" presetID="1">
+                                  <p:stCondLst>
+                                    <p:cond delay="0"/>
+                                  </p:stCondLst>
+                                  <p:childTnLst>
+                                    <p:set>
+                                      <p:cBhvr>
+                                        <p:cTn id="56" dur="1" fill="hold">
+                                          <p:stCondLst>
+                                            <p:cond delay="0"/>
+                                          </p:stCondLst>
+                                        </p:cTn>
+                                        <p:tgtEl>
+                                          <p:spTgt spid="78"/>
+                                        </p:tgtEl>
+                                        <p:attrNameLst>
+                                          <p:attrName>style.visibility</p:attrName>
+                                        </p:attrNameLst>
+                                      </p:cBhvr>
+                                      <p:to>
+                                        <p:strVal val="visible"/>
+                                      </p:to>
+                                    </p:set>
+                                  </p:childTnLst>
+                                </p:cTn>
+                              </p:par>
+                              <p:par>
+                                <p:cTn id="57" nodeType="withEffect" fill="hold" presetClass="entr" presetID="1">
+                                  <p:stCondLst>
+                                    <p:cond delay="0"/>
+                                  </p:stCondLst>
+                                  <p:childTnLst>
+                                    <p:set>
+                                      <p:cBhvr>
+                                        <p:cTn id="58" dur="1" fill="hold">
+                                          <p:stCondLst>
+                                            <p:cond delay="0"/>
+                                          </p:stCondLst>
+                                        </p:cTn>
+                                        <p:tgtEl>
+                                          <p:spTgt spid="79"/>
+                                        </p:tgtEl>
+                                        <p:attrNameLst>
+                                          <p:attrName>style.visibility</p:attrName>
+                                        </p:attrNameLst>
+                                      </p:cBhvr>
+                                      <p:to>
+                                        <p:strVal val="visible"/>
+                                      </p:to>
+                                    </p:set>
+                                  </p:childTnLst>
+                                </p:cTn>
+                              </p:par>
+                            </p:childTnLst>
+                          </p:cTn>
+                        </p:par>
+                      </p:childTnLst>
+                    </p:cTn>
+                  </p:par>
+                  <p:par>
+                    <p:cTn id="59" fill="hold">
+                      <p:stCondLst>
+                        <p:cond delay="indefinite"/>
+                      </p:stCondLst>
+                      <p:childTnLst>
+                        <p:par>
+                          <p:cTn id="60" fill="hold">
+                            <p:stCondLst>
+                              <p:cond delay="0"/>
+                            </p:stCondLst>
+                            <p:childTnLst>
+                              <p:par>
+                                <p:cTn id="61" nodeType="clickEffect" fill="hold" presetClass="entr" presetID="1">
+                                  <p:stCondLst>
+                                    <p:cond delay="0"/>
+                                  </p:stCondLst>
+                                  <p:childTnLst>
+                                    <p:set>
+                                      <p:cBhvr>
+                                        <p:cTn id="62" dur="1" fill="hold">
+                                          <p:stCondLst>
+                                            <p:cond delay="0"/>
+                                          </p:stCondLst>
+                                        </p:cTn>
+                                        <p:tgtEl>
+                                          <p:spTgt spid="76"/>
+                                        </p:tgtEl>
+                                        <p:attrNameLst>
+                                          <p:attrName>style.visibility</p:attrName>
+                                        </p:attrNameLst>
+                                      </p:cBhvr>
+                                      <p:to>
+                                        <p:strVal val="visible"/>
+                                      </p:to>
+                                    </p:set>
+                                  </p:childTnLst>
+                                </p:cTn>
+                              </p:par>
+                            </p:childTnLst>
+                          </p:cTn>
+                        </p:par>
+                      </p:childTnLst>
+                    </p:cTn>
+                  </p:par>
+                  <p:par>
+                    <p:cTn id="63" fill="hold">
+                      <p:stCondLst>
+                        <p:cond delay="indefinite"/>
+                      </p:stCondLst>
+                      <p:childTnLst>
+                        <p:par>
+                          <p:cTn id="64" fill="hold">
+                            <p:stCondLst>
+                              <p:cond delay="0"/>
+                            </p:stCondLst>
+                            <p:childTnLst>
+                              <p:par>
+                                <p:cTn id="65" nodeType="clickEffect" fill="hold" presetClass="entr" presetID="1">
+                                  <p:stCondLst>
+                                    <p:cond delay="0"/>
+                                  </p:stCondLst>
+                                  <p:childTnLst>
+                                    <p:set>
+                                      <p:cBhvr>
+                                        <p:cTn id="66" dur="1" fill="hold">
+                                          <p:stCondLst>
+                                            <p:cond delay="0"/>
+                                          </p:stCondLst>
+                                        </p:cTn>
+                                        <p:tgtEl>
+                                          <p:spTgt spid="71"/>
+                                        </p:tgtEl>
+                                        <p:attrNameLst>
+                                          <p:attrName>style.visibility</p:attrName>
+                                        </p:attrNameLst>
+                                      </p:cBhvr>
+                                      <p:to>
+                                        <p:strVal val="visible"/>
+                                      </p:to>
+                                    </p:set>
                                   </p:childTnLst>
                                 </p:cTn>
                               </p:par>
@@ -8727,7 +11425,7 @@
         <p:spPr>
           <a:xfrm>
             <a:off x="2376000" y="42840"/>
-            <a:ext cx="5707080" cy="1324800"/>
+            <a:ext cx="5706360" cy="1324080"/>
           </a:xfrm>
           <a:prstGeom prst="rect">
             <a:avLst/>
@@ -8757,6 +11455,7 @@
                   <a:srgbClr val="000000"/>
                 </a:solidFill>
                 <a:latin typeface="Arial"/>
+                <a:ea typeface="DejaVu Sans"/>
               </a:rPr>
               <a:t>Editors and Configuration</a:t>
             </a:r>
@@ -8775,7 +11474,7 @@
         <p:spPr>
           <a:xfrm>
             <a:off x="381240" y="1180080"/>
-            <a:ext cx="8762400" cy="4723560"/>
+            <a:ext cx="8761680" cy="4722840"/>
           </a:xfrm>
           <a:prstGeom prst="rect">
             <a:avLst/>
@@ -8796,7 +11495,7 @@
             <a:normAutofit/>
           </a:bodyPr>
           <a:p>
-            <a:pPr marL="171360" indent="-170640">
+            <a:pPr marL="171360" indent="-169920">
               <a:lnSpc>
                 <a:spcPct val="90000"/>
               </a:lnSpc>
@@ -8815,6 +11514,7 @@
                   <a:srgbClr val="000000"/>
                 </a:solidFill>
                 <a:latin typeface="Arial"/>
+                <a:ea typeface="DejaVu Sans"/>
               </a:rPr>
               <a:t>The list of choices is </a:t>
             </a:r>
@@ -8824,6 +11524,7 @@
                   <a:srgbClr val="000000"/>
                 </a:solidFill>
                 <a:latin typeface="Arial"/>
+                <a:ea typeface="DejaVu Sans"/>
               </a:rPr>
               <a:t>LONG</a:t>
             </a:r>
@@ -8832,7 +11533,7 @@
             </a:endParaRPr>
           </a:p>
           <a:p>
-            <a:pPr marL="171360" indent="-170640">
+            <a:pPr marL="171360" indent="-169920">
               <a:lnSpc>
                 <a:spcPct val="90000"/>
               </a:lnSpc>
@@ -8851,6 +11552,7 @@
                   <a:srgbClr val="000000"/>
                 </a:solidFill>
                 <a:latin typeface="Arial"/>
+                <a:ea typeface="DejaVu Sans"/>
               </a:rPr>
               <a:t>The list is </a:t>
             </a:r>
@@ -8860,6 +11562,7 @@
                   <a:srgbClr val="000000"/>
                 </a:solidFill>
                 <a:latin typeface="Arial"/>
+                <a:ea typeface="DejaVu Sans"/>
               </a:rPr>
               <a:t>COMPLEX</a:t>
             </a:r>
@@ -8868,7 +11571,7 @@
             </a:endParaRPr>
           </a:p>
           <a:p>
-            <a:pPr marL="171360" indent="-170640">
+            <a:pPr marL="171360" indent="-169920">
               <a:lnSpc>
                 <a:spcPct val="90000"/>
               </a:lnSpc>
@@ -8887,6 +11590,7 @@
                   <a:srgbClr val="000000"/>
                 </a:solidFill>
                 <a:latin typeface="Arial"/>
+                <a:ea typeface="DejaVu Sans"/>
               </a:rPr>
               <a:t>The team have to go in the same </a:t>
             </a:r>
@@ -8896,6 +11600,7 @@
                   <a:srgbClr val="000000"/>
                 </a:solidFill>
                 <a:latin typeface="Arial"/>
+                <a:ea typeface="DejaVu Sans"/>
               </a:rPr>
               <a:t>direction</a:t>
             </a:r>
@@ -8940,7 +11645,7 @@
         <p:spPr>
           <a:xfrm>
             <a:off x="340560" y="2418840"/>
-            <a:ext cx="5707080" cy="1324800"/>
+            <a:ext cx="5706360" cy="1324080"/>
           </a:xfrm>
           <a:prstGeom prst="rect">
             <a:avLst/>
@@ -8970,6 +11675,7 @@
                   <a:srgbClr val="000000"/>
                 </a:solidFill>
                 <a:latin typeface="Arial"/>
+                <a:ea typeface="DejaVu Sans"/>
               </a:rPr>
               <a:t>A good choice could be an Editor with:</a:t>
             </a:r>
@@ -8988,7 +11694,7 @@
         <p:spPr>
           <a:xfrm>
             <a:off x="381240" y="3384000"/>
-            <a:ext cx="8762400" cy="4723560"/>
+            <a:ext cx="8761680" cy="4722840"/>
           </a:xfrm>
           <a:prstGeom prst="rect">
             <a:avLst/>
@@ -9009,7 +11715,7 @@
             <a:normAutofit/>
           </a:bodyPr>
           <a:p>
-            <a:pPr marL="171360" indent="-170640">
+            <a:pPr marL="171360" indent="-169920">
               <a:lnSpc>
                 <a:spcPct val="90000"/>
               </a:lnSpc>
@@ -9028,6 +11734,7 @@
                   <a:srgbClr val="000000"/>
                 </a:solidFill>
                 <a:latin typeface="Arial"/>
+                <a:ea typeface="DejaVu Sans"/>
               </a:rPr>
               <a:t>Autocompletion</a:t>
             </a:r>
@@ -9036,7 +11743,7 @@
             </a:endParaRPr>
           </a:p>
           <a:p>
-            <a:pPr marL="171360" indent="-170640">
+            <a:pPr marL="171360" indent="-169920">
               <a:lnSpc>
                 <a:spcPct val="90000"/>
               </a:lnSpc>
@@ -9055,6 +11762,7 @@
                   <a:srgbClr val="000000"/>
                 </a:solidFill>
                 <a:latin typeface="Arial"/>
+                <a:ea typeface="DejaVu Sans"/>
               </a:rPr>
               <a:t>Framework support</a:t>
             </a:r>
@@ -9063,7 +11771,7 @@
             </a:endParaRPr>
           </a:p>
           <a:p>
-            <a:pPr marL="171360" indent="-170640">
+            <a:pPr marL="171360" indent="-169920">
               <a:lnSpc>
                 <a:spcPct val="90000"/>
               </a:lnSpc>
@@ -9082,6 +11790,7 @@
                   <a:srgbClr val="000000"/>
                 </a:solidFill>
                 <a:latin typeface="Arial"/>
+                <a:ea typeface="DejaVu Sans"/>
               </a:rPr>
               <a:t>Lightweight</a:t>
             </a:r>
@@ -9090,7 +11799,7 @@
             </a:endParaRPr>
           </a:p>
           <a:p>
-            <a:pPr marL="171360" indent="-170640">
+            <a:pPr marL="171360" indent="-169920">
               <a:lnSpc>
                 <a:spcPct val="90000"/>
               </a:lnSpc>
@@ -9109,6 +11818,7 @@
                   <a:srgbClr val="000000"/>
                 </a:solidFill>
                 <a:latin typeface="Arial"/>
+                <a:ea typeface="DejaVu Sans"/>
               </a:rPr>
               <a:t>Built-in terminal</a:t>
             </a:r>
@@ -9117,7 +11827,7 @@
             </a:endParaRPr>
           </a:p>
           <a:p>
-            <a:pPr marL="171360" indent="-170640">
+            <a:pPr marL="171360" indent="-169920">
               <a:lnSpc>
                 <a:spcPct val="90000"/>
               </a:lnSpc>
@@ -9136,6 +11846,7 @@
                   <a:srgbClr val="000000"/>
                 </a:solidFill>
                 <a:latin typeface="Arial"/>
+                <a:ea typeface="DejaVu Sans"/>
               </a:rPr>
               <a:t>100% Customizable</a:t>
             </a:r>
@@ -9144,7 +11855,7 @@
             </a:endParaRPr>
           </a:p>
           <a:p>
-            <a:pPr marL="171360" indent="-170640">
+            <a:pPr marL="171360" indent="-169920">
               <a:lnSpc>
                 <a:spcPct val="90000"/>
               </a:lnSpc>
@@ -9163,6 +11874,7 @@
                   <a:srgbClr val="000000"/>
                 </a:solidFill>
                 <a:latin typeface="Arial"/>
+                <a:ea typeface="DejaVu Sans"/>
               </a:rPr>
               <a:t>Free</a:t>
             </a:r>
@@ -9211,7 +11923,7 @@
         <p:spPr>
           <a:xfrm>
             <a:off x="2160000" y="5400000"/>
-            <a:ext cx="2735640" cy="1367640"/>
+            <a:ext cx="2734920" cy="1366920"/>
           </a:xfrm>
           <a:prstGeom prst="rect">
             <a:avLst/>
@@ -9230,7 +11942,7 @@
         <p:spPr>
           <a:xfrm>
             <a:off x="4248000" y="5688000"/>
-            <a:ext cx="431640" cy="431640"/>
+            <a:ext cx="430920" cy="430920"/>
           </a:xfrm>
           <a:prstGeom prst="smileyFace">
             <a:avLst>
@@ -9258,32 +11970,32 @@
   <p:timing>
     <p:tnLst>
       <p:par>
-        <p:cTn id="32" dur="indefinite" restart="never" nodeType="tmRoot">
+        <p:cTn id="67" dur="indefinite" restart="never" nodeType="tmRoot">
           <p:childTnLst>
             <p:seq>
-              <p:cTn id="33" dur="indefinite" nodeType="mainSeq">
+              <p:cTn id="68" dur="indefinite" nodeType="mainSeq">
                 <p:childTnLst>
                   <p:par>
-                    <p:cTn id="34" fill="hold">
+                    <p:cTn id="69" fill="hold">
                       <p:stCondLst>
                         <p:cond delay="indefinite"/>
                       </p:stCondLst>
                       <p:childTnLst>
                         <p:par>
-                          <p:cTn id="35" fill="hold">
+                          <p:cTn id="70" fill="hold">
                             <p:stCondLst>
                               <p:cond delay="0"/>
                             </p:stCondLst>
                             <p:childTnLst>
                               <p:par>
-                                <p:cTn id="36" nodeType="clickEffect" fill="hold" presetClass="entr" presetID="1">
+                                <p:cTn id="71" nodeType="clickEffect" fill="hold" presetClass="entr" presetID="1">
                                   <p:stCondLst>
                                     <p:cond delay="0"/>
                                   </p:stCondLst>
                                   <p:childTnLst>
                                     <p:set>
                                       <p:cBhvr>
-                                        <p:cTn id="37" dur="1" fill="hold">
+                                        <p:cTn id="72" dur="1" fill="hold">
                                           <p:stCondLst>
                                             <p:cond delay="0"/>
                                           </p:stCondLst>
@@ -9313,26 +12025,26 @@
                     </p:cTn>
                   </p:par>
                   <p:par>
-                    <p:cTn id="38" fill="hold">
+                    <p:cTn id="73" fill="hold">
                       <p:stCondLst>
                         <p:cond delay="indefinite"/>
                       </p:stCondLst>
                       <p:childTnLst>
                         <p:par>
-                          <p:cTn id="39" fill="hold">
+                          <p:cTn id="74" fill="hold">
                             <p:stCondLst>
                               <p:cond delay="0"/>
                             </p:stCondLst>
                             <p:childTnLst>
                               <p:par>
-                                <p:cTn id="40" nodeType="clickEffect" fill="hold" presetClass="entr" presetID="1">
+                                <p:cTn id="75" nodeType="clickEffect" fill="hold" presetClass="entr" presetID="1">
                                   <p:stCondLst>
                                     <p:cond delay="0"/>
                                   </p:stCondLst>
                                   <p:childTnLst>
                                     <p:set>
                                       <p:cBhvr>
-                                        <p:cTn id="41" dur="1" fill="hold">
+                                        <p:cTn id="76" dur="1" fill="hold">
                                           <p:stCondLst>
                                             <p:cond delay="0"/>
                                           </p:stCondLst>
@@ -9362,26 +12074,26 @@
                     </p:cTn>
                   </p:par>
                   <p:par>
-                    <p:cTn id="42" fill="hold">
+                    <p:cTn id="77" fill="hold">
                       <p:stCondLst>
                         <p:cond delay="indefinite"/>
                       </p:stCondLst>
                       <p:childTnLst>
                         <p:par>
-                          <p:cTn id="43" fill="hold">
+                          <p:cTn id="78" fill="hold">
                             <p:stCondLst>
                               <p:cond delay="0"/>
                             </p:stCondLst>
                             <p:childTnLst>
                               <p:par>
-                                <p:cTn id="44" nodeType="clickEffect" fill="hold" presetClass="entr" presetID="1">
+                                <p:cTn id="79" nodeType="clickEffect" fill="hold" presetClass="entr" presetID="1">
                                   <p:stCondLst>
                                     <p:cond delay="0"/>
                                   </p:stCondLst>
                                   <p:childTnLst>
                                     <p:set>
                                       <p:cBhvr>
-                                        <p:cTn id="45" dur="1" fill="hold">
+                                        <p:cTn id="80" dur="1" fill="hold">
                                           <p:stCondLst>
                                             <p:cond delay="0"/>
                                           </p:stCondLst>
@@ -9411,26 +12123,26 @@
                     </p:cTn>
                   </p:par>
                   <p:par>
-                    <p:cTn id="46" fill="hold">
+                    <p:cTn id="81" fill="hold">
                       <p:stCondLst>
                         <p:cond delay="indefinite"/>
                       </p:stCondLst>
                       <p:childTnLst>
                         <p:par>
-                          <p:cTn id="47" fill="hold">
+                          <p:cTn id="82" fill="hold">
                             <p:stCondLst>
                               <p:cond delay="0"/>
                             </p:stCondLst>
                             <p:childTnLst>
                               <p:par>
-                                <p:cTn id="48" nodeType="clickEffect" fill="hold" presetClass="entr" presetID="1">
+                                <p:cTn id="83" nodeType="clickEffect" fill="hold" presetClass="entr" presetID="1">
                                   <p:stCondLst>
                                     <p:cond delay="0"/>
                                   </p:stCondLst>
                                   <p:childTnLst>
                                     <p:set>
                                       <p:cBhvr>
-                                        <p:cTn id="49" dur="1" fill="hold">
+                                        <p:cTn id="84" dur="1" fill="hold">
                                           <p:stCondLst>
                                             <p:cond delay="0"/>
                                           </p:stCondLst>
@@ -9460,26 +12172,26 @@
                     </p:cTn>
                   </p:par>
                   <p:par>
-                    <p:cTn id="50" fill="hold">
+                    <p:cTn id="85" fill="hold">
                       <p:stCondLst>
                         <p:cond delay="indefinite"/>
                       </p:stCondLst>
                       <p:childTnLst>
                         <p:par>
-                          <p:cTn id="51" fill="hold">
+                          <p:cTn id="86" fill="hold">
                             <p:stCondLst>
                               <p:cond delay="0"/>
                             </p:stCondLst>
                             <p:childTnLst>
                               <p:par>
-                                <p:cTn id="52" nodeType="clickEffect" fill="hold" presetClass="entr" presetID="1">
+                                <p:cTn id="87" nodeType="clickEffect" fill="hold" presetClass="entr" presetID="1">
                                   <p:stCondLst>
                                     <p:cond delay="0"/>
                                   </p:stCondLst>
                                   <p:childTnLst>
                                     <p:set>
                                       <p:cBhvr>
-                                        <p:cTn id="53" dur="1" fill="hold">
+                                        <p:cTn id="88" dur="1" fill="hold">
                                           <p:stCondLst>
                                             <p:cond delay="0"/>
                                           </p:stCondLst>
@@ -9509,26 +12221,26 @@
                     </p:cTn>
                   </p:par>
                   <p:par>
-                    <p:cTn id="54" fill="hold">
+                    <p:cTn id="89" fill="hold">
                       <p:stCondLst>
                         <p:cond delay="indefinite"/>
                       </p:stCondLst>
                       <p:childTnLst>
                         <p:par>
-                          <p:cTn id="55" fill="hold">
+                          <p:cTn id="90" fill="hold">
                             <p:stCondLst>
                               <p:cond delay="0"/>
                             </p:stCondLst>
                             <p:childTnLst>
                               <p:par>
-                                <p:cTn id="56" nodeType="clickEffect" fill="hold" presetClass="entr" presetID="1">
+                                <p:cTn id="91" nodeType="clickEffect" fill="hold" presetClass="entr" presetID="1">
                                   <p:stCondLst>
                                     <p:cond delay="0"/>
                                   </p:stCondLst>
                                   <p:childTnLst>
                                     <p:set>
                                       <p:cBhvr>
-                                        <p:cTn id="57" dur="1" fill="hold">
+                                        <p:cTn id="92" dur="1" fill="hold">
                                           <p:stCondLst>
                                             <p:cond delay="0"/>
                                           </p:stCondLst>
@@ -9558,26 +12270,26 @@
                     </p:cTn>
                   </p:par>
                   <p:par>
-                    <p:cTn id="58" fill="hold">
+                    <p:cTn id="93" fill="hold">
                       <p:stCondLst>
                         <p:cond delay="indefinite"/>
                       </p:stCondLst>
                       <p:childTnLst>
                         <p:par>
-                          <p:cTn id="59" fill="hold">
+                          <p:cTn id="94" fill="hold">
                             <p:stCondLst>
                               <p:cond delay="0"/>
                             </p:stCondLst>
                             <p:childTnLst>
                               <p:par>
-                                <p:cTn id="60" nodeType="clickEffect" fill="hold" presetClass="entr" presetID="1">
+                                <p:cTn id="95" nodeType="clickEffect" fill="hold" presetClass="entr" presetID="1">
                                   <p:stCondLst>
                                     <p:cond delay="0"/>
                                   </p:stCondLst>
                                   <p:childTnLst>
                                     <p:set>
                                       <p:cBhvr>
-                                        <p:cTn id="61" dur="1" fill="hold">
+                                        <p:cTn id="96" dur="1" fill="hold">
                                           <p:stCondLst>
                                             <p:cond delay="0"/>
                                           </p:stCondLst>
@@ -9607,26 +12319,26 @@
                     </p:cTn>
                   </p:par>
                   <p:par>
-                    <p:cTn id="62" fill="hold">
+                    <p:cTn id="97" fill="hold">
                       <p:stCondLst>
                         <p:cond delay="indefinite"/>
                       </p:stCondLst>
                       <p:childTnLst>
                         <p:par>
-                          <p:cTn id="63" fill="hold">
+                          <p:cTn id="98" fill="hold">
                             <p:stCondLst>
                               <p:cond delay="0"/>
                             </p:stCondLst>
                             <p:childTnLst>
                               <p:par>
-                                <p:cTn id="64" nodeType="clickEffect" fill="hold" presetClass="entr" presetID="1">
+                                <p:cTn id="99" nodeType="clickEffect" fill="hold" presetClass="entr" presetID="1">
                                   <p:stCondLst>
                                     <p:cond delay="0"/>
                                   </p:stCondLst>
                                   <p:childTnLst>
                                     <p:set>
                                       <p:cBhvr>
-                                        <p:cTn id="65" dur="1" fill="hold">
+                                        <p:cTn id="100" dur="1" fill="hold">
                                           <p:stCondLst>
                                             <p:cond delay="0"/>
                                           </p:stCondLst>
@@ -9656,26 +12368,26 @@
                     </p:cTn>
                   </p:par>
                   <p:par>
-                    <p:cTn id="66" fill="hold">
+                    <p:cTn id="101" fill="hold">
                       <p:stCondLst>
                         <p:cond delay="indefinite"/>
                       </p:stCondLst>
                       <p:childTnLst>
                         <p:par>
-                          <p:cTn id="67" fill="hold">
+                          <p:cTn id="102" fill="hold">
                             <p:stCondLst>
                               <p:cond delay="0"/>
                             </p:stCondLst>
                             <p:childTnLst>
                               <p:par>
-                                <p:cTn id="68" nodeType="clickEffect" fill="hold" presetClass="entr" presetID="1">
+                                <p:cTn id="103" nodeType="clickEffect" fill="hold" presetClass="entr" presetID="1">
                                   <p:stCondLst>
                                     <p:cond delay="0"/>
                                   </p:stCondLst>
                                   <p:childTnLst>
                                     <p:set>
                                       <p:cBhvr>
-                                        <p:cTn id="69" dur="1" fill="hold">
+                                        <p:cTn id="104" dur="1" fill="hold">
                                           <p:stCondLst>
                                             <p:cond delay="0"/>
                                           </p:stCondLst>
@@ -9705,26 +12417,26 @@
                     </p:cTn>
                   </p:par>
                   <p:par>
-                    <p:cTn id="70" fill="hold">
+                    <p:cTn id="105" fill="hold">
                       <p:stCondLst>
                         <p:cond delay="indefinite"/>
                       </p:stCondLst>
                       <p:childTnLst>
                         <p:par>
-                          <p:cTn id="71" fill="hold">
+                          <p:cTn id="106" fill="hold">
                             <p:stCondLst>
                               <p:cond delay="0"/>
                             </p:stCondLst>
                             <p:childTnLst>
                               <p:par>
-                                <p:cTn id="72" nodeType="clickEffect" fill="hold" presetClass="entr" presetID="1">
+                                <p:cTn id="107" nodeType="clickEffect" fill="hold" presetClass="entr" presetID="1">
                                   <p:stCondLst>
                                     <p:cond delay="0"/>
                                   </p:stCondLst>
                                   <p:childTnLst>
                                     <p:set>
                                       <p:cBhvr>
-                                        <p:cTn id="73" dur="1" fill="hold">
+                                        <p:cTn id="108" dur="1" fill="hold">
                                           <p:stCondLst>
                                             <p:cond delay="0"/>
                                           </p:stCondLst>
@@ -9754,26 +12466,26 @@
                     </p:cTn>
                   </p:par>
                   <p:par>
-                    <p:cTn id="74" fill="hold">
+                    <p:cTn id="109" fill="hold">
                       <p:stCondLst>
                         <p:cond delay="indefinite"/>
                       </p:stCondLst>
                       <p:childTnLst>
                         <p:par>
-                          <p:cTn id="75" fill="hold">
+                          <p:cTn id="110" fill="hold">
                             <p:stCondLst>
                               <p:cond delay="0"/>
                             </p:stCondLst>
                             <p:childTnLst>
                               <p:par>
-                                <p:cTn id="76" nodeType="clickEffect" fill="hold" presetClass="entr" presetID="2" presetSubtype="4">
+                                <p:cTn id="111" nodeType="clickEffect" fill="hold" presetClass="entr" presetID="2" presetSubtype="4">
                                   <p:stCondLst>
                                     <p:cond delay="0"/>
                                   </p:stCondLst>
                                   <p:childTnLst>
                                     <p:set>
                                       <p:cBhvr>
-                                        <p:cTn id="77" dur="1" fill="hold">
+                                        <p:cTn id="112" dur="1" fill="hold">
                                           <p:stCondLst>
                                             <p:cond delay="0"/>
                                           </p:stCondLst>
@@ -9791,7 +12503,7 @@
                                     </p:set>
                                     <p:anim calcmode="lin" valueType="num">
                                       <p:cBhvr additive="repl">
-                                        <p:cTn id="78" dur="500" fill="hold"/>
+                                        <p:cTn id="113" dur="500" fill="hold"/>
                                         <p:tgtEl>
                                           <p:spTgt spid="85"/>
                                         </p:tgtEl>
@@ -9814,7 +12526,7 @@
                                     </p:anim>
                                     <p:anim calcmode="lin" valueType="num">
                                       <p:cBhvr additive="repl">
-                                        <p:cTn id="79" dur="500" fill="hold"/>
+                                        <p:cTn id="114" dur="500" fill="hold"/>
                                         <p:tgtEl>
                                           <p:spTgt spid="85"/>
                                         </p:tgtEl>
@@ -9845,26 +12557,26 @@
                     </p:cTn>
                   </p:par>
                   <p:par>
-                    <p:cTn id="80" fill="hold">
+                    <p:cTn id="115" fill="hold">
                       <p:stCondLst>
                         <p:cond delay="indefinite"/>
                       </p:stCondLst>
                       <p:childTnLst>
                         <p:par>
-                          <p:cTn id="81" fill="hold">
+                          <p:cTn id="116" fill="hold">
                             <p:stCondLst>
                               <p:cond delay="0"/>
                             </p:stCondLst>
                             <p:childTnLst>
                               <p:par>
-                                <p:cTn id="82" nodeType="clickEffect" fill="hold" presetClass="entr" presetID="37">
+                                <p:cTn id="117" nodeType="clickEffect" fill="hold" presetClass="entr" presetID="37">
                                   <p:stCondLst>
                                     <p:cond delay="0"/>
                                   </p:stCondLst>
                                   <p:childTnLst>
                                     <p:set>
                                       <p:cBhvr>
-                                        <p:cTn id="83" dur="1" fill="hold">
+                                        <p:cTn id="118" dur="1" fill="hold">
                                           <p:stCondLst>
                                             <p:cond delay="0"/>
                                           </p:stCondLst>
@@ -9882,7 +12594,7 @@
                                     </p:set>
                                     <p:animEffect filter="fade" transition="in">
                                       <p:cBhvr additive="repl">
-                                        <p:cTn id="84" dur="1000"/>
+                                        <p:cTn id="119" dur="1000"/>
                                         <p:tgtEl>
                                           <p:spTgt spid="86"/>
                                         </p:tgtEl>
@@ -9890,7 +12602,7 @@
                                     </p:animEffect>
                                     <p:anim calcmode="lin" valueType="num">
                                       <p:cBhvr additive="repl">
-                                        <p:cTn id="85" dur="1000" fill="hold"/>
+                                        <p:cTn id="120" dur="1000" fill="hold"/>
                                         <p:tgtEl>
                                           <p:spTgt spid="86"/>
                                         </p:tgtEl>
@@ -9913,7 +12625,7 @@
                                     </p:anim>
                                     <p:anim calcmode="lin" valueType="num">
                                       <p:cBhvr additive="repl">
-                                        <p:cTn id="86" dur="900" fill="hold"/>
+                                        <p:cTn id="121" dur="900" fill="hold"/>
                                         <p:tgtEl>
                                           <p:spTgt spid="86"/>
                                         </p:tgtEl>
@@ -9936,7 +12648,7 @@
                                     </p:anim>
                                     <p:anim calcmode="lin" valueType="num">
                                       <p:cBhvr additive="repl">
-                                        <p:cTn id="87" dur="100" fill="hold">
+                                        <p:cTn id="122" dur="100" fill="hold">
                                           <p:stCondLst>
                                             <p:cond delay="900"/>
                                           </p:stCondLst>
